--- a/15日晨会汇报.pptx
+++ b/15日晨会汇报.pptx
@@ -151,7 +151,7 @@
   </p:defaultTextStyle>
   <p:extLst>
     <p:ext uri="{EFAFB233-063F-42B5-8137-9DF3F51BA10A}">
-      <p15:sldGuideLst xmlns="" xmlns:p15="http://schemas.microsoft.com/office/powerpoint/2012/main">
+      <p15:sldGuideLst xmlns:p15="http://schemas.microsoft.com/office/powerpoint/2012/main" xmlns="">
         <p15:guide id="1" orient="horz" pos="1597">
           <p15:clr>
             <a:srgbClr val="A4A3A4"/>
@@ -309,7 +309,7 @@
             <a:fld id="{1D00F9FB-5080-5E4B-80A0-21AAAFB12036}" type="datetimeFigureOut">
               <a:rPr lang="zh-CN" altLang="en-US"/>
               <a:pPr/>
-              <a:t>2017/9/15</a:t>
+              <a:t>17-9-15</a:t>
             </a:fld>
             <a:endParaRPr lang="zh-CN" altLang="en-US"/>
           </a:p>
@@ -376,7 +376,7 @@
   <p:clrMapOvr>
     <a:masterClrMapping/>
   </p:clrMapOvr>
-  <p:transition spd="slow">
+  <p:transition xmlns:p14="http://schemas.microsoft.com/office/powerpoint/2010/main" spd="slow">
     <p:wipe/>
   </p:transition>
 </p:sldLayout>
@@ -496,7 +496,7 @@
             <a:fld id="{03C39F2A-8141-9E41-93F6-66191A7DD2D3}" type="datetimeFigureOut">
               <a:rPr lang="zh-CN" altLang="en-US"/>
               <a:pPr/>
-              <a:t>2017/9/15</a:t>
+              <a:t>17-9-15</a:t>
             </a:fld>
             <a:endParaRPr lang="zh-CN" altLang="en-US"/>
           </a:p>
@@ -563,7 +563,7 @@
   <p:clrMapOvr>
     <a:masterClrMapping/>
   </p:clrMapOvr>
-  <p:transition spd="slow">
+  <p:transition xmlns:p14="http://schemas.microsoft.com/office/powerpoint/2010/main" spd="slow">
     <p:wipe/>
   </p:transition>
 </p:sldLayout>
@@ -693,7 +693,7 @@
             <a:fld id="{A7473D9F-E9B3-2F4C-9816-23AF2F204DDC}" type="datetimeFigureOut">
               <a:rPr lang="zh-CN" altLang="en-US"/>
               <a:pPr/>
-              <a:t>2017/9/15</a:t>
+              <a:t>17-9-15</a:t>
             </a:fld>
             <a:endParaRPr lang="zh-CN" altLang="en-US"/>
           </a:p>
@@ -760,7 +760,7 @@
   <p:clrMapOvr>
     <a:masterClrMapping/>
   </p:clrMapOvr>
-  <p:transition spd="slow">
+  <p:transition xmlns:p14="http://schemas.microsoft.com/office/powerpoint/2010/main" spd="slow">
     <p:wipe/>
   </p:transition>
 </p:sldLayout>
@@ -880,7 +880,7 @@
             <a:fld id="{989F6407-BF86-914C-ADA6-16EAE3B57F00}" type="datetimeFigureOut">
               <a:rPr lang="zh-CN" altLang="en-US"/>
               <a:pPr/>
-              <a:t>2017/9/15</a:t>
+              <a:t>17-9-15</a:t>
             </a:fld>
             <a:endParaRPr lang="zh-CN" altLang="en-US"/>
           </a:p>
@@ -947,7 +947,7 @@
   <p:clrMapOvr>
     <a:masterClrMapping/>
   </p:clrMapOvr>
-  <p:transition spd="slow">
+  <p:transition xmlns:p14="http://schemas.microsoft.com/office/powerpoint/2010/main" spd="slow">
     <p:wipe/>
   </p:transition>
 </p:sldLayout>
@@ -1089,7 +1089,7 @@
             <a:fld id="{C2BCB646-4F3B-BA4B-ACCA-2AD81AF17150}" type="datetimeFigureOut">
               <a:rPr lang="zh-CN" altLang="en-US"/>
               <a:pPr/>
-              <a:t>2017/9/15</a:t>
+              <a:t>17-9-15</a:t>
             </a:fld>
             <a:endParaRPr lang="zh-CN" altLang="en-US"/>
           </a:p>
@@ -1156,7 +1156,7 @@
   <p:clrMapOvr>
     <a:masterClrMapping/>
   </p:clrMapOvr>
-  <p:transition spd="slow">
+  <p:transition xmlns:p14="http://schemas.microsoft.com/office/powerpoint/2010/main" spd="slow">
     <p:wipe/>
   </p:transition>
 </p:sldLayout>
@@ -1338,7 +1338,7 @@
             <a:fld id="{41CBB42B-5DD5-B04D-9C31-91A4B3359D27}" type="datetimeFigureOut">
               <a:rPr lang="zh-CN" altLang="en-US"/>
               <a:pPr/>
-              <a:t>2017/9/15</a:t>
+              <a:t>17-9-15</a:t>
             </a:fld>
             <a:endParaRPr lang="zh-CN" altLang="en-US"/>
           </a:p>
@@ -1405,7 +1405,7 @@
   <p:clrMapOvr>
     <a:masterClrMapping/>
   </p:clrMapOvr>
-  <p:transition spd="slow">
+  <p:transition xmlns:p14="http://schemas.microsoft.com/office/powerpoint/2010/main" spd="slow">
     <p:wipe/>
   </p:transition>
 </p:sldLayout>
@@ -1722,7 +1722,7 @@
             <a:fld id="{76A91C22-BD40-AD4C-AA2D-908C13CBD97F}" type="datetimeFigureOut">
               <a:rPr lang="zh-CN" altLang="en-US"/>
               <a:pPr/>
-              <a:t>2017/9/15</a:t>
+              <a:t>17-9-15</a:t>
             </a:fld>
             <a:endParaRPr lang="zh-CN" altLang="en-US"/>
           </a:p>
@@ -1789,7 +1789,7 @@
   <p:clrMapOvr>
     <a:masterClrMapping/>
   </p:clrMapOvr>
-  <p:transition spd="slow">
+  <p:transition xmlns:p14="http://schemas.microsoft.com/office/powerpoint/2010/main" spd="slow">
     <p:wipe/>
   </p:transition>
 </p:sldLayout>
@@ -1857,7 +1857,7 @@
             <a:fld id="{586A406C-4124-A44B-AAB3-E28B03A55918}" type="datetimeFigureOut">
               <a:rPr lang="zh-CN" altLang="en-US"/>
               <a:pPr/>
-              <a:t>2017/9/15</a:t>
+              <a:t>17-9-15</a:t>
             </a:fld>
             <a:endParaRPr lang="zh-CN" altLang="en-US"/>
           </a:p>
@@ -1924,7 +1924,7 @@
   <p:clrMapOvr>
     <a:masterClrMapping/>
   </p:clrMapOvr>
-  <p:transition spd="slow">
+  <p:transition xmlns:p14="http://schemas.microsoft.com/office/powerpoint/2010/main" spd="slow">
     <p:wipe/>
   </p:transition>
 </p:sldLayout>
@@ -1969,7 +1969,7 @@
             <a:fld id="{2074CD15-5E46-464B-8D08-BFA93B2436DD}" type="datetimeFigureOut">
               <a:rPr lang="zh-CN" altLang="en-US"/>
               <a:pPr/>
-              <a:t>2017/9/15</a:t>
+              <a:t>17-9-15</a:t>
             </a:fld>
             <a:endParaRPr lang="zh-CN" altLang="en-US"/>
           </a:p>
@@ -2036,7 +2036,7 @@
   <p:clrMapOvr>
     <a:masterClrMapping/>
   </p:clrMapOvr>
-  <p:transition spd="slow">
+  <p:transition xmlns:p14="http://schemas.microsoft.com/office/powerpoint/2010/main" spd="slow">
     <p:wipe/>
   </p:transition>
 </p:sldLayout>
@@ -2263,7 +2263,7 @@
             <a:fld id="{5F886CCF-1E31-7A43-A4B1-334391A24759}" type="datetimeFigureOut">
               <a:rPr lang="zh-CN" altLang="en-US"/>
               <a:pPr/>
-              <a:t>2017/9/15</a:t>
+              <a:t>17-9-15</a:t>
             </a:fld>
             <a:endParaRPr lang="zh-CN" altLang="en-US"/>
           </a:p>
@@ -2330,7 +2330,7 @@
   <p:clrMapOvr>
     <a:masterClrMapping/>
   </p:clrMapOvr>
-  <p:transition spd="slow">
+  <p:transition xmlns:p14="http://schemas.microsoft.com/office/powerpoint/2010/main" spd="slow">
     <p:wipe/>
   </p:transition>
 </p:sldLayout>
@@ -2537,7 +2537,7 @@
             <a:fld id="{4FCD1256-3E51-E542-9EAF-8455297457F0}" type="datetimeFigureOut">
               <a:rPr lang="zh-CN" altLang="en-US"/>
               <a:pPr/>
-              <a:t>2017/9/15</a:t>
+              <a:t>17-9-15</a:t>
             </a:fld>
             <a:endParaRPr lang="zh-CN" altLang="en-US"/>
           </a:p>
@@ -2604,7 +2604,7 @@
   <p:clrMapOvr>
     <a:masterClrMapping/>
   </p:clrMapOvr>
-  <p:transition spd="slow">
+  <p:transition xmlns:p14="http://schemas.microsoft.com/office/powerpoint/2010/main" spd="slow">
     <p:wipe/>
   </p:transition>
 </p:sldLayout>
@@ -2669,14 +2669,14 @@
             <a:noFill/>
           </a:ln>
           <a:extLst>
-            <a:ext uri="{909E8E84-426E-40DD-AFC4-6F175D3DCCD1}">
+            <a:ext uri="{909E8E84-426E-40dd-AFC4-6F175D3DCCD1}">
               <a14:hiddenFill xmlns:a14="http://schemas.microsoft.com/office/drawing/2010/main">
                 <a:solidFill>
                   <a:srgbClr val="FFFFFF"/>
                 </a:solidFill>
               </a14:hiddenFill>
             </a:ext>
-            <a:ext uri="{91240B29-F687-4F45-9708-019B960494DF}">
+            <a:ext uri="{91240B29-F687-4f45-9708-019B960494DF}">
               <a14:hiddenLine xmlns:a14="http://schemas.microsoft.com/office/drawing/2010/main" w="9525">
                 <a:solidFill>
                   <a:srgbClr val="000000"/>
@@ -2687,7 +2687,7 @@
               </a14:hiddenLine>
             </a:ext>
             <a:ext uri="{FAA26D3D-D897-4be2-8F04-BA451C77F1D7}">
-              <ma14:placeholderFlag xmlns="" xmlns:ma14="http://schemas.microsoft.com/office/mac/drawingml/2011/main" val="1"/>
+              <ma14:placeholderFlag xmlns:ma14="http://schemas.microsoft.com/office/mac/drawingml/2011/main" val="1"/>
             </a:ext>
           </a:extLst>
         </p:spPr>
@@ -2730,14 +2730,14 @@
             <a:noFill/>
           </a:ln>
           <a:extLst>
-            <a:ext uri="{909E8E84-426E-40DD-AFC4-6F175D3DCCD1}">
+            <a:ext uri="{909E8E84-426E-40dd-AFC4-6F175D3DCCD1}">
               <a14:hiddenFill xmlns:a14="http://schemas.microsoft.com/office/drawing/2010/main">
                 <a:solidFill>
                   <a:srgbClr val="FFFFFF"/>
                 </a:solidFill>
               </a14:hiddenFill>
             </a:ext>
-            <a:ext uri="{91240B29-F687-4F45-9708-019B960494DF}">
+            <a:ext uri="{91240B29-F687-4f45-9708-019B960494DF}">
               <a14:hiddenLine xmlns:a14="http://schemas.microsoft.com/office/drawing/2010/main" w="9525">
                 <a:solidFill>
                   <a:srgbClr val="000000"/>
@@ -2748,7 +2748,7 @@
               </a14:hiddenLine>
             </a:ext>
             <a:ext uri="{FAA26D3D-D897-4be2-8F04-BA451C77F1D7}">
-              <ma14:placeholderFlag xmlns="" xmlns:ma14="http://schemas.microsoft.com/office/mac/drawingml/2011/main" val="1"/>
+              <ma14:placeholderFlag xmlns:ma14="http://schemas.microsoft.com/office/mac/drawingml/2011/main" val="1"/>
             </a:ext>
           </a:extLst>
         </p:spPr>
@@ -2819,14 +2819,14 @@
             <a:noFill/>
           </a:ln>
           <a:extLst>
-            <a:ext uri="{909E8E84-426E-40DD-AFC4-6F175D3DCCD1}">
+            <a:ext uri="{909E8E84-426E-40dd-AFC4-6F175D3DCCD1}">
               <a14:hiddenFill xmlns:a14="http://schemas.microsoft.com/office/drawing/2010/main">
                 <a:solidFill>
                   <a:srgbClr val="FFFFFF"/>
                 </a:solidFill>
               </a14:hiddenFill>
             </a:ext>
-            <a:ext uri="{91240B29-F687-4F45-9708-019B960494DF}">
+            <a:ext uri="{91240B29-F687-4f45-9708-019B960494DF}">
               <a14:hiddenLine xmlns:a14="http://schemas.microsoft.com/office/drawing/2010/main" w="9525">
                 <a:solidFill>
                   <a:srgbClr val="000000"/>
@@ -2837,7 +2837,7 @@
               </a14:hiddenLine>
             </a:ext>
             <a:ext uri="{FAA26D3D-D897-4be2-8F04-BA451C77F1D7}">
-              <ma14:placeholderFlag xmlns="" xmlns:ma14="http://schemas.microsoft.com/office/mac/drawingml/2011/main" val="1"/>
+              <ma14:placeholderFlag xmlns:ma14="http://schemas.microsoft.com/office/mac/drawingml/2011/main" val="1"/>
             </a:ext>
           </a:extLst>
         </p:spPr>
@@ -2860,7 +2860,7 @@
             <a:fld id="{8008DD98-D290-1944-9E3C-A008DC37D5BB}" type="datetimeFigureOut">
               <a:rPr lang="zh-CN" altLang="en-US"/>
               <a:pPr/>
-              <a:t>2017/9/15</a:t>
+              <a:t>17-9-15</a:t>
             </a:fld>
             <a:endParaRPr lang="zh-CN" altLang="en-US"/>
           </a:p>
@@ -2889,14 +2889,14 @@
             <a:noFill/>
           </a:ln>
           <a:extLst>
-            <a:ext uri="{909E8E84-426E-40DD-AFC4-6F175D3DCCD1}">
+            <a:ext uri="{909E8E84-426E-40dd-AFC4-6F175D3DCCD1}">
               <a14:hiddenFill xmlns:a14="http://schemas.microsoft.com/office/drawing/2010/main">
                 <a:solidFill>
                   <a:srgbClr val="FFFFFF"/>
                 </a:solidFill>
               </a14:hiddenFill>
             </a:ext>
-            <a:ext uri="{91240B29-F687-4F45-9708-019B960494DF}">
+            <a:ext uri="{91240B29-F687-4f45-9708-019B960494DF}">
               <a14:hiddenLine xmlns:a14="http://schemas.microsoft.com/office/drawing/2010/main" w="9525">
                 <a:solidFill>
                   <a:srgbClr val="000000"/>
@@ -2907,7 +2907,7 @@
               </a14:hiddenLine>
             </a:ext>
             <a:ext uri="{FAA26D3D-D897-4be2-8F04-BA451C77F1D7}">
-              <ma14:placeholderFlag xmlns="" xmlns:ma14="http://schemas.microsoft.com/office/mac/drawingml/2011/main" val="1"/>
+              <ma14:placeholderFlag xmlns:ma14="http://schemas.microsoft.com/office/mac/drawingml/2011/main" val="1"/>
             </a:ext>
           </a:extLst>
         </p:spPr>
@@ -2954,14 +2954,14 @@
             <a:noFill/>
           </a:ln>
           <a:extLst>
-            <a:ext uri="{909E8E84-426E-40DD-AFC4-6F175D3DCCD1}">
+            <a:ext uri="{909E8E84-426E-40dd-AFC4-6F175D3DCCD1}">
               <a14:hiddenFill xmlns:a14="http://schemas.microsoft.com/office/drawing/2010/main">
                 <a:solidFill>
                   <a:srgbClr val="FFFFFF"/>
                 </a:solidFill>
               </a14:hiddenFill>
             </a:ext>
-            <a:ext uri="{91240B29-F687-4F45-9708-019B960494DF}">
+            <a:ext uri="{91240B29-F687-4f45-9708-019B960494DF}">
               <a14:hiddenLine xmlns:a14="http://schemas.microsoft.com/office/drawing/2010/main" w="9525">
                 <a:solidFill>
                   <a:srgbClr val="000000"/>
@@ -2972,7 +2972,7 @@
               </a14:hiddenLine>
             </a:ext>
             <a:ext uri="{FAA26D3D-D897-4be2-8F04-BA451C77F1D7}">
-              <ma14:placeholderFlag xmlns="" xmlns:ma14="http://schemas.microsoft.com/office/mac/drawingml/2011/main" val="1"/>
+              <ma14:placeholderFlag xmlns:ma14="http://schemas.microsoft.com/office/mac/drawingml/2011/main" val="1"/>
             </a:ext>
           </a:extLst>
         </p:spPr>
@@ -3017,7 +3017,7 @@
     <p:sldLayoutId id="2147483715" r:id="rId10"/>
     <p:sldLayoutId id="2147483716" r:id="rId11"/>
   </p:sldLayoutIdLst>
-  <p:transition spd="slow">
+  <p:transition xmlns:p14="http://schemas.microsoft.com/office/powerpoint/2010/main" spd="slow">
     <p:wipe/>
   </p:transition>
   <p:txStyles>
@@ -3778,7 +3778,7 @@
   <p:clrMapOvr>
     <a:masterClrMapping/>
   </p:clrMapOvr>
-  <p:transition spd="slow">
+  <p:transition xmlns:p14="http://schemas.microsoft.com/office/powerpoint/2010/main" spd="slow">
     <p:wipe/>
   </p:transition>
 </p:sld>
@@ -3811,7 +3811,7 @@
   <p:clrMapOvr>
     <a:masterClrMapping/>
   </p:clrMapOvr>
-  <p:transition spd="slow">
+  <p:transition xmlns:p14="http://schemas.microsoft.com/office/powerpoint/2010/main" spd="slow">
     <p:wipe/>
   </p:transition>
 </p:sld>
@@ -7271,13 +7271,13 @@
   <p:clrMapOvr>
     <a:masterClrMapping/>
   </p:clrMapOvr>
-  <p:transition spd="slow">
+  <p:transition xmlns:p14="http://schemas.microsoft.com/office/powerpoint/2010/main" spd="slow">
     <p:wipe/>
   </p:transition>
   <p:timing>
     <p:tnLst>
       <p:par>
-        <p:cTn id="1" dur="indefinite" restart="never" nodeType="tmRoot"/>
+        <p:cTn xmlns:p14="http://schemas.microsoft.com/office/powerpoint/2010/main" id="1" dur="indefinite" restart="never" nodeType="tmRoot"/>
       </p:par>
     </p:tnLst>
   </p:timing>
@@ -8534,7 +8534,7 @@
   <p:clrMapOvr>
     <a:masterClrMapping/>
   </p:clrMapOvr>
-  <p:transition spd="slow">
+  <p:transition xmlns:p14="http://schemas.microsoft.com/office/powerpoint/2010/main" spd="slow">
     <p:wipe/>
   </p:transition>
 </p:sld>
@@ -9320,7 +9320,7 @@
           </a:ln>
           <a:effectLst/>
           <a:extLst>
-            <a:ext uri="{AF507438-7753-43E0-B8FC-AC1667EBCBE1}">
+            <a:ext uri="{AF507438-7753-43e0-B8FC-AC1667EBCBE1}">
               <a14:hiddenEffects xmlns:a14="http://schemas.microsoft.com/office/drawing/2010/main">
                 <a:effectLst>
                   <a:outerShdw blurRad="63500" dist="38099" dir="2700000" algn="ctr" rotWithShape="0">
@@ -9403,7 +9403,7 @@
           </a:ln>
           <a:effectLst/>
           <a:extLst>
-            <a:ext uri="{AF507438-7753-43E0-B8FC-AC1667EBCBE1}">
+            <a:ext uri="{AF507438-7753-43e0-B8FC-AC1667EBCBE1}">
               <a14:hiddenEffects xmlns:a14="http://schemas.microsoft.com/office/drawing/2010/main">
                 <a:effectLst>
                   <a:outerShdw blurRad="63500" dist="38099" dir="2700000" algn="ctr" rotWithShape="0">
@@ -9486,7 +9486,7 @@
           </a:ln>
           <a:effectLst/>
           <a:extLst>
-            <a:ext uri="{AF507438-7753-43E0-B8FC-AC1667EBCBE1}">
+            <a:ext uri="{AF507438-7753-43e0-B8FC-AC1667EBCBE1}">
               <a14:hiddenEffects xmlns:a14="http://schemas.microsoft.com/office/drawing/2010/main">
                 <a:effectLst>
                   <a:outerShdw blurRad="63500" dist="38099" dir="2700000" algn="ctr" rotWithShape="0">
@@ -9568,7 +9568,7 @@
           </a:ln>
           <a:effectLst/>
           <a:extLst>
-            <a:ext uri="{AF507438-7753-43E0-B8FC-AC1667EBCBE1}">
+            <a:ext uri="{AF507438-7753-43e0-B8FC-AC1667EBCBE1}">
               <a14:hiddenEffects xmlns:a14="http://schemas.microsoft.com/office/drawing/2010/main">
                 <a:effectLst>
                   <a:outerShdw blurRad="63500" dist="38099" dir="2700000" algn="ctr" rotWithShape="0">
@@ -9624,7 +9624,7 @@
           </a:ln>
           <a:effectLst/>
           <a:extLst>
-            <a:ext uri="{AF507438-7753-43E0-B8FC-AC1667EBCBE1}">
+            <a:ext uri="{AF507438-7753-43e0-B8FC-AC1667EBCBE1}">
               <a14:hiddenEffects xmlns:a14="http://schemas.microsoft.com/office/drawing/2010/main">
                 <a:effectLst>
                   <a:outerShdw blurRad="63500" dist="38099" dir="2700000" algn="ctr" rotWithShape="0">
@@ -10475,7 +10475,7 @@
   <p:clrMapOvr>
     <a:masterClrMapping/>
   </p:clrMapOvr>
-  <p:transition spd="slow">
+  <p:transition xmlns:p14="http://schemas.microsoft.com/office/powerpoint/2010/main" spd="slow">
     <p:wipe/>
   </p:transition>
 </p:sld>
@@ -10498,6 +10498,36 @@
           <a:chExt cx="0" cy="0"/>
         </a:xfrm>
       </p:grpSpPr>
+      <p:sp>
+        <p:nvSpPr>
+          <p:cNvPr id="2" name="文本框 1"/>
+          <p:cNvSpPr txBox="1"/>
+          <p:nvPr/>
+        </p:nvSpPr>
+        <p:spPr>
+          <a:xfrm>
+            <a:off x="3860800" y="2032000"/>
+            <a:ext cx="684803" cy="292388"/>
+          </a:xfrm>
+          <a:prstGeom prst="rect">
+            <a:avLst/>
+          </a:prstGeom>
+          <a:noFill/>
+        </p:spPr>
+        <p:txBody>
+          <a:bodyPr wrap="none" rtlCol="0">
+            <a:spAutoFit/>
+          </a:bodyPr>
+          <a:lstStyle/>
+          <a:p>
+            <a:r>
+              <a:rPr kumimoji="1" lang="zh-CN" altLang="en-US" dirty="0" smtClean="0"/>
+              <a:t>第五组</a:t>
+            </a:r>
+            <a:endParaRPr kumimoji="1" lang="zh-CN" altLang="en-US" dirty="0"/>
+          </a:p>
+        </p:txBody>
+      </p:sp>
     </p:spTree>
     <p:extLst>
       <p:ext uri="{BB962C8B-B14F-4D97-AF65-F5344CB8AC3E}">
@@ -10508,7 +10538,7 @@
   <p:clrMapOvr>
     <a:masterClrMapping/>
   </p:clrMapOvr>
-  <p:transition spd="slow">
+  <p:transition xmlns:p14="http://schemas.microsoft.com/office/powerpoint/2010/main" spd="slow">
     <p:wipe/>
   </p:transition>
 </p:sld>
@@ -10541,7 +10571,7 @@
   <p:clrMapOvr>
     <a:masterClrMapping/>
   </p:clrMapOvr>
-  <p:transition spd="slow">
+  <p:transition xmlns:p14="http://schemas.microsoft.com/office/powerpoint/2010/main" spd="slow">
     <p:wipe/>
   </p:transition>
 </p:sld>
@@ -10574,7 +10604,7 @@
   <p:clrMapOvr>
     <a:masterClrMapping/>
   </p:clrMapOvr>
-  <p:transition spd="slow">
+  <p:transition xmlns:p14="http://schemas.microsoft.com/office/powerpoint/2010/main" spd="slow">
     <p:wipe/>
   </p:transition>
 </p:sld>
@@ -10607,7 +10637,7 @@
   <p:clrMapOvr>
     <a:masterClrMapping/>
   </p:clrMapOvr>
-  <p:transition spd="slow">
+  <p:transition xmlns:p14="http://schemas.microsoft.com/office/powerpoint/2010/main" spd="slow">
     <p:wipe/>
   </p:transition>
 </p:sld>
@@ -10640,7 +10670,7 @@
   <p:clrMapOvr>
     <a:masterClrMapping/>
   </p:clrMapOvr>
-  <p:transition spd="slow">
+  <p:transition xmlns:p14="http://schemas.microsoft.com/office/powerpoint/2010/main" spd="slow">
     <p:wipe/>
   </p:transition>
 </p:sld>
@@ -10673,7 +10703,7 @@
   <p:clrMapOvr>
     <a:masterClrMapping/>
   </p:clrMapOvr>
-  <p:transition spd="slow">
+  <p:transition xmlns:p14="http://schemas.microsoft.com/office/powerpoint/2010/main" spd="slow">
     <p:wipe/>
   </p:transition>
 </p:sld>
@@ -10899,7 +10929,7 @@
         </a:ln>
         <a:effectLst/>
         <a:extLst>
-          <a:ext uri="{AF507438-7753-43E0-B8FC-AC1667EBCBE1}">
+          <a:ext uri="{AF507438-7753-43e0-B8FC-AC1667EBCBE1}">
             <a14:hiddenEffects xmlns:a14="http://schemas.microsoft.com/office/drawing/2010/main">
               <a:effectLst>
                 <a:outerShdw blurRad="63500" dist="38099" dir="2700000" algn="ctr" rotWithShape="0">
@@ -10975,7 +11005,7 @@
         </a:ln>
         <a:effectLst/>
         <a:extLst>
-          <a:ext uri="{AF507438-7753-43E0-B8FC-AC1667EBCBE1}">
+          <a:ext uri="{AF507438-7753-43e0-B8FC-AC1667EBCBE1}">
             <a14:hiddenEffects xmlns:a14="http://schemas.microsoft.com/office/drawing/2010/main">
               <a:effectLst>
                 <a:outerShdw blurRad="63500" dist="38099" dir="2700000" algn="ctr" rotWithShape="0">
@@ -11069,7 +11099,7 @@
   </a:extraClrSchemeLst>
   <a:extLst>
     <a:ext uri="{05A4C25C-085E-4340-85A3-A5531E510DB2}">
-      <thm15:themeFamily xmlns="" xmlns:thm15="http://schemas.microsoft.com/office/thememl/2012/main" name="孟琪-商业计划PPT模板 (19)" id="{30428E57-210E-8A48-AFC2-3B0A556AE7DF}" vid="{80471B2D-BE42-FF44-87D8-28E9C59BEE4E}"/>
+      <thm15:themeFamily xmlns:thm15="http://schemas.microsoft.com/office/thememl/2012/main" xmlns="" name="孟琪-商业计划PPT模板 (19)" id="{30428E57-210E-8A48-AFC2-3B0A556AE7DF}" vid="{80471B2D-BE42-FF44-87D8-28E9C59BEE4E}"/>
     </a:ext>
   </a:extLst>
 </a:theme>

--- a/15日晨会汇报.pptx
+++ b/15日晨会汇报.pptx
@@ -6,18 +6,19 @@
   </p:sldMasterIdLst>
   <p:sldIdLst>
     <p:sldId id="281" r:id="rId2"/>
-    <p:sldId id="280" r:id="rId3"/>
-    <p:sldId id="290" r:id="rId4"/>
-    <p:sldId id="291" r:id="rId5"/>
-    <p:sldId id="292" r:id="rId6"/>
-    <p:sldId id="293" r:id="rId7"/>
-    <p:sldId id="294" r:id="rId8"/>
-    <p:sldId id="295" r:id="rId9"/>
-    <p:sldId id="296" r:id="rId10"/>
-    <p:sldId id="297" r:id="rId11"/>
-    <p:sldId id="298" r:id="rId12"/>
-    <p:sldId id="299" r:id="rId13"/>
-    <p:sldId id="282" r:id="rId14"/>
+    <p:sldId id="300" r:id="rId3"/>
+    <p:sldId id="280" r:id="rId4"/>
+    <p:sldId id="290" r:id="rId5"/>
+    <p:sldId id="291" r:id="rId6"/>
+    <p:sldId id="292" r:id="rId7"/>
+    <p:sldId id="293" r:id="rId8"/>
+    <p:sldId id="294" r:id="rId9"/>
+    <p:sldId id="295" r:id="rId10"/>
+    <p:sldId id="296" r:id="rId11"/>
+    <p:sldId id="297" r:id="rId12"/>
+    <p:sldId id="298" r:id="rId13"/>
+    <p:sldId id="299" r:id="rId14"/>
+    <p:sldId id="282" r:id="rId15"/>
   </p:sldIdLst>
   <p:sldSz cx="9144000" cy="5143500" type="screen16x9"/>
   <p:notesSz cx="6858000" cy="9144000"/>
@@ -153,7 +154,7 @@
   </p:defaultTextStyle>
   <p:extLst>
     <p:ext uri="{EFAFB233-063F-42B5-8137-9DF3F51BA10A}">
-      <p15:sldGuideLst xmlns="" xmlns:p15="http://schemas.microsoft.com/office/powerpoint/2012/main">
+      <p15:sldGuideLst xmlns:p15="http://schemas.microsoft.com/office/powerpoint/2012/main" xmlns="">
         <p15:guide id="1" orient="horz" pos="1597">
           <p15:clr>
             <a:srgbClr val="A4A3A4"/>
@@ -2689,7 +2690,7 @@
               </a14:hiddenLine>
             </a:ext>
             <a:ext uri="{FAA26D3D-D897-4be2-8F04-BA451C77F1D7}">
-              <ma14:placeholderFlag xmlns:ma14="http://schemas.microsoft.com/office/mac/drawingml/2011/main" xmlns="" val="1"/>
+              <ma14:placeholderFlag xmlns="" xmlns:ma14="http://schemas.microsoft.com/office/mac/drawingml/2011/main" val="1"/>
             </a:ext>
           </a:extLst>
         </p:spPr>
@@ -2750,7 +2751,7 @@
               </a14:hiddenLine>
             </a:ext>
             <a:ext uri="{FAA26D3D-D897-4be2-8F04-BA451C77F1D7}">
-              <ma14:placeholderFlag xmlns:ma14="http://schemas.microsoft.com/office/mac/drawingml/2011/main" xmlns="" val="1"/>
+              <ma14:placeholderFlag xmlns="" xmlns:ma14="http://schemas.microsoft.com/office/mac/drawingml/2011/main" val="1"/>
             </a:ext>
           </a:extLst>
         </p:spPr>
@@ -2839,7 +2840,7 @@
               </a14:hiddenLine>
             </a:ext>
             <a:ext uri="{FAA26D3D-D897-4be2-8F04-BA451C77F1D7}">
-              <ma14:placeholderFlag xmlns:ma14="http://schemas.microsoft.com/office/mac/drawingml/2011/main" xmlns="" val="1"/>
+              <ma14:placeholderFlag xmlns="" xmlns:ma14="http://schemas.microsoft.com/office/mac/drawingml/2011/main" val="1"/>
             </a:ext>
           </a:extLst>
         </p:spPr>
@@ -2909,7 +2910,7 @@
               </a14:hiddenLine>
             </a:ext>
             <a:ext uri="{FAA26D3D-D897-4be2-8F04-BA451C77F1D7}">
-              <ma14:placeholderFlag xmlns:ma14="http://schemas.microsoft.com/office/mac/drawingml/2011/main" xmlns="" val="1"/>
+              <ma14:placeholderFlag xmlns="" xmlns:ma14="http://schemas.microsoft.com/office/mac/drawingml/2011/main" val="1"/>
             </a:ext>
           </a:extLst>
         </p:spPr>
@@ -2974,7 +2975,7 @@
               </a14:hiddenLine>
             </a:ext>
             <a:ext uri="{FAA26D3D-D897-4be2-8F04-BA451C77F1D7}">
-              <ma14:placeholderFlag xmlns:ma14="http://schemas.microsoft.com/office/mac/drawingml/2011/main" xmlns="" val="1"/>
+              <ma14:placeholderFlag xmlns="" xmlns:ma14="http://schemas.microsoft.com/office/mac/drawingml/2011/main" val="1"/>
             </a:ext>
           </a:extLst>
         </p:spPr>
@@ -4386,6 +4387,60 @@
           </a:prstGeom>
           <a:solidFill>
             <a:srgbClr val="FFC000">
+              <a:alpha val="90000"/>
+            </a:srgbClr>
+          </a:solidFill>
+          <a:ln w="9525" cap="flat" cmpd="sng" algn="ctr">
+            <a:noFill/>
+            <a:prstDash val="solid"/>
+            <a:round/>
+            <a:headEnd type="none" w="med" len="med"/>
+            <a:tailEnd type="none" w="med" len="med"/>
+          </a:ln>
+          <a:effectLst/>
+          <a:extLst/>
+        </p:spPr>
+        <p:txBody>
+          <a:bodyPr vert="horz" wrap="square" lIns="91440" tIns="45720" rIns="91440" bIns="45720" numCol="1" rtlCol="0" anchor="ctr" anchorCtr="0" compatLnSpc="1">
+            <a:prstTxWarp prst="textNoShape">
+              <a:avLst/>
+            </a:prstTxWarp>
+          </a:bodyPr>
+          <a:lstStyle/>
+          <a:p>
+            <a:pPr algn="ctr"/>
+            <a:r>
+              <a:rPr lang="zh-CN" altLang="en-US" sz="2000" b="1" dirty="0">
+                <a:solidFill>
+                  <a:schemeClr val="tx1">
+                    <a:lumMod val="75000"/>
+                    <a:lumOff val="25000"/>
+                  </a:schemeClr>
+                </a:solidFill>
+                <a:latin typeface="微软雅黑" pitchFamily="34" charset="-122"/>
+                <a:ea typeface="微软雅黑" pitchFamily="34" charset="-122"/>
+              </a:rPr>
+              <a:t>个人学习报告</a:t>
+            </a:r>
+          </a:p>
+        </p:txBody>
+      </p:sp>
+      <p:sp>
+        <p:nvSpPr>
+          <p:cNvPr id="14" name="矩形 13"/>
+          <p:cNvSpPr/>
+          <p:nvPr/>
+        </p:nvSpPr>
+        <p:spPr bwMode="auto">
+          <a:xfrm>
+            <a:off x="5143500" y="4652174"/>
+            <a:ext cx="1409700" cy="483704"/>
+          </a:xfrm>
+          <a:prstGeom prst="rect">
+            <a:avLst/>
+          </a:prstGeom>
+          <a:solidFill>
+            <a:srgbClr val="FFC000">
               <a:alpha val="15000"/>
             </a:srgbClr>
           </a:solidFill>
@@ -4435,7 +4490,7 @@
                 <a:latin typeface="微软雅黑" pitchFamily="34" charset="-122"/>
                 <a:ea typeface="微软雅黑" pitchFamily="34" charset="-122"/>
               </a:rPr>
-              <a:t>个人学习报告</a:t>
+              <a:t>会议记录</a:t>
             </a:r>
             <a:endParaRPr kumimoji="0" lang="zh-CN" altLang="en-US" sz="2000" b="1" i="0" u="none" strike="noStrike" cap="none" normalizeH="0" baseline="0" dirty="0">
               <a:ln>
@@ -4445,70 +4500,6 @@
                 <a:schemeClr val="bg1"/>
               </a:solidFill>
               <a:effectLst/>
-              <a:latin typeface="微软雅黑" pitchFamily="34" charset="-122"/>
-              <a:ea typeface="微软雅黑" pitchFamily="34" charset="-122"/>
-            </a:endParaRPr>
-          </a:p>
-        </p:txBody>
-      </p:sp>
-      <p:sp>
-        <p:nvSpPr>
-          <p:cNvPr id="14" name="矩形 13"/>
-          <p:cNvSpPr/>
-          <p:nvPr/>
-        </p:nvSpPr>
-        <p:spPr bwMode="auto">
-          <a:xfrm>
-            <a:off x="5143500" y="4652174"/>
-            <a:ext cx="1409700" cy="483704"/>
-          </a:xfrm>
-          <a:prstGeom prst="rect">
-            <a:avLst/>
-          </a:prstGeom>
-          <a:solidFill>
-            <a:srgbClr val="FFC000">
-              <a:alpha val="90000"/>
-            </a:srgbClr>
-          </a:solidFill>
-          <a:ln w="9525" cap="flat" cmpd="sng" algn="ctr">
-            <a:noFill/>
-            <a:prstDash val="solid"/>
-            <a:round/>
-            <a:headEnd type="none" w="med" len="med"/>
-            <a:tailEnd type="none" w="med" len="med"/>
-          </a:ln>
-          <a:effectLst/>
-          <a:extLst/>
-        </p:spPr>
-        <p:txBody>
-          <a:bodyPr vert="horz" wrap="square" lIns="91440" tIns="45720" rIns="91440" bIns="45720" numCol="1" rtlCol="0" anchor="ctr" anchorCtr="0" compatLnSpc="1">
-            <a:prstTxWarp prst="textNoShape">
-              <a:avLst/>
-            </a:prstTxWarp>
-          </a:bodyPr>
-          <a:lstStyle/>
-          <a:p>
-            <a:pPr algn="ctr"/>
-            <a:r>
-              <a:rPr lang="zh-CN" altLang="en-US" sz="2000" b="1" dirty="0">
-                <a:solidFill>
-                  <a:schemeClr val="tx1">
-                    <a:lumMod val="75000"/>
-                    <a:lumOff val="25000"/>
-                  </a:schemeClr>
-                </a:solidFill>
-                <a:latin typeface="微软雅黑" pitchFamily="34" charset="-122"/>
-                <a:ea typeface="微软雅黑" pitchFamily="34" charset="-122"/>
-              </a:rPr>
-              <a:t>会议记录</a:t>
-            </a:r>
-            <a:endParaRPr lang="zh-CN" altLang="en-US" sz="2000" b="1" dirty="0">
-              <a:solidFill>
-                <a:schemeClr val="tx1">
-                  <a:lumMod val="75000"/>
-                  <a:lumOff val="25000"/>
-                </a:schemeClr>
-              </a:solidFill>
               <a:latin typeface="微软雅黑" pitchFamily="34" charset="-122"/>
               <a:ea typeface="微软雅黑" pitchFamily="34" charset="-122"/>
             </a:endParaRPr>
@@ -5374,6 +5365,60 @@
           </a:prstGeom>
           <a:solidFill>
             <a:srgbClr val="FFC000">
+              <a:alpha val="90000"/>
+            </a:srgbClr>
+          </a:solidFill>
+          <a:ln w="9525" cap="flat" cmpd="sng" algn="ctr">
+            <a:noFill/>
+            <a:prstDash val="solid"/>
+            <a:round/>
+            <a:headEnd type="none" w="med" len="med"/>
+            <a:tailEnd type="none" w="med" len="med"/>
+          </a:ln>
+          <a:effectLst/>
+          <a:extLst/>
+        </p:spPr>
+        <p:txBody>
+          <a:bodyPr vert="horz" wrap="square" lIns="91440" tIns="45720" rIns="91440" bIns="45720" numCol="1" rtlCol="0" anchor="ctr" anchorCtr="0" compatLnSpc="1">
+            <a:prstTxWarp prst="textNoShape">
+              <a:avLst/>
+            </a:prstTxWarp>
+          </a:bodyPr>
+          <a:lstStyle/>
+          <a:p>
+            <a:pPr algn="ctr"/>
+            <a:r>
+              <a:rPr lang="zh-CN" altLang="en-US" sz="2000" b="1" dirty="0">
+                <a:solidFill>
+                  <a:schemeClr val="tx1">
+                    <a:lumMod val="75000"/>
+                    <a:lumOff val="25000"/>
+                  </a:schemeClr>
+                </a:solidFill>
+                <a:latin typeface="微软雅黑" pitchFamily="34" charset="-122"/>
+                <a:ea typeface="微软雅黑" pitchFamily="34" charset="-122"/>
+              </a:rPr>
+              <a:t>会议记录</a:t>
+            </a:r>
+          </a:p>
+        </p:txBody>
+      </p:sp>
+      <p:sp>
+        <p:nvSpPr>
+          <p:cNvPr id="15" name="矩形 14"/>
+          <p:cNvSpPr/>
+          <p:nvPr/>
+        </p:nvSpPr>
+        <p:spPr bwMode="auto">
+          <a:xfrm>
+            <a:off x="6553200" y="4652173"/>
+            <a:ext cx="1447800" cy="483704"/>
+          </a:xfrm>
+          <a:prstGeom prst="rect">
+            <a:avLst/>
+          </a:prstGeom>
+          <a:solidFill>
+            <a:srgbClr val="FFC000">
               <a:alpha val="15000"/>
             </a:srgbClr>
           </a:solidFill>
@@ -5423,7 +5468,7 @@
                 <a:latin typeface="微软雅黑" pitchFamily="34" charset="-122"/>
                 <a:ea typeface="微软雅黑" pitchFamily="34" charset="-122"/>
               </a:rPr>
-              <a:t>会议记录</a:t>
+              <a:t>资料共享</a:t>
             </a:r>
             <a:endParaRPr kumimoji="0" lang="zh-CN" altLang="en-US" sz="2000" b="1" i="0" u="none" strike="noStrike" cap="none" normalizeH="0" baseline="0" dirty="0">
               <a:ln>
@@ -5433,70 +5478,6 @@
                 <a:schemeClr val="bg1"/>
               </a:solidFill>
               <a:effectLst/>
-              <a:latin typeface="微软雅黑" pitchFamily="34" charset="-122"/>
-              <a:ea typeface="微软雅黑" pitchFamily="34" charset="-122"/>
-            </a:endParaRPr>
-          </a:p>
-        </p:txBody>
-      </p:sp>
-      <p:sp>
-        <p:nvSpPr>
-          <p:cNvPr id="15" name="矩形 14"/>
-          <p:cNvSpPr/>
-          <p:nvPr/>
-        </p:nvSpPr>
-        <p:spPr bwMode="auto">
-          <a:xfrm>
-            <a:off x="6553200" y="4652173"/>
-            <a:ext cx="1447800" cy="483704"/>
-          </a:xfrm>
-          <a:prstGeom prst="rect">
-            <a:avLst/>
-          </a:prstGeom>
-          <a:solidFill>
-            <a:srgbClr val="FFC000">
-              <a:alpha val="90000"/>
-            </a:srgbClr>
-          </a:solidFill>
-          <a:ln w="9525" cap="flat" cmpd="sng" algn="ctr">
-            <a:noFill/>
-            <a:prstDash val="solid"/>
-            <a:round/>
-            <a:headEnd type="none" w="med" len="med"/>
-            <a:tailEnd type="none" w="med" len="med"/>
-          </a:ln>
-          <a:effectLst/>
-          <a:extLst/>
-        </p:spPr>
-        <p:txBody>
-          <a:bodyPr vert="horz" wrap="square" lIns="91440" tIns="45720" rIns="91440" bIns="45720" numCol="1" rtlCol="0" anchor="ctr" anchorCtr="0" compatLnSpc="1">
-            <a:prstTxWarp prst="textNoShape">
-              <a:avLst/>
-            </a:prstTxWarp>
-          </a:bodyPr>
-          <a:lstStyle/>
-          <a:p>
-            <a:pPr algn="ctr"/>
-            <a:r>
-              <a:rPr lang="zh-CN" altLang="en-US" sz="2000" b="1" dirty="0">
-                <a:solidFill>
-                  <a:schemeClr val="tx1">
-                    <a:lumMod val="75000"/>
-                    <a:lumOff val="25000"/>
-                  </a:schemeClr>
-                </a:solidFill>
-                <a:latin typeface="微软雅黑" pitchFamily="34" charset="-122"/>
-                <a:ea typeface="微软雅黑" pitchFamily="34" charset="-122"/>
-              </a:rPr>
-              <a:t>资料共享</a:t>
-            </a:r>
-            <a:endParaRPr lang="zh-CN" altLang="en-US" sz="2000" b="1" dirty="0">
-              <a:solidFill>
-                <a:schemeClr val="tx1">
-                  <a:lumMod val="75000"/>
-                  <a:lumOff val="25000"/>
-                </a:schemeClr>
-              </a:solidFill>
               <a:latin typeface="微软雅黑" pitchFamily="34" charset="-122"/>
               <a:ea typeface="微软雅黑" pitchFamily="34" charset="-122"/>
             </a:endParaRPr>
@@ -6362,6 +6343,903 @@
           </a:prstGeom>
           <a:solidFill>
             <a:srgbClr val="FFC000">
+              <a:alpha val="90000"/>
+            </a:srgbClr>
+          </a:solidFill>
+          <a:ln w="9525" cap="flat" cmpd="sng" algn="ctr">
+            <a:noFill/>
+            <a:prstDash val="solid"/>
+            <a:round/>
+            <a:headEnd type="none" w="med" len="med"/>
+            <a:tailEnd type="none" w="med" len="med"/>
+          </a:ln>
+          <a:effectLst/>
+          <a:extLst/>
+        </p:spPr>
+        <p:txBody>
+          <a:bodyPr vert="horz" wrap="square" lIns="91440" tIns="45720" rIns="91440" bIns="45720" numCol="1" rtlCol="0" anchor="ctr" anchorCtr="0" compatLnSpc="1">
+            <a:prstTxWarp prst="textNoShape">
+              <a:avLst/>
+            </a:prstTxWarp>
+          </a:bodyPr>
+          <a:lstStyle/>
+          <a:p>
+            <a:pPr algn="ctr"/>
+            <a:r>
+              <a:rPr lang="zh-CN" altLang="en-US" sz="2000" b="1" dirty="0">
+                <a:solidFill>
+                  <a:schemeClr val="tx1">
+                    <a:lumMod val="75000"/>
+                    <a:lumOff val="25000"/>
+                  </a:schemeClr>
+                </a:solidFill>
+                <a:latin typeface="微软雅黑" pitchFamily="34" charset="-122"/>
+                <a:ea typeface="微软雅黑" pitchFamily="34" charset="-122"/>
+              </a:rPr>
+              <a:t>资料共享</a:t>
+            </a:r>
+          </a:p>
+        </p:txBody>
+      </p:sp>
+      <p:sp>
+        <p:nvSpPr>
+          <p:cNvPr id="19" name="矩形 18"/>
+          <p:cNvSpPr/>
+          <p:nvPr/>
+        </p:nvSpPr>
+        <p:spPr bwMode="auto">
+          <a:xfrm>
+            <a:off x="8001000" y="4659796"/>
+            <a:ext cx="1143000" cy="483704"/>
+          </a:xfrm>
+          <a:prstGeom prst="rect">
+            <a:avLst/>
+          </a:prstGeom>
+          <a:solidFill>
+            <a:srgbClr val="FFC000">
+              <a:alpha val="15000"/>
+            </a:srgbClr>
+          </a:solidFill>
+          <a:ln w="9525" cap="flat" cmpd="sng" algn="ctr">
+            <a:noFill/>
+            <a:prstDash val="solid"/>
+            <a:round/>
+            <a:headEnd type="none" w="med" len="med"/>
+            <a:tailEnd type="none" w="med" len="med"/>
+          </a:ln>
+          <a:effectLst/>
+          <a:extLst/>
+        </p:spPr>
+        <p:txBody>
+          <a:bodyPr vert="horz" wrap="square" lIns="91440" tIns="45720" rIns="91440" bIns="45720" numCol="1" rtlCol="0" anchor="ctr" anchorCtr="0" compatLnSpc="1">
+            <a:prstTxWarp prst="textNoShape">
+              <a:avLst/>
+            </a:prstTxWarp>
+          </a:bodyPr>
+          <a:lstStyle/>
+          <a:p>
+            <a:pPr marL="0" marR="0" indent="0" algn="ctr" defTabSz="685800" rtl="0" eaLnBrk="0" fontAlgn="base" latinLnBrk="0" hangingPunct="0">
+              <a:lnSpc>
+                <a:spcPct val="100000"/>
+              </a:lnSpc>
+              <a:spcBef>
+                <a:spcPct val="0"/>
+              </a:spcBef>
+              <a:spcAft>
+                <a:spcPct val="0"/>
+              </a:spcAft>
+              <a:buClrTx/>
+              <a:buSzTx/>
+              <a:buFont typeface="Arial" charset="0"/>
+              <a:buNone/>
+              <a:tabLst/>
+            </a:pPr>
+            <a:r>
+              <a:rPr kumimoji="0" lang="zh-CN" altLang="en-US" sz="2000" b="1" i="0" u="none" strike="noStrike" cap="none" normalizeH="0" baseline="0" dirty="0" smtClean="0">
+                <a:ln>
+                  <a:noFill/>
+                </a:ln>
+                <a:solidFill>
+                  <a:schemeClr val="bg1"/>
+                </a:solidFill>
+                <a:effectLst/>
+                <a:latin typeface="微软雅黑" pitchFamily="34" charset="-122"/>
+                <a:ea typeface="微软雅黑" pitchFamily="34" charset="-122"/>
+              </a:rPr>
+              <a:t>其他</a:t>
+            </a:r>
+            <a:endParaRPr kumimoji="0" lang="zh-CN" altLang="en-US" sz="2000" b="1" i="0" u="none" strike="noStrike" cap="none" normalizeH="0" baseline="0" dirty="0">
+              <a:ln>
+                <a:noFill/>
+              </a:ln>
+              <a:solidFill>
+                <a:schemeClr val="bg1"/>
+              </a:solidFill>
+              <a:effectLst/>
+              <a:latin typeface="微软雅黑" pitchFamily="34" charset="-122"/>
+              <a:ea typeface="微软雅黑" pitchFamily="34" charset="-122"/>
+            </a:endParaRPr>
+          </a:p>
+        </p:txBody>
+      </p:sp>
+    </p:spTree>
+    <p:extLst>
+      <p:ext uri="{BB962C8B-B14F-4D97-AF65-F5344CB8AC3E}">
+        <p14:creationId xmlns:p14="http://schemas.microsoft.com/office/powerpoint/2010/main" val="1683918710"/>
+      </p:ext>
+    </p:extLst>
+  </p:cSld>
+  <p:clrMapOvr>
+    <a:masterClrMapping/>
+  </p:clrMapOvr>
+  <p:transition spd="slow">
+    <p:wipe/>
+  </p:transition>
+</p:sld>
+</file>
+
+<file path=ppt/slides/slide13.xml><?xml version="1.0" encoding="utf-8"?>
+<p:sld xmlns:a="http://schemas.openxmlformats.org/drawingml/2006/main" xmlns:r="http://schemas.openxmlformats.org/officeDocument/2006/relationships" xmlns:p="http://schemas.openxmlformats.org/presentationml/2006/main">
+  <p:cSld>
+    <p:spTree>
+      <p:nvGrpSpPr>
+        <p:cNvPr id="1" name=""/>
+        <p:cNvGrpSpPr/>
+        <p:nvPr/>
+      </p:nvGrpSpPr>
+      <p:grpSpPr>
+        <a:xfrm>
+          <a:off x="0" y="0"/>
+          <a:ext cx="0" cy="0"/>
+          <a:chOff x="0" y="0"/>
+          <a:chExt cx="0" cy="0"/>
+        </a:xfrm>
+      </p:grpSpPr>
+      <p:sp>
+        <p:nvSpPr>
+          <p:cNvPr id="5" name="矩形 4"/>
+          <p:cNvSpPr/>
+          <p:nvPr/>
+        </p:nvSpPr>
+        <p:spPr bwMode="auto">
+          <a:xfrm>
+            <a:off x="0" y="1"/>
+            <a:ext cx="1828800" cy="483704"/>
+          </a:xfrm>
+          <a:prstGeom prst="rect">
+            <a:avLst/>
+          </a:prstGeom>
+          <a:solidFill>
+            <a:srgbClr val="FFC000">
+              <a:alpha val="15000"/>
+            </a:srgbClr>
+          </a:solidFill>
+          <a:ln w="9525" cap="flat" cmpd="sng" algn="ctr">
+            <a:noFill/>
+            <a:prstDash val="solid"/>
+            <a:round/>
+            <a:headEnd type="none" w="med" len="med"/>
+            <a:tailEnd type="none" w="med" len="med"/>
+          </a:ln>
+          <a:effectLst/>
+          <a:extLst/>
+        </p:spPr>
+        <p:txBody>
+          <a:bodyPr vert="horz" wrap="square" lIns="91440" tIns="45720" rIns="91440" bIns="45720" numCol="1" rtlCol="0" anchor="ctr" anchorCtr="0" compatLnSpc="1">
+            <a:prstTxWarp prst="textNoShape">
+              <a:avLst/>
+            </a:prstTxWarp>
+          </a:bodyPr>
+          <a:lstStyle/>
+          <a:p>
+            <a:pPr marL="0" marR="0" indent="0" algn="ctr" defTabSz="685800" rtl="0" eaLnBrk="0" fontAlgn="base" latinLnBrk="0" hangingPunct="0">
+              <a:lnSpc>
+                <a:spcPct val="100000"/>
+              </a:lnSpc>
+              <a:spcBef>
+                <a:spcPct val="0"/>
+              </a:spcBef>
+              <a:spcAft>
+                <a:spcPct val="0"/>
+              </a:spcAft>
+              <a:buClrTx/>
+              <a:buSzTx/>
+              <a:buFont typeface="Arial" charset="0"/>
+              <a:buNone/>
+              <a:tabLst/>
+            </a:pPr>
+            <a:r>
+              <a:rPr kumimoji="0" lang="zh-CN" altLang="en-US" sz="2000" b="1" i="0" u="none" strike="noStrike" cap="none" normalizeH="0" baseline="0" dirty="0" smtClean="0">
+                <a:ln>
+                  <a:noFill/>
+                </a:ln>
+                <a:solidFill>
+                  <a:schemeClr val="bg1"/>
+                </a:solidFill>
+                <a:effectLst/>
+                <a:latin typeface="微软雅黑" pitchFamily="34" charset="-122"/>
+                <a:ea typeface="微软雅黑" pitchFamily="34" charset="-122"/>
+              </a:rPr>
+              <a:t>逻辑模型</a:t>
+            </a:r>
+            <a:endParaRPr kumimoji="0" lang="zh-CN" altLang="en-US" sz="2000" b="1" i="0" u="none" strike="noStrike" cap="none" normalizeH="0" baseline="0" dirty="0">
+              <a:ln>
+                <a:noFill/>
+              </a:ln>
+              <a:solidFill>
+                <a:schemeClr val="bg1"/>
+              </a:solidFill>
+              <a:effectLst/>
+              <a:latin typeface="微软雅黑" pitchFamily="34" charset="-122"/>
+              <a:ea typeface="微软雅黑" pitchFamily="34" charset="-122"/>
+            </a:endParaRPr>
+          </a:p>
+        </p:txBody>
+      </p:sp>
+      <p:sp>
+        <p:nvSpPr>
+          <p:cNvPr id="6" name="矩形 5"/>
+          <p:cNvSpPr/>
+          <p:nvPr/>
+        </p:nvSpPr>
+        <p:spPr bwMode="auto">
+          <a:xfrm>
+            <a:off x="1828800" y="0"/>
+            <a:ext cx="1828800" cy="483704"/>
+          </a:xfrm>
+          <a:prstGeom prst="rect">
+            <a:avLst/>
+          </a:prstGeom>
+          <a:solidFill>
+            <a:srgbClr val="FFC000">
+              <a:alpha val="15000"/>
+            </a:srgbClr>
+          </a:solidFill>
+          <a:ln w="9525" cap="flat" cmpd="sng" algn="ctr">
+            <a:noFill/>
+            <a:prstDash val="solid"/>
+            <a:round/>
+            <a:headEnd type="none" w="med" len="med"/>
+            <a:tailEnd type="none" w="med" len="med"/>
+          </a:ln>
+          <a:effectLst/>
+          <a:extLst/>
+        </p:spPr>
+        <p:txBody>
+          <a:bodyPr vert="horz" wrap="square" lIns="91440" tIns="45720" rIns="91440" bIns="45720" numCol="1" rtlCol="0" anchor="ctr" anchorCtr="0" compatLnSpc="1">
+            <a:prstTxWarp prst="textNoShape">
+              <a:avLst/>
+            </a:prstTxWarp>
+          </a:bodyPr>
+          <a:lstStyle/>
+          <a:p>
+            <a:pPr marL="0" marR="0" indent="0" algn="ctr" defTabSz="685800" rtl="0" eaLnBrk="0" fontAlgn="base" latinLnBrk="0" hangingPunct="0">
+              <a:lnSpc>
+                <a:spcPct val="100000"/>
+              </a:lnSpc>
+              <a:spcBef>
+                <a:spcPct val="0"/>
+              </a:spcBef>
+              <a:spcAft>
+                <a:spcPct val="0"/>
+              </a:spcAft>
+              <a:buClrTx/>
+              <a:buSzTx/>
+              <a:buFont typeface="Arial" charset="0"/>
+              <a:buNone/>
+              <a:tabLst/>
+            </a:pPr>
+            <a:r>
+              <a:rPr kumimoji="0" lang="zh-CN" altLang="en-US" sz="2000" b="1" i="0" u="none" strike="noStrike" cap="none" normalizeH="0" baseline="0" dirty="0" smtClean="0">
+                <a:ln>
+                  <a:noFill/>
+                </a:ln>
+                <a:solidFill>
+                  <a:schemeClr val="bg1"/>
+                </a:solidFill>
+                <a:effectLst/>
+                <a:latin typeface="微软雅黑" pitchFamily="34" charset="-122"/>
+                <a:ea typeface="微软雅黑" pitchFamily="34" charset="-122"/>
+              </a:rPr>
+              <a:t>出版工作流</a:t>
+            </a:r>
+            <a:endParaRPr kumimoji="0" lang="zh-CN" altLang="en-US" sz="2000" b="1" i="0" u="none" strike="noStrike" cap="none" normalizeH="0" baseline="0" dirty="0">
+              <a:ln>
+                <a:noFill/>
+              </a:ln>
+              <a:solidFill>
+                <a:schemeClr val="bg1"/>
+              </a:solidFill>
+              <a:effectLst/>
+              <a:latin typeface="微软雅黑" pitchFamily="34" charset="-122"/>
+              <a:ea typeface="微软雅黑" pitchFamily="34" charset="-122"/>
+            </a:endParaRPr>
+          </a:p>
+        </p:txBody>
+      </p:sp>
+      <p:sp>
+        <p:nvSpPr>
+          <p:cNvPr id="7" name="矩形 6"/>
+          <p:cNvSpPr/>
+          <p:nvPr/>
+        </p:nvSpPr>
+        <p:spPr bwMode="auto">
+          <a:xfrm>
+            <a:off x="3657600" y="2"/>
+            <a:ext cx="1828800" cy="483704"/>
+          </a:xfrm>
+          <a:prstGeom prst="rect">
+            <a:avLst/>
+          </a:prstGeom>
+          <a:solidFill>
+            <a:srgbClr val="FFC000">
+              <a:alpha val="15000"/>
+            </a:srgbClr>
+          </a:solidFill>
+          <a:ln w="9525" cap="flat" cmpd="sng" algn="ctr">
+            <a:noFill/>
+            <a:prstDash val="solid"/>
+            <a:round/>
+            <a:headEnd type="none" w="med" len="med"/>
+            <a:tailEnd type="none" w="med" len="med"/>
+          </a:ln>
+          <a:effectLst/>
+          <a:extLst/>
+        </p:spPr>
+        <p:txBody>
+          <a:bodyPr vert="horz" wrap="square" lIns="91440" tIns="45720" rIns="91440" bIns="45720" numCol="1" rtlCol="0" anchor="ctr" anchorCtr="0" compatLnSpc="1">
+            <a:prstTxWarp prst="textNoShape">
+              <a:avLst/>
+            </a:prstTxWarp>
+          </a:bodyPr>
+          <a:lstStyle/>
+          <a:p>
+            <a:pPr marL="0" marR="0" indent="0" algn="ctr" defTabSz="685800" rtl="0" eaLnBrk="0" fontAlgn="base" latinLnBrk="0" hangingPunct="0">
+              <a:lnSpc>
+                <a:spcPct val="100000"/>
+              </a:lnSpc>
+              <a:spcBef>
+                <a:spcPct val="0"/>
+              </a:spcBef>
+              <a:spcAft>
+                <a:spcPct val="0"/>
+              </a:spcAft>
+              <a:buClrTx/>
+              <a:buSzTx/>
+              <a:buFont typeface="Arial" charset="0"/>
+              <a:buNone/>
+              <a:tabLst/>
+            </a:pPr>
+            <a:r>
+              <a:rPr kumimoji="0" lang="zh-CN" altLang="en-US" sz="2000" b="1" i="0" u="none" strike="noStrike" cap="none" normalizeH="0" baseline="0" dirty="0" smtClean="0">
+                <a:ln>
+                  <a:noFill/>
+                </a:ln>
+                <a:solidFill>
+                  <a:schemeClr val="bg1"/>
+                </a:solidFill>
+                <a:effectLst/>
+                <a:latin typeface="微软雅黑" pitchFamily="34" charset="-122"/>
+                <a:ea typeface="微软雅黑" pitchFamily="34" charset="-122"/>
+              </a:rPr>
+              <a:t>团队简介</a:t>
+            </a:r>
+            <a:endParaRPr kumimoji="0" lang="zh-CN" altLang="en-US" sz="2000" b="1" i="0" u="none" strike="noStrike" cap="none" normalizeH="0" baseline="0" dirty="0">
+              <a:ln>
+                <a:noFill/>
+              </a:ln>
+              <a:solidFill>
+                <a:schemeClr val="bg1"/>
+              </a:solidFill>
+              <a:effectLst/>
+              <a:latin typeface="微软雅黑" pitchFamily="34" charset="-122"/>
+              <a:ea typeface="微软雅黑" pitchFamily="34" charset="-122"/>
+            </a:endParaRPr>
+          </a:p>
+        </p:txBody>
+      </p:sp>
+      <p:sp>
+        <p:nvSpPr>
+          <p:cNvPr id="8" name="矩形 7"/>
+          <p:cNvSpPr/>
+          <p:nvPr/>
+        </p:nvSpPr>
+        <p:spPr bwMode="auto">
+          <a:xfrm>
+            <a:off x="5486400" y="1"/>
+            <a:ext cx="1828800" cy="483704"/>
+          </a:xfrm>
+          <a:prstGeom prst="rect">
+            <a:avLst/>
+          </a:prstGeom>
+          <a:solidFill>
+            <a:srgbClr val="FFC000">
+              <a:alpha val="15000"/>
+            </a:srgbClr>
+          </a:solidFill>
+          <a:ln w="9525" cap="flat" cmpd="sng" algn="ctr">
+            <a:noFill/>
+            <a:prstDash val="solid"/>
+            <a:round/>
+            <a:headEnd type="none" w="med" len="med"/>
+            <a:tailEnd type="none" w="med" len="med"/>
+          </a:ln>
+          <a:effectLst/>
+          <a:extLst/>
+        </p:spPr>
+        <p:txBody>
+          <a:bodyPr vert="horz" wrap="square" lIns="91440" tIns="45720" rIns="91440" bIns="45720" numCol="1" rtlCol="0" anchor="ctr" anchorCtr="0" compatLnSpc="1">
+            <a:prstTxWarp prst="textNoShape">
+              <a:avLst/>
+            </a:prstTxWarp>
+          </a:bodyPr>
+          <a:lstStyle/>
+          <a:p>
+            <a:pPr marL="0" marR="0" indent="0" algn="ctr" defTabSz="685800" rtl="0" eaLnBrk="0" fontAlgn="base" latinLnBrk="0" hangingPunct="0">
+              <a:lnSpc>
+                <a:spcPct val="100000"/>
+              </a:lnSpc>
+              <a:spcBef>
+                <a:spcPct val="0"/>
+              </a:spcBef>
+              <a:spcAft>
+                <a:spcPct val="0"/>
+              </a:spcAft>
+              <a:buClrTx/>
+              <a:buSzTx/>
+              <a:buFont typeface="Arial" charset="0"/>
+              <a:buNone/>
+              <a:tabLst/>
+            </a:pPr>
+            <a:r>
+              <a:rPr kumimoji="0" lang="zh-CN" altLang="en-US" sz="2000" b="1" i="0" u="none" strike="noStrike" cap="none" normalizeH="0" baseline="0" dirty="0" smtClean="0">
+                <a:ln>
+                  <a:noFill/>
+                </a:ln>
+                <a:solidFill>
+                  <a:schemeClr val="bg1"/>
+                </a:solidFill>
+                <a:effectLst/>
+                <a:latin typeface="微软雅黑" pitchFamily="34" charset="-122"/>
+                <a:ea typeface="微软雅黑" pitchFamily="34" charset="-122"/>
+              </a:rPr>
+              <a:t>组织架构</a:t>
+            </a:r>
+            <a:endParaRPr kumimoji="0" lang="zh-CN" altLang="en-US" sz="2000" b="1" i="0" u="none" strike="noStrike" cap="none" normalizeH="0" baseline="0" dirty="0">
+              <a:ln>
+                <a:noFill/>
+              </a:ln>
+              <a:solidFill>
+                <a:schemeClr val="bg1"/>
+              </a:solidFill>
+              <a:effectLst/>
+              <a:latin typeface="微软雅黑" pitchFamily="34" charset="-122"/>
+              <a:ea typeface="微软雅黑" pitchFamily="34" charset="-122"/>
+            </a:endParaRPr>
+          </a:p>
+        </p:txBody>
+      </p:sp>
+      <p:sp>
+        <p:nvSpPr>
+          <p:cNvPr id="9" name="矩形 8"/>
+          <p:cNvSpPr/>
+          <p:nvPr/>
+        </p:nvSpPr>
+        <p:spPr bwMode="auto">
+          <a:xfrm>
+            <a:off x="7315200" y="1"/>
+            <a:ext cx="1828800" cy="483704"/>
+          </a:xfrm>
+          <a:prstGeom prst="rect">
+            <a:avLst/>
+          </a:prstGeom>
+          <a:solidFill>
+            <a:srgbClr val="FFC000">
+              <a:alpha val="15000"/>
+            </a:srgbClr>
+          </a:solidFill>
+          <a:ln w="9525" cap="flat" cmpd="sng" algn="ctr">
+            <a:noFill/>
+            <a:prstDash val="solid"/>
+            <a:round/>
+            <a:headEnd type="none" w="med" len="med"/>
+            <a:tailEnd type="none" w="med" len="med"/>
+          </a:ln>
+          <a:effectLst/>
+          <a:extLst/>
+        </p:spPr>
+        <p:txBody>
+          <a:bodyPr vert="horz" wrap="square" lIns="91440" tIns="45720" rIns="91440" bIns="45720" numCol="1" rtlCol="0" anchor="ctr" anchorCtr="0" compatLnSpc="1">
+            <a:prstTxWarp prst="textNoShape">
+              <a:avLst/>
+            </a:prstTxWarp>
+          </a:bodyPr>
+          <a:lstStyle/>
+          <a:p>
+            <a:pPr marL="0" marR="0" indent="0" algn="ctr" defTabSz="685800" rtl="0" eaLnBrk="0" fontAlgn="base" latinLnBrk="0" hangingPunct="0">
+              <a:lnSpc>
+                <a:spcPct val="100000"/>
+              </a:lnSpc>
+              <a:spcBef>
+                <a:spcPct val="0"/>
+              </a:spcBef>
+              <a:spcAft>
+                <a:spcPct val="0"/>
+              </a:spcAft>
+              <a:buClrTx/>
+              <a:buSzTx/>
+              <a:buFont typeface="Arial" charset="0"/>
+              <a:buNone/>
+              <a:tabLst/>
+            </a:pPr>
+            <a:r>
+              <a:rPr kumimoji="0" lang="zh-CN" altLang="en-US" sz="2000" b="1" i="0" u="none" strike="noStrike" cap="none" normalizeH="0" baseline="0" dirty="0" smtClean="0">
+                <a:ln>
+                  <a:noFill/>
+                </a:ln>
+                <a:solidFill>
+                  <a:schemeClr val="bg1"/>
+                </a:solidFill>
+                <a:effectLst/>
+                <a:latin typeface="微软雅黑" pitchFamily="34" charset="-122"/>
+                <a:ea typeface="微软雅黑" pitchFamily="34" charset="-122"/>
+              </a:rPr>
+              <a:t>成员介绍</a:t>
+            </a:r>
+            <a:endParaRPr kumimoji="0" lang="zh-CN" altLang="en-US" sz="2000" b="1" i="0" u="none" strike="noStrike" cap="none" normalizeH="0" baseline="0" dirty="0">
+              <a:ln>
+                <a:noFill/>
+              </a:ln>
+              <a:solidFill>
+                <a:schemeClr val="bg1"/>
+              </a:solidFill>
+              <a:effectLst/>
+              <a:latin typeface="微软雅黑" pitchFamily="34" charset="-122"/>
+              <a:ea typeface="微软雅黑" pitchFamily="34" charset="-122"/>
+            </a:endParaRPr>
+          </a:p>
+        </p:txBody>
+      </p:sp>
+      <p:sp>
+        <p:nvSpPr>
+          <p:cNvPr id="10" name="矩形 9"/>
+          <p:cNvSpPr/>
+          <p:nvPr/>
+        </p:nvSpPr>
+        <p:spPr bwMode="auto">
+          <a:xfrm>
+            <a:off x="0" y="4659794"/>
+            <a:ext cx="1524000" cy="483704"/>
+          </a:xfrm>
+          <a:prstGeom prst="rect">
+            <a:avLst/>
+          </a:prstGeom>
+          <a:solidFill>
+            <a:srgbClr val="FFC000">
+              <a:alpha val="15000"/>
+            </a:srgbClr>
+          </a:solidFill>
+          <a:ln w="9525" cap="flat" cmpd="sng" algn="ctr">
+            <a:noFill/>
+            <a:prstDash val="solid"/>
+            <a:round/>
+            <a:headEnd type="none" w="med" len="med"/>
+            <a:tailEnd type="none" w="med" len="med"/>
+          </a:ln>
+          <a:effectLst/>
+          <a:extLst/>
+        </p:spPr>
+        <p:txBody>
+          <a:bodyPr vert="horz" wrap="square" lIns="91440" tIns="45720" rIns="91440" bIns="45720" numCol="1" rtlCol="0" anchor="ctr" anchorCtr="0" compatLnSpc="1">
+            <a:prstTxWarp prst="textNoShape">
+              <a:avLst/>
+            </a:prstTxWarp>
+          </a:bodyPr>
+          <a:lstStyle/>
+          <a:p>
+            <a:pPr marL="0" marR="0" indent="0" algn="ctr" defTabSz="685800" rtl="0" eaLnBrk="0" fontAlgn="base" latinLnBrk="0" hangingPunct="0">
+              <a:lnSpc>
+                <a:spcPct val="100000"/>
+              </a:lnSpc>
+              <a:spcBef>
+                <a:spcPct val="0"/>
+              </a:spcBef>
+              <a:spcAft>
+                <a:spcPct val="0"/>
+              </a:spcAft>
+              <a:buClrTx/>
+              <a:buSzTx/>
+              <a:buFont typeface="Arial" charset="0"/>
+              <a:buNone/>
+              <a:tabLst/>
+            </a:pPr>
+            <a:r>
+              <a:rPr kumimoji="0" lang="zh-CN" altLang="en-US" sz="2000" b="1" i="0" u="none" strike="noStrike" cap="none" normalizeH="0" baseline="0" dirty="0" smtClean="0">
+                <a:ln>
+                  <a:noFill/>
+                </a:ln>
+                <a:solidFill>
+                  <a:schemeClr val="bg1"/>
+                </a:solidFill>
+                <a:effectLst/>
+                <a:latin typeface="微软雅黑" pitchFamily="34" charset="-122"/>
+                <a:ea typeface="微软雅黑" pitchFamily="34" charset="-122"/>
+              </a:rPr>
+              <a:t>学习成果</a:t>
+            </a:r>
+            <a:endParaRPr kumimoji="0" lang="zh-CN" altLang="en-US" sz="2000" b="1" i="0" u="none" strike="noStrike" cap="none" normalizeH="0" baseline="0" dirty="0">
+              <a:ln>
+                <a:noFill/>
+              </a:ln>
+              <a:solidFill>
+                <a:schemeClr val="bg1"/>
+              </a:solidFill>
+              <a:effectLst/>
+              <a:latin typeface="微软雅黑" pitchFamily="34" charset="-122"/>
+              <a:ea typeface="微软雅黑" pitchFamily="34" charset="-122"/>
+            </a:endParaRPr>
+          </a:p>
+        </p:txBody>
+      </p:sp>
+      <p:sp>
+        <p:nvSpPr>
+          <p:cNvPr id="11" name="矩形 10"/>
+          <p:cNvSpPr/>
+          <p:nvPr/>
+        </p:nvSpPr>
+        <p:spPr bwMode="auto">
+          <a:xfrm>
+            <a:off x="1524000" y="4659796"/>
+            <a:ext cx="1851660" cy="483704"/>
+          </a:xfrm>
+          <a:prstGeom prst="rect">
+            <a:avLst/>
+          </a:prstGeom>
+          <a:solidFill>
+            <a:srgbClr val="FFC000">
+              <a:alpha val="15000"/>
+            </a:srgbClr>
+          </a:solidFill>
+          <a:ln w="9525" cap="flat" cmpd="sng" algn="ctr">
+            <a:noFill/>
+            <a:prstDash val="solid"/>
+            <a:round/>
+            <a:headEnd type="none" w="med" len="med"/>
+            <a:tailEnd type="none" w="med" len="med"/>
+          </a:ln>
+          <a:effectLst/>
+          <a:extLst/>
+        </p:spPr>
+        <p:txBody>
+          <a:bodyPr vert="horz" wrap="square" lIns="91440" tIns="45720" rIns="91440" bIns="45720" numCol="1" rtlCol="0" anchor="ctr" anchorCtr="0" compatLnSpc="1">
+            <a:prstTxWarp prst="textNoShape">
+              <a:avLst/>
+            </a:prstTxWarp>
+          </a:bodyPr>
+          <a:lstStyle/>
+          <a:p>
+            <a:pPr marL="0" marR="0" indent="0" algn="ctr" defTabSz="685800" rtl="0" eaLnBrk="0" fontAlgn="base" latinLnBrk="0" hangingPunct="0">
+              <a:lnSpc>
+                <a:spcPct val="100000"/>
+              </a:lnSpc>
+              <a:spcBef>
+                <a:spcPct val="0"/>
+              </a:spcBef>
+              <a:spcAft>
+                <a:spcPct val="0"/>
+              </a:spcAft>
+              <a:buClrTx/>
+              <a:buSzTx/>
+              <a:buFont typeface="Arial" charset="0"/>
+              <a:buNone/>
+              <a:tabLst/>
+            </a:pPr>
+            <a:r>
+              <a:rPr kumimoji="0" lang="zh-CN" altLang="en-US" sz="2000" b="1" i="0" u="none" strike="noStrike" cap="none" normalizeH="0" baseline="0" dirty="0" smtClean="0">
+                <a:ln>
+                  <a:noFill/>
+                </a:ln>
+                <a:solidFill>
+                  <a:schemeClr val="bg1"/>
+                </a:solidFill>
+                <a:effectLst/>
+                <a:latin typeface="微软雅黑" pitchFamily="34" charset="-122"/>
+                <a:ea typeface="微软雅黑" pitchFamily="34" charset="-122"/>
+              </a:rPr>
+              <a:t>小组课程输出</a:t>
+            </a:r>
+            <a:endParaRPr kumimoji="0" lang="zh-CN" altLang="en-US" sz="2000" b="1" i="0" u="none" strike="noStrike" cap="none" normalizeH="0" baseline="0" dirty="0">
+              <a:ln>
+                <a:noFill/>
+              </a:ln>
+              <a:solidFill>
+                <a:schemeClr val="bg1"/>
+              </a:solidFill>
+              <a:effectLst/>
+              <a:latin typeface="微软雅黑" pitchFamily="34" charset="-122"/>
+              <a:ea typeface="微软雅黑" pitchFamily="34" charset="-122"/>
+            </a:endParaRPr>
+          </a:p>
+        </p:txBody>
+      </p:sp>
+      <p:sp>
+        <p:nvSpPr>
+          <p:cNvPr id="12" name="矩形 11"/>
+          <p:cNvSpPr/>
+          <p:nvPr/>
+        </p:nvSpPr>
+        <p:spPr bwMode="auto">
+          <a:xfrm>
+            <a:off x="3375660" y="4659795"/>
+            <a:ext cx="1767840" cy="483704"/>
+          </a:xfrm>
+          <a:prstGeom prst="rect">
+            <a:avLst/>
+          </a:prstGeom>
+          <a:solidFill>
+            <a:srgbClr val="FFC000">
+              <a:alpha val="15000"/>
+            </a:srgbClr>
+          </a:solidFill>
+          <a:ln w="9525" cap="flat" cmpd="sng" algn="ctr">
+            <a:noFill/>
+            <a:prstDash val="solid"/>
+            <a:round/>
+            <a:headEnd type="none" w="med" len="med"/>
+            <a:tailEnd type="none" w="med" len="med"/>
+          </a:ln>
+          <a:effectLst/>
+          <a:extLst/>
+        </p:spPr>
+        <p:txBody>
+          <a:bodyPr vert="horz" wrap="square" lIns="91440" tIns="45720" rIns="91440" bIns="45720" numCol="1" rtlCol="0" anchor="ctr" anchorCtr="0" compatLnSpc="1">
+            <a:prstTxWarp prst="textNoShape">
+              <a:avLst/>
+            </a:prstTxWarp>
+          </a:bodyPr>
+          <a:lstStyle/>
+          <a:p>
+            <a:pPr marL="0" marR="0" indent="0" algn="ctr" defTabSz="685800" rtl="0" eaLnBrk="0" fontAlgn="base" latinLnBrk="0" hangingPunct="0">
+              <a:lnSpc>
+                <a:spcPct val="100000"/>
+              </a:lnSpc>
+              <a:spcBef>
+                <a:spcPct val="0"/>
+              </a:spcBef>
+              <a:spcAft>
+                <a:spcPct val="0"/>
+              </a:spcAft>
+              <a:buClrTx/>
+              <a:buSzTx/>
+              <a:buFont typeface="Arial" charset="0"/>
+              <a:buNone/>
+              <a:tabLst/>
+            </a:pPr>
+            <a:r>
+              <a:rPr kumimoji="0" lang="zh-CN" altLang="en-US" sz="2000" b="1" i="0" u="none" strike="noStrike" cap="none" normalizeH="0" baseline="0" dirty="0" smtClean="0">
+                <a:ln>
+                  <a:noFill/>
+                </a:ln>
+                <a:solidFill>
+                  <a:schemeClr val="bg1"/>
+                </a:solidFill>
+                <a:effectLst/>
+                <a:latin typeface="微软雅黑" pitchFamily="34" charset="-122"/>
+                <a:ea typeface="微软雅黑" pitchFamily="34" charset="-122"/>
+              </a:rPr>
+              <a:t>个人学习报告</a:t>
+            </a:r>
+            <a:endParaRPr kumimoji="0" lang="zh-CN" altLang="en-US" sz="2000" b="1" i="0" u="none" strike="noStrike" cap="none" normalizeH="0" baseline="0" dirty="0">
+              <a:ln>
+                <a:noFill/>
+              </a:ln>
+              <a:solidFill>
+                <a:schemeClr val="bg1"/>
+              </a:solidFill>
+              <a:effectLst/>
+              <a:latin typeface="微软雅黑" pitchFamily="34" charset="-122"/>
+              <a:ea typeface="微软雅黑" pitchFamily="34" charset="-122"/>
+            </a:endParaRPr>
+          </a:p>
+        </p:txBody>
+      </p:sp>
+      <p:sp>
+        <p:nvSpPr>
+          <p:cNvPr id="14" name="矩形 13"/>
+          <p:cNvSpPr/>
+          <p:nvPr/>
+        </p:nvSpPr>
+        <p:spPr bwMode="auto">
+          <a:xfrm>
+            <a:off x="5143500" y="4652174"/>
+            <a:ext cx="1409700" cy="483704"/>
+          </a:xfrm>
+          <a:prstGeom prst="rect">
+            <a:avLst/>
+          </a:prstGeom>
+          <a:solidFill>
+            <a:srgbClr val="FFC000">
+              <a:alpha val="15000"/>
+            </a:srgbClr>
+          </a:solidFill>
+          <a:ln w="9525" cap="flat" cmpd="sng" algn="ctr">
+            <a:noFill/>
+            <a:prstDash val="solid"/>
+            <a:round/>
+            <a:headEnd type="none" w="med" len="med"/>
+            <a:tailEnd type="none" w="med" len="med"/>
+          </a:ln>
+          <a:effectLst/>
+          <a:extLst/>
+        </p:spPr>
+        <p:txBody>
+          <a:bodyPr vert="horz" wrap="square" lIns="91440" tIns="45720" rIns="91440" bIns="45720" numCol="1" rtlCol="0" anchor="ctr" anchorCtr="0" compatLnSpc="1">
+            <a:prstTxWarp prst="textNoShape">
+              <a:avLst/>
+            </a:prstTxWarp>
+          </a:bodyPr>
+          <a:lstStyle/>
+          <a:p>
+            <a:pPr marL="0" marR="0" indent="0" algn="ctr" defTabSz="685800" rtl="0" eaLnBrk="0" fontAlgn="base" latinLnBrk="0" hangingPunct="0">
+              <a:lnSpc>
+                <a:spcPct val="100000"/>
+              </a:lnSpc>
+              <a:spcBef>
+                <a:spcPct val="0"/>
+              </a:spcBef>
+              <a:spcAft>
+                <a:spcPct val="0"/>
+              </a:spcAft>
+              <a:buClrTx/>
+              <a:buSzTx/>
+              <a:buFont typeface="Arial" charset="0"/>
+              <a:buNone/>
+              <a:tabLst/>
+            </a:pPr>
+            <a:r>
+              <a:rPr kumimoji="0" lang="zh-CN" altLang="en-US" sz="2000" b="1" i="0" u="none" strike="noStrike" cap="none" normalizeH="0" baseline="0" dirty="0" smtClean="0">
+                <a:ln>
+                  <a:noFill/>
+                </a:ln>
+                <a:solidFill>
+                  <a:schemeClr val="bg1"/>
+                </a:solidFill>
+                <a:effectLst/>
+                <a:latin typeface="微软雅黑" pitchFamily="34" charset="-122"/>
+                <a:ea typeface="微软雅黑" pitchFamily="34" charset="-122"/>
+              </a:rPr>
+              <a:t>会议记录</a:t>
+            </a:r>
+            <a:endParaRPr kumimoji="0" lang="zh-CN" altLang="en-US" sz="2000" b="1" i="0" u="none" strike="noStrike" cap="none" normalizeH="0" baseline="0" dirty="0">
+              <a:ln>
+                <a:noFill/>
+              </a:ln>
+              <a:solidFill>
+                <a:schemeClr val="bg1"/>
+              </a:solidFill>
+              <a:effectLst/>
+              <a:latin typeface="微软雅黑" pitchFamily="34" charset="-122"/>
+              <a:ea typeface="微软雅黑" pitchFamily="34" charset="-122"/>
+            </a:endParaRPr>
+          </a:p>
+        </p:txBody>
+      </p:sp>
+      <p:sp>
+        <p:nvSpPr>
+          <p:cNvPr id="15" name="矩形 14"/>
+          <p:cNvSpPr/>
+          <p:nvPr/>
+        </p:nvSpPr>
+        <p:spPr bwMode="auto">
+          <a:xfrm>
+            <a:off x="6553200" y="4652173"/>
+            <a:ext cx="1447800" cy="483704"/>
+          </a:xfrm>
+          <a:prstGeom prst="rect">
+            <a:avLst/>
+          </a:prstGeom>
+          <a:solidFill>
+            <a:srgbClr val="FFC000">
               <a:alpha val="15000"/>
             </a:srgbClr>
           </a:solidFill>
@@ -6478,16 +7356,6 @@
               </a:rPr>
               <a:t>其他</a:t>
             </a:r>
-            <a:endParaRPr lang="zh-CN" altLang="en-US" sz="2000" b="1" dirty="0">
-              <a:solidFill>
-                <a:schemeClr val="tx1">
-                  <a:lumMod val="75000"/>
-                  <a:lumOff val="25000"/>
-                </a:schemeClr>
-              </a:solidFill>
-              <a:latin typeface="微软雅黑" pitchFamily="34" charset="-122"/>
-              <a:ea typeface="微软雅黑" pitchFamily="34" charset="-122"/>
-            </a:endParaRPr>
           </a:p>
         </p:txBody>
       </p:sp>
@@ -6507,7 +7375,7 @@
 </p:sld>
 </file>
 
-<file path=ppt/slides/slide13.xml><?xml version="1.0" encoding="utf-8"?>
+<file path=ppt/slides/slide14.xml><?xml version="1.0" encoding="utf-8"?>
 <p:sld xmlns:a="http://schemas.openxmlformats.org/drawingml/2006/main" xmlns:r="http://schemas.openxmlformats.org/officeDocument/2006/relationships" xmlns:p="http://schemas.openxmlformats.org/presentationml/2006/main">
   <p:cSld>
     <p:spTree>
@@ -8465,6 +9333,4020 @@
           <a:chExt cx="0" cy="0"/>
         </a:xfrm>
       </p:grpSpPr>
+      <p:grpSp>
+        <p:nvGrpSpPr>
+          <p:cNvPr id="30" name="组合 29"/>
+          <p:cNvGrpSpPr/>
+          <p:nvPr/>
+        </p:nvGrpSpPr>
+        <p:grpSpPr>
+          <a:xfrm>
+            <a:off x="1266927" y="116554"/>
+            <a:ext cx="7701813" cy="4960472"/>
+            <a:chOff x="1689236" y="155405"/>
+            <a:chExt cx="8658545" cy="6613963"/>
+          </a:xfrm>
+        </p:grpSpPr>
+        <p:grpSp>
+          <p:nvGrpSpPr>
+            <p:cNvPr id="10" name="组合 9"/>
+            <p:cNvGrpSpPr/>
+            <p:nvPr/>
+          </p:nvGrpSpPr>
+          <p:grpSpPr>
+            <a:xfrm>
+              <a:off x="1791948" y="1677450"/>
+              <a:ext cx="8453120" cy="4346802"/>
+              <a:chOff x="1788160" y="1716959"/>
+              <a:chExt cx="8453120" cy="4346802"/>
+            </a:xfrm>
+          </p:grpSpPr>
+          <p:grpSp>
+            <p:nvGrpSpPr>
+              <p:cNvPr id="7" name="组合 6"/>
+              <p:cNvGrpSpPr/>
+              <p:nvPr/>
+            </p:nvGrpSpPr>
+            <p:grpSpPr>
+              <a:xfrm>
+                <a:off x="1788160" y="1717895"/>
+                <a:ext cx="8453120" cy="4345866"/>
+                <a:chOff x="1788160" y="1717895"/>
+                <a:chExt cx="8204778" cy="4345866"/>
+              </a:xfrm>
+            </p:grpSpPr>
+            <p:sp>
+              <p:nvSpPr>
+                <p:cNvPr id="26" name="矩形 25"/>
+                <p:cNvSpPr/>
+                <p:nvPr/>
+              </p:nvSpPr>
+              <p:spPr>
+                <a:xfrm>
+                  <a:off x="7950778" y="1726132"/>
+                  <a:ext cx="2042160" cy="4337629"/>
+                </a:xfrm>
+                <a:prstGeom prst="rect">
+                  <a:avLst/>
+                </a:prstGeom>
+                <a:noFill/>
+                <a:ln w="76200">
+                  <a:solidFill>
+                    <a:srgbClr val="F6BB00"/>
+                  </a:solidFill>
+                </a:ln>
+              </p:spPr>
+              <p:style>
+                <a:lnRef idx="2">
+                  <a:schemeClr val="accent1">
+                    <a:shade val="50000"/>
+                  </a:schemeClr>
+                </a:lnRef>
+                <a:fillRef idx="1">
+                  <a:schemeClr val="accent1"/>
+                </a:fillRef>
+                <a:effectRef idx="0">
+                  <a:schemeClr val="accent1"/>
+                </a:effectRef>
+                <a:fontRef idx="minor">
+                  <a:schemeClr val="lt1"/>
+                </a:fontRef>
+              </p:style>
+              <p:txBody>
+                <a:bodyPr rtlCol="0" anchor="ctr"/>
+                <a:lstStyle/>
+                <a:p>
+                  <a:pPr algn="ctr"/>
+                  <a:endParaRPr lang="zh-CN" altLang="en-US" sz="975" b="1">
+                    <a:latin typeface="微軟正黑體" panose="020B0604030504040204" pitchFamily="34" charset="-120"/>
+                    <a:ea typeface="微軟正黑體" panose="020B0604030504040204" pitchFamily="34" charset="-120"/>
+                    <a:cs typeface="Lantinghei SC Extralight" charset="-122"/>
+                  </a:endParaRPr>
+                </a:p>
+              </p:txBody>
+            </p:sp>
+            <p:sp>
+              <p:nvSpPr>
+                <p:cNvPr id="25" name="矩形 24"/>
+                <p:cNvSpPr/>
+                <p:nvPr/>
+              </p:nvSpPr>
+              <p:spPr>
+                <a:xfrm>
+                  <a:off x="5890549" y="1726132"/>
+                  <a:ext cx="2042160" cy="4337629"/>
+                </a:xfrm>
+                <a:prstGeom prst="rect">
+                  <a:avLst/>
+                </a:prstGeom>
+                <a:noFill/>
+                <a:ln w="76200">
+                  <a:solidFill>
+                    <a:srgbClr val="F6BB00"/>
+                  </a:solidFill>
+                </a:ln>
+              </p:spPr>
+              <p:style>
+                <a:lnRef idx="2">
+                  <a:schemeClr val="accent1">
+                    <a:shade val="50000"/>
+                  </a:schemeClr>
+                </a:lnRef>
+                <a:fillRef idx="1">
+                  <a:schemeClr val="accent1"/>
+                </a:fillRef>
+                <a:effectRef idx="0">
+                  <a:schemeClr val="accent1"/>
+                </a:effectRef>
+                <a:fontRef idx="minor">
+                  <a:schemeClr val="lt1"/>
+                </a:fontRef>
+              </p:style>
+              <p:txBody>
+                <a:bodyPr rtlCol="0" anchor="ctr"/>
+                <a:lstStyle/>
+                <a:p>
+                  <a:pPr algn="ctr"/>
+                  <a:endParaRPr lang="zh-CN" altLang="en-US" sz="975" b="1">
+                    <a:latin typeface="微軟正黑體" panose="020B0604030504040204" pitchFamily="34" charset="-120"/>
+                    <a:ea typeface="微軟正黑體" panose="020B0604030504040204" pitchFamily="34" charset="-120"/>
+                    <a:cs typeface="Lantinghei SC Extralight" charset="-122"/>
+                  </a:endParaRPr>
+                </a:p>
+              </p:txBody>
+            </p:sp>
+            <p:sp>
+              <p:nvSpPr>
+                <p:cNvPr id="24" name="矩形 23"/>
+                <p:cNvSpPr/>
+                <p:nvPr/>
+              </p:nvSpPr>
+              <p:spPr>
+                <a:xfrm>
+                  <a:off x="3848389" y="1717895"/>
+                  <a:ext cx="2042160" cy="4337629"/>
+                </a:xfrm>
+                <a:prstGeom prst="rect">
+                  <a:avLst/>
+                </a:prstGeom>
+                <a:noFill/>
+                <a:ln w="76200">
+                  <a:solidFill>
+                    <a:srgbClr val="F6BB00"/>
+                  </a:solidFill>
+                </a:ln>
+              </p:spPr>
+              <p:style>
+                <a:lnRef idx="2">
+                  <a:schemeClr val="accent1">
+                    <a:shade val="50000"/>
+                  </a:schemeClr>
+                </a:lnRef>
+                <a:fillRef idx="1">
+                  <a:schemeClr val="accent1"/>
+                </a:fillRef>
+                <a:effectRef idx="0">
+                  <a:schemeClr val="accent1"/>
+                </a:effectRef>
+                <a:fontRef idx="minor">
+                  <a:schemeClr val="lt1"/>
+                </a:fontRef>
+              </p:style>
+              <p:txBody>
+                <a:bodyPr rtlCol="0" anchor="ctr"/>
+                <a:lstStyle/>
+                <a:p>
+                  <a:pPr algn="ctr"/>
+                  <a:endParaRPr lang="zh-CN" altLang="en-US" sz="975" b="1">
+                    <a:latin typeface="微軟正黑體" panose="020B0604030504040204" pitchFamily="34" charset="-120"/>
+                    <a:ea typeface="微軟正黑體" panose="020B0604030504040204" pitchFamily="34" charset="-120"/>
+                    <a:cs typeface="Lantinghei SC Extralight" charset="-122"/>
+                  </a:endParaRPr>
+                </a:p>
+              </p:txBody>
+            </p:sp>
+            <p:sp>
+              <p:nvSpPr>
+                <p:cNvPr id="6" name="矩形 5"/>
+                <p:cNvSpPr/>
+                <p:nvPr/>
+              </p:nvSpPr>
+              <p:spPr>
+                <a:xfrm>
+                  <a:off x="1788160" y="1717896"/>
+                  <a:ext cx="2042160" cy="4337629"/>
+                </a:xfrm>
+                <a:prstGeom prst="rect">
+                  <a:avLst/>
+                </a:prstGeom>
+                <a:noFill/>
+                <a:ln w="76200">
+                  <a:solidFill>
+                    <a:srgbClr val="F6BB00"/>
+                  </a:solidFill>
+                </a:ln>
+              </p:spPr>
+              <p:style>
+                <a:lnRef idx="2">
+                  <a:schemeClr val="accent1">
+                    <a:shade val="50000"/>
+                  </a:schemeClr>
+                </a:lnRef>
+                <a:fillRef idx="1">
+                  <a:schemeClr val="accent1"/>
+                </a:fillRef>
+                <a:effectRef idx="0">
+                  <a:schemeClr val="accent1"/>
+                </a:effectRef>
+                <a:fontRef idx="minor">
+                  <a:schemeClr val="lt1"/>
+                </a:fontRef>
+              </p:style>
+              <p:txBody>
+                <a:bodyPr rtlCol="0" anchor="ctr"/>
+                <a:lstStyle/>
+                <a:p>
+                  <a:pPr algn="ctr"/>
+                  <a:endParaRPr lang="zh-CN" altLang="en-US" sz="975" b="1">
+                    <a:latin typeface="微軟正黑體" panose="020B0604030504040204" pitchFamily="34" charset="-120"/>
+                    <a:ea typeface="微軟正黑體" panose="020B0604030504040204" pitchFamily="34" charset="-120"/>
+                    <a:cs typeface="Lantinghei SC Extralight" charset="-122"/>
+                  </a:endParaRPr>
+                </a:p>
+              </p:txBody>
+            </p:sp>
+          </p:grpSp>
+          <p:sp>
+            <p:nvSpPr>
+              <p:cNvPr id="9" name="直角三角形 8"/>
+              <p:cNvSpPr/>
+              <p:nvPr/>
+            </p:nvSpPr>
+            <p:spPr>
+              <a:xfrm rot="5400000" flipV="1">
+                <a:off x="3377225" y="1726132"/>
+                <a:ext cx="487945" cy="487945"/>
+              </a:xfrm>
+              <a:prstGeom prst="rtTriangle">
+                <a:avLst/>
+              </a:prstGeom>
+              <a:solidFill>
+                <a:srgbClr val="F6BB00"/>
+              </a:solidFill>
+              <a:ln>
+                <a:solidFill>
+                  <a:srgbClr val="F6BB00"/>
+                </a:solidFill>
+              </a:ln>
+            </p:spPr>
+            <p:style>
+              <a:lnRef idx="2">
+                <a:schemeClr val="accent1">
+                  <a:shade val="50000"/>
+                </a:schemeClr>
+              </a:lnRef>
+              <a:fillRef idx="1">
+                <a:schemeClr val="accent1"/>
+              </a:fillRef>
+              <a:effectRef idx="0">
+                <a:schemeClr val="accent1"/>
+              </a:effectRef>
+              <a:fontRef idx="minor">
+                <a:schemeClr val="lt1"/>
+              </a:fontRef>
+            </p:style>
+            <p:txBody>
+              <a:bodyPr rtlCol="0" anchor="ctr"/>
+              <a:lstStyle/>
+              <a:p>
+                <a:pPr algn="ctr"/>
+                <a:endParaRPr lang="zh-CN" altLang="en-US" sz="975" b="1">
+                  <a:latin typeface="微軟正黑體" panose="020B0604030504040204" pitchFamily="34" charset="-120"/>
+                  <a:ea typeface="微軟正黑體" panose="020B0604030504040204" pitchFamily="34" charset="-120"/>
+                  <a:cs typeface="Lantinghei SC Extralight" charset="-122"/>
+                </a:endParaRPr>
+              </a:p>
+            </p:txBody>
+          </p:sp>
+          <p:sp>
+            <p:nvSpPr>
+              <p:cNvPr id="27" name="直角三角形 26"/>
+              <p:cNvSpPr/>
+              <p:nvPr/>
+            </p:nvSpPr>
+            <p:spPr>
+              <a:xfrm rot="5400000" flipV="1">
+                <a:off x="5522592" y="1726132"/>
+                <a:ext cx="487945" cy="487945"/>
+              </a:xfrm>
+              <a:prstGeom prst="rtTriangle">
+                <a:avLst/>
+              </a:prstGeom>
+              <a:solidFill>
+                <a:srgbClr val="F6BB00"/>
+              </a:solidFill>
+              <a:ln>
+                <a:solidFill>
+                  <a:srgbClr val="F6BB00"/>
+                </a:solidFill>
+              </a:ln>
+            </p:spPr>
+            <p:style>
+              <a:lnRef idx="2">
+                <a:schemeClr val="accent1">
+                  <a:shade val="50000"/>
+                </a:schemeClr>
+              </a:lnRef>
+              <a:fillRef idx="1">
+                <a:schemeClr val="accent1"/>
+              </a:fillRef>
+              <a:effectRef idx="0">
+                <a:schemeClr val="accent1"/>
+              </a:effectRef>
+              <a:fontRef idx="minor">
+                <a:schemeClr val="lt1"/>
+              </a:fontRef>
+            </p:style>
+            <p:txBody>
+              <a:bodyPr rtlCol="0" anchor="ctr"/>
+              <a:lstStyle/>
+              <a:p>
+                <a:pPr algn="ctr"/>
+                <a:endParaRPr lang="zh-CN" altLang="en-US" sz="975" b="1">
+                  <a:latin typeface="微軟正黑體" panose="020B0604030504040204" pitchFamily="34" charset="-120"/>
+                  <a:ea typeface="微軟正黑體" panose="020B0604030504040204" pitchFamily="34" charset="-120"/>
+                  <a:cs typeface="Lantinghei SC Extralight" charset="-122"/>
+                </a:endParaRPr>
+              </a:p>
+            </p:txBody>
+          </p:sp>
+          <p:sp>
+            <p:nvSpPr>
+              <p:cNvPr id="28" name="直角三角形 27"/>
+              <p:cNvSpPr/>
+              <p:nvPr/>
+            </p:nvSpPr>
+            <p:spPr>
+              <a:xfrm rot="5400000" flipV="1">
+                <a:off x="7591307" y="1726132"/>
+                <a:ext cx="487945" cy="487945"/>
+              </a:xfrm>
+              <a:prstGeom prst="rtTriangle">
+                <a:avLst/>
+              </a:prstGeom>
+              <a:solidFill>
+                <a:srgbClr val="F6BB00"/>
+              </a:solidFill>
+              <a:ln>
+                <a:solidFill>
+                  <a:srgbClr val="F6BB00"/>
+                </a:solidFill>
+              </a:ln>
+            </p:spPr>
+            <p:style>
+              <a:lnRef idx="2">
+                <a:schemeClr val="accent1">
+                  <a:shade val="50000"/>
+                </a:schemeClr>
+              </a:lnRef>
+              <a:fillRef idx="1">
+                <a:schemeClr val="accent1"/>
+              </a:fillRef>
+              <a:effectRef idx="0">
+                <a:schemeClr val="accent1"/>
+              </a:effectRef>
+              <a:fontRef idx="minor">
+                <a:schemeClr val="lt1"/>
+              </a:fontRef>
+            </p:style>
+            <p:txBody>
+              <a:bodyPr rtlCol="0" anchor="ctr"/>
+              <a:lstStyle/>
+              <a:p>
+                <a:pPr algn="ctr"/>
+                <a:endParaRPr lang="zh-CN" altLang="en-US" sz="975" b="1">
+                  <a:latin typeface="微軟正黑體" panose="020B0604030504040204" pitchFamily="34" charset="-120"/>
+                  <a:ea typeface="微軟正黑體" panose="020B0604030504040204" pitchFamily="34" charset="-120"/>
+                  <a:cs typeface="Lantinghei SC Extralight" charset="-122"/>
+                </a:endParaRPr>
+              </a:p>
+            </p:txBody>
+          </p:sp>
+          <p:sp>
+            <p:nvSpPr>
+              <p:cNvPr id="29" name="直角三角形 28"/>
+              <p:cNvSpPr/>
+              <p:nvPr/>
+            </p:nvSpPr>
+            <p:spPr>
+              <a:xfrm rot="5400000" flipV="1">
+                <a:off x="9726373" y="1716959"/>
+                <a:ext cx="487945" cy="487945"/>
+              </a:xfrm>
+              <a:prstGeom prst="rtTriangle">
+                <a:avLst/>
+              </a:prstGeom>
+              <a:solidFill>
+                <a:srgbClr val="F6BB00"/>
+              </a:solidFill>
+              <a:ln>
+                <a:solidFill>
+                  <a:srgbClr val="F6BB00"/>
+                </a:solidFill>
+              </a:ln>
+            </p:spPr>
+            <p:style>
+              <a:lnRef idx="2">
+                <a:schemeClr val="accent1">
+                  <a:shade val="50000"/>
+                </a:schemeClr>
+              </a:lnRef>
+              <a:fillRef idx="1">
+                <a:schemeClr val="accent1"/>
+              </a:fillRef>
+              <a:effectRef idx="0">
+                <a:schemeClr val="accent1"/>
+              </a:effectRef>
+              <a:fontRef idx="minor">
+                <a:schemeClr val="lt1"/>
+              </a:fontRef>
+            </p:style>
+            <p:txBody>
+              <a:bodyPr rtlCol="0" anchor="ctr"/>
+              <a:lstStyle/>
+              <a:p>
+                <a:pPr algn="ctr"/>
+                <a:endParaRPr lang="zh-CN" altLang="en-US" sz="975" b="1">
+                  <a:latin typeface="微軟正黑體" panose="020B0604030504040204" pitchFamily="34" charset="-120"/>
+                  <a:ea typeface="微軟正黑體" panose="020B0604030504040204" pitchFamily="34" charset="-120"/>
+                  <a:cs typeface="Lantinghei SC Extralight" charset="-122"/>
+                </a:endParaRPr>
+              </a:p>
+            </p:txBody>
+          </p:sp>
+        </p:grpSp>
+        <p:sp>
+          <p:nvSpPr>
+            <p:cNvPr id="8" name="Rounded Rectangle 7"/>
+            <p:cNvSpPr/>
+            <p:nvPr/>
+          </p:nvSpPr>
+          <p:spPr>
+            <a:xfrm>
+              <a:off x="1689236" y="954608"/>
+              <a:ext cx="8658544" cy="686164"/>
+            </a:xfrm>
+            <a:prstGeom prst="roundRect">
+              <a:avLst/>
+            </a:prstGeom>
+            <a:noFill/>
+            <a:ln w="28575">
+              <a:solidFill>
+                <a:schemeClr val="bg2">
+                  <a:lumMod val="25000"/>
+                </a:schemeClr>
+              </a:solidFill>
+            </a:ln>
+            <a:effectLst/>
+          </p:spPr>
+          <p:style>
+            <a:lnRef idx="1">
+              <a:schemeClr val="accent1"/>
+            </a:lnRef>
+            <a:fillRef idx="3">
+              <a:schemeClr val="accent1"/>
+            </a:fillRef>
+            <a:effectRef idx="2">
+              <a:schemeClr val="accent1"/>
+            </a:effectRef>
+            <a:fontRef idx="minor">
+              <a:schemeClr val="lt1"/>
+            </a:fontRef>
+          </p:style>
+          <p:txBody>
+            <a:bodyPr rtlCol="0" anchor="ctr"/>
+            <a:lstStyle/>
+            <a:p>
+              <a:endParaRPr lang="en-US" sz="2100" b="1" dirty="0">
+                <a:solidFill>
+                  <a:schemeClr val="bg2">
+                    <a:lumMod val="25000"/>
+                  </a:schemeClr>
+                </a:solidFill>
+                <a:latin typeface="微軟正黑體" panose="020B0604030504040204" pitchFamily="34" charset="-120"/>
+                <a:ea typeface="微軟正黑體" panose="020B0604030504040204" pitchFamily="34" charset="-120"/>
+                <a:cs typeface="Lantinghei SC Extralight" charset="-122"/>
+              </a:endParaRPr>
+            </a:p>
+          </p:txBody>
+        </p:sp>
+        <p:sp>
+          <p:nvSpPr>
+            <p:cNvPr id="4" name="Rounded Rectangle 3"/>
+            <p:cNvSpPr/>
+            <p:nvPr/>
+          </p:nvSpPr>
+          <p:spPr>
+            <a:xfrm>
+              <a:off x="1689236" y="155405"/>
+              <a:ext cx="8658544" cy="713843"/>
+            </a:xfrm>
+            <a:prstGeom prst="roundRect">
+              <a:avLst/>
+            </a:prstGeom>
+            <a:noFill/>
+            <a:ln w="28575">
+              <a:solidFill>
+                <a:schemeClr val="bg2">
+                  <a:lumMod val="25000"/>
+                </a:schemeClr>
+              </a:solidFill>
+            </a:ln>
+            <a:effectLst/>
+          </p:spPr>
+          <p:style>
+            <a:lnRef idx="1">
+              <a:schemeClr val="accent1"/>
+            </a:lnRef>
+            <a:fillRef idx="3">
+              <a:schemeClr val="accent1"/>
+            </a:fillRef>
+            <a:effectRef idx="2">
+              <a:schemeClr val="accent1"/>
+            </a:effectRef>
+            <a:fontRef idx="minor">
+              <a:schemeClr val="lt1"/>
+            </a:fontRef>
+          </p:style>
+          <p:txBody>
+            <a:bodyPr rtlCol="0" anchor="ctr"/>
+            <a:lstStyle/>
+            <a:p>
+              <a:endParaRPr lang="en-US" sz="900" b="1" dirty="0">
+                <a:solidFill>
+                  <a:schemeClr val="bg2">
+                    <a:lumMod val="25000"/>
+                  </a:schemeClr>
+                </a:solidFill>
+                <a:latin typeface="微軟正黑體" panose="020B0604030504040204" pitchFamily="34" charset="-120"/>
+                <a:ea typeface="微軟正黑體" panose="020B0604030504040204" pitchFamily="34" charset="-120"/>
+                <a:cs typeface="Lantinghei SC Extralight" charset="-122"/>
+              </a:endParaRPr>
+            </a:p>
+          </p:txBody>
+        </p:sp>
+        <p:sp>
+          <p:nvSpPr>
+            <p:cNvPr id="16" name="Rounded Rectangle 15"/>
+            <p:cNvSpPr/>
+            <p:nvPr/>
+          </p:nvSpPr>
+          <p:spPr>
+            <a:xfrm>
+              <a:off x="1689236" y="6083204"/>
+              <a:ext cx="8658545" cy="686164"/>
+            </a:xfrm>
+            <a:prstGeom prst="roundRect">
+              <a:avLst/>
+            </a:prstGeom>
+            <a:noFill/>
+            <a:ln w="28575">
+              <a:solidFill>
+                <a:schemeClr val="bg2">
+                  <a:lumMod val="25000"/>
+                </a:schemeClr>
+              </a:solidFill>
+            </a:ln>
+            <a:effectLst/>
+          </p:spPr>
+          <p:style>
+            <a:lnRef idx="1">
+              <a:schemeClr val="accent1"/>
+            </a:lnRef>
+            <a:fillRef idx="3">
+              <a:schemeClr val="accent1"/>
+            </a:fillRef>
+            <a:effectRef idx="2">
+              <a:schemeClr val="accent1"/>
+            </a:effectRef>
+            <a:fontRef idx="minor">
+              <a:schemeClr val="lt1"/>
+            </a:fontRef>
+          </p:style>
+          <p:txBody>
+            <a:bodyPr rtlCol="0" anchor="ctr"/>
+            <a:lstStyle/>
+            <a:p>
+              <a:endParaRPr lang="en-US" sz="2100" b="1" dirty="0">
+                <a:solidFill>
+                  <a:schemeClr val="bg2">
+                    <a:lumMod val="25000"/>
+                  </a:schemeClr>
+                </a:solidFill>
+                <a:latin typeface="微軟正黑體" panose="020B0604030504040204" pitchFamily="34" charset="-120"/>
+                <a:ea typeface="微軟正黑體" panose="020B0604030504040204" pitchFamily="34" charset="-120"/>
+                <a:cs typeface="Lantinghei SC Extralight" charset="-122"/>
+              </a:endParaRPr>
+            </a:p>
+          </p:txBody>
+        </p:sp>
+        <p:sp>
+          <p:nvSpPr>
+            <p:cNvPr id="18" name="Rounded Rectangle 7"/>
+            <p:cNvSpPr/>
+            <p:nvPr/>
+          </p:nvSpPr>
+          <p:spPr>
+            <a:xfrm>
+              <a:off x="1689236" y="946372"/>
+              <a:ext cx="970154" cy="686164"/>
+            </a:xfrm>
+            <a:prstGeom prst="roundRect">
+              <a:avLst/>
+            </a:prstGeom>
+            <a:solidFill>
+              <a:srgbClr val="3A3A3A"/>
+            </a:solidFill>
+            <a:ln w="28575">
+              <a:solidFill>
+                <a:schemeClr val="bg2">
+                  <a:lumMod val="25000"/>
+                </a:schemeClr>
+              </a:solidFill>
+            </a:ln>
+            <a:effectLst/>
+          </p:spPr>
+          <p:style>
+            <a:lnRef idx="1">
+              <a:schemeClr val="accent1"/>
+            </a:lnRef>
+            <a:fillRef idx="3">
+              <a:schemeClr val="accent1"/>
+            </a:fillRef>
+            <a:effectRef idx="2">
+              <a:schemeClr val="accent1"/>
+            </a:effectRef>
+            <a:fontRef idx="minor">
+              <a:schemeClr val="lt1"/>
+            </a:fontRef>
+          </p:style>
+          <p:txBody>
+            <a:bodyPr rtlCol="0" anchor="ctr"/>
+            <a:lstStyle/>
+            <a:p>
+              <a:r>
+                <a:rPr lang="zh-CN" altLang="en-US" sz="2100" b="1" dirty="0">
+                  <a:solidFill>
+                    <a:schemeClr val="bg1"/>
+                  </a:solidFill>
+                  <a:latin typeface="微軟正黑體" panose="020B0604030504040204" pitchFamily="34" charset="-120"/>
+                  <a:ea typeface="微軟正黑體" panose="020B0604030504040204" pitchFamily="34" charset="-120"/>
+                  <a:cs typeface="Lantinghei SC Extralight" charset="-122"/>
+                </a:rPr>
+                <a:t>目标</a:t>
+              </a:r>
+              <a:endParaRPr lang="en-US" sz="2100" b="1" dirty="0">
+                <a:solidFill>
+                  <a:schemeClr val="bg1"/>
+                </a:solidFill>
+                <a:latin typeface="微軟正黑體" panose="020B0604030504040204" pitchFamily="34" charset="-120"/>
+                <a:ea typeface="微軟正黑體" panose="020B0604030504040204" pitchFamily="34" charset="-120"/>
+                <a:cs typeface="Lantinghei SC Extralight" charset="-122"/>
+              </a:endParaRPr>
+            </a:p>
+          </p:txBody>
+        </p:sp>
+        <p:sp>
+          <p:nvSpPr>
+            <p:cNvPr id="19" name="Rounded Rectangle 7"/>
+            <p:cNvSpPr/>
+            <p:nvPr/>
+          </p:nvSpPr>
+          <p:spPr>
+            <a:xfrm>
+              <a:off x="1689236" y="155405"/>
+              <a:ext cx="970154" cy="686164"/>
+            </a:xfrm>
+            <a:prstGeom prst="roundRect">
+              <a:avLst/>
+            </a:prstGeom>
+            <a:solidFill>
+              <a:srgbClr val="3A3A3A"/>
+            </a:solidFill>
+            <a:ln w="28575">
+              <a:solidFill>
+                <a:schemeClr val="bg2">
+                  <a:lumMod val="25000"/>
+                </a:schemeClr>
+              </a:solidFill>
+            </a:ln>
+            <a:effectLst/>
+          </p:spPr>
+          <p:style>
+            <a:lnRef idx="1">
+              <a:schemeClr val="accent1"/>
+            </a:lnRef>
+            <a:fillRef idx="3">
+              <a:schemeClr val="accent1"/>
+            </a:fillRef>
+            <a:effectRef idx="2">
+              <a:schemeClr val="accent1"/>
+            </a:effectRef>
+            <a:fontRef idx="minor">
+              <a:schemeClr val="lt1"/>
+            </a:fontRef>
+          </p:style>
+          <p:txBody>
+            <a:bodyPr rtlCol="0" anchor="ctr"/>
+            <a:lstStyle/>
+            <a:p>
+              <a:r>
+                <a:rPr lang="zh-CN" altLang="en-US" sz="2100" b="1" dirty="0">
+                  <a:solidFill>
+                    <a:schemeClr val="bg1"/>
+                  </a:solidFill>
+                  <a:latin typeface="微軟正黑體" panose="020B0604030504040204" pitchFamily="34" charset="-120"/>
+                  <a:ea typeface="微軟正黑體" panose="020B0604030504040204" pitchFamily="34" charset="-120"/>
+                  <a:cs typeface="Lantinghei SC Extralight" charset="-122"/>
+                </a:rPr>
+                <a:t>背景</a:t>
+              </a:r>
+              <a:endParaRPr lang="en-US" sz="2100" b="1" dirty="0">
+                <a:solidFill>
+                  <a:schemeClr val="bg1"/>
+                </a:solidFill>
+                <a:latin typeface="微軟正黑體" panose="020B0604030504040204" pitchFamily="34" charset="-120"/>
+                <a:ea typeface="微軟正黑體" panose="020B0604030504040204" pitchFamily="34" charset="-120"/>
+                <a:cs typeface="Lantinghei SC Extralight" charset="-122"/>
+              </a:endParaRPr>
+            </a:p>
+          </p:txBody>
+        </p:sp>
+        <p:sp>
+          <p:nvSpPr>
+            <p:cNvPr id="22" name="Rounded Rectangle 7"/>
+            <p:cNvSpPr/>
+            <p:nvPr/>
+          </p:nvSpPr>
+          <p:spPr>
+            <a:xfrm>
+              <a:off x="1712908" y="6083204"/>
+              <a:ext cx="1489587" cy="686164"/>
+            </a:xfrm>
+            <a:prstGeom prst="roundRect">
+              <a:avLst/>
+            </a:prstGeom>
+            <a:solidFill>
+              <a:srgbClr val="3A3A3A"/>
+            </a:solidFill>
+            <a:ln w="28575">
+              <a:solidFill>
+                <a:schemeClr val="bg2">
+                  <a:lumMod val="25000"/>
+                </a:schemeClr>
+              </a:solidFill>
+            </a:ln>
+            <a:effectLst/>
+          </p:spPr>
+          <p:style>
+            <a:lnRef idx="1">
+              <a:schemeClr val="accent1"/>
+            </a:lnRef>
+            <a:fillRef idx="3">
+              <a:schemeClr val="accent1"/>
+            </a:fillRef>
+            <a:effectRef idx="2">
+              <a:schemeClr val="accent1"/>
+            </a:effectRef>
+            <a:fontRef idx="minor">
+              <a:schemeClr val="lt1"/>
+            </a:fontRef>
+          </p:style>
+          <p:txBody>
+            <a:bodyPr rtlCol="0" anchor="ctr"/>
+            <a:lstStyle/>
+            <a:p>
+              <a:r>
+                <a:rPr lang="zh-CN" altLang="en-US" sz="2100" b="1" dirty="0">
+                  <a:solidFill>
+                    <a:schemeClr val="bg1"/>
+                  </a:solidFill>
+                  <a:latin typeface="微軟正黑體" panose="020B0604030504040204" pitchFamily="34" charset="-120"/>
+                  <a:ea typeface="微軟正黑體" panose="020B0604030504040204" pitchFamily="34" charset="-120"/>
+                  <a:cs typeface="Lantinghei SC Extralight" charset="-122"/>
+                </a:rPr>
+                <a:t>外部因素</a:t>
+              </a:r>
+              <a:endParaRPr lang="en-US" sz="2100" b="1" dirty="0">
+                <a:solidFill>
+                  <a:schemeClr val="bg1"/>
+                </a:solidFill>
+                <a:latin typeface="微軟正黑體" panose="020B0604030504040204" pitchFamily="34" charset="-120"/>
+                <a:ea typeface="微軟正黑體" panose="020B0604030504040204" pitchFamily="34" charset="-120"/>
+                <a:cs typeface="Lantinghei SC Extralight" charset="-122"/>
+              </a:endParaRPr>
+            </a:p>
+          </p:txBody>
+        </p:sp>
+      </p:grpSp>
+      <p:grpSp>
+        <p:nvGrpSpPr>
+          <p:cNvPr id="49" name="组合 48"/>
+          <p:cNvGrpSpPr/>
+          <p:nvPr/>
+        </p:nvGrpSpPr>
+        <p:grpSpPr>
+          <a:xfrm>
+            <a:off x="16395" y="-14287"/>
+            <a:ext cx="1082282" cy="5157788"/>
+            <a:chOff x="-80966" y="-19050"/>
+            <a:chExt cx="1443043" cy="6877051"/>
+          </a:xfrm>
+        </p:grpSpPr>
+        <p:sp>
+          <p:nvSpPr>
+            <p:cNvPr id="50" name="任意多边形 49"/>
+            <p:cNvSpPr/>
+            <p:nvPr/>
+          </p:nvSpPr>
+          <p:spPr>
+            <a:xfrm rot="16200000" flipV="1">
+              <a:off x="-2489564" y="2408598"/>
+              <a:ext cx="6260239" cy="1443042"/>
+            </a:xfrm>
+            <a:custGeom>
+              <a:avLst/>
+              <a:gdLst>
+                <a:gd name="connsiteX0" fmla="*/ 6260239 w 6260239"/>
+                <a:gd name="connsiteY0" fmla="*/ 1443042 h 1443042"/>
+                <a:gd name="connsiteX1" fmla="*/ 6260239 w 6260239"/>
+                <a:gd name="connsiteY1" fmla="*/ 1370077 h 1443042"/>
+                <a:gd name="connsiteX2" fmla="*/ 3239468 w 6260239"/>
+                <a:gd name="connsiteY2" fmla="*/ 0 h 1443042"/>
+                <a:gd name="connsiteX3" fmla="*/ 0 w 6260239"/>
+                <a:gd name="connsiteY3" fmla="*/ 1443042 h 1443042"/>
+              </a:gdLst>
+              <a:ahLst/>
+              <a:cxnLst>
+                <a:cxn ang="0">
+                  <a:pos x="connsiteX0" y="connsiteY0"/>
+                </a:cxn>
+                <a:cxn ang="0">
+                  <a:pos x="connsiteX1" y="connsiteY1"/>
+                </a:cxn>
+                <a:cxn ang="0">
+                  <a:pos x="connsiteX2" y="connsiteY2"/>
+                </a:cxn>
+                <a:cxn ang="0">
+                  <a:pos x="connsiteX3" y="connsiteY3"/>
+                </a:cxn>
+              </a:cxnLst>
+              <a:rect l="l" t="t" r="r" b="b"/>
+              <a:pathLst>
+                <a:path w="6260239" h="1443042">
+                  <a:moveTo>
+                    <a:pt x="6260239" y="1443042"/>
+                  </a:moveTo>
+                  <a:lnTo>
+                    <a:pt x="6260239" y="1370077"/>
+                  </a:lnTo>
+                  <a:lnTo>
+                    <a:pt x="3239468" y="0"/>
+                  </a:lnTo>
+                  <a:lnTo>
+                    <a:pt x="0" y="1443042"/>
+                  </a:lnTo>
+                  <a:close/>
+                </a:path>
+              </a:pathLst>
+            </a:custGeom>
+            <a:solidFill>
+              <a:srgbClr val="FFC001"/>
+            </a:solidFill>
+            <a:ln>
+              <a:solidFill>
+                <a:srgbClr val="DBB76C"/>
+              </a:solidFill>
+            </a:ln>
+          </p:spPr>
+          <p:style>
+            <a:lnRef idx="2">
+              <a:schemeClr val="accent1">
+                <a:shade val="50000"/>
+              </a:schemeClr>
+            </a:lnRef>
+            <a:fillRef idx="1">
+              <a:schemeClr val="accent1"/>
+            </a:fillRef>
+            <a:effectRef idx="0">
+              <a:schemeClr val="accent1"/>
+            </a:effectRef>
+            <a:fontRef idx="minor">
+              <a:schemeClr val="lt1"/>
+            </a:fontRef>
+          </p:style>
+          <p:txBody>
+            <a:bodyPr rtlCol="0" anchor="ctr"/>
+            <a:lstStyle/>
+            <a:p>
+              <a:pPr algn="ctr"/>
+              <a:endParaRPr lang="zh-CN" altLang="en-US" sz="975" b="1">
+                <a:latin typeface="微軟正黑體" panose="020B0604030504040204" pitchFamily="34" charset="-120"/>
+                <a:ea typeface="微軟正黑體" panose="020B0604030504040204" pitchFamily="34" charset="-120"/>
+                <a:cs typeface="Lantinghei SC Extralight" charset="-122"/>
+              </a:endParaRPr>
+            </a:p>
+          </p:txBody>
+        </p:sp>
+        <p:sp>
+          <p:nvSpPr>
+            <p:cNvPr id="51" name="任意多边形 50"/>
+            <p:cNvSpPr/>
+            <p:nvPr/>
+          </p:nvSpPr>
+          <p:spPr>
+            <a:xfrm rot="16200000" flipV="1">
+              <a:off x="-2557704" y="2938221"/>
+              <a:ext cx="6396518" cy="1443041"/>
+            </a:xfrm>
+            <a:custGeom>
+              <a:avLst/>
+              <a:gdLst>
+                <a:gd name="connsiteX0" fmla="*/ 6396518 w 6396518"/>
+                <a:gd name="connsiteY0" fmla="*/ 1443041 h 1443041"/>
+                <a:gd name="connsiteX1" fmla="*/ 3214875 w 6396518"/>
+                <a:gd name="connsiteY1" fmla="*/ 0 h 1443041"/>
+                <a:gd name="connsiteX2" fmla="*/ 0 w 6396518"/>
+                <a:gd name="connsiteY2" fmla="*/ 1432086 h 1443041"/>
+                <a:gd name="connsiteX3" fmla="*/ 0 w 6396518"/>
+                <a:gd name="connsiteY3" fmla="*/ 1443041 h 1443041"/>
+              </a:gdLst>
+              <a:ahLst/>
+              <a:cxnLst>
+                <a:cxn ang="0">
+                  <a:pos x="connsiteX0" y="connsiteY0"/>
+                </a:cxn>
+                <a:cxn ang="0">
+                  <a:pos x="connsiteX1" y="connsiteY1"/>
+                </a:cxn>
+                <a:cxn ang="0">
+                  <a:pos x="connsiteX2" y="connsiteY2"/>
+                </a:cxn>
+                <a:cxn ang="0">
+                  <a:pos x="connsiteX3" y="connsiteY3"/>
+                </a:cxn>
+              </a:cxnLst>
+              <a:rect l="l" t="t" r="r" b="b"/>
+              <a:pathLst>
+                <a:path w="6396518" h="1443041">
+                  <a:moveTo>
+                    <a:pt x="6396518" y="1443041"/>
+                  </a:moveTo>
+                  <a:lnTo>
+                    <a:pt x="3214875" y="0"/>
+                  </a:lnTo>
+                  <a:lnTo>
+                    <a:pt x="0" y="1432086"/>
+                  </a:lnTo>
+                  <a:lnTo>
+                    <a:pt x="0" y="1443041"/>
+                  </a:lnTo>
+                  <a:close/>
+                </a:path>
+              </a:pathLst>
+            </a:custGeom>
+            <a:solidFill>
+              <a:srgbClr val="3A3A3A"/>
+            </a:solidFill>
+            <a:ln>
+              <a:noFill/>
+            </a:ln>
+          </p:spPr>
+          <p:style>
+            <a:lnRef idx="2">
+              <a:schemeClr val="accent1">
+                <a:shade val="50000"/>
+              </a:schemeClr>
+            </a:lnRef>
+            <a:fillRef idx="1">
+              <a:schemeClr val="accent1"/>
+            </a:fillRef>
+            <a:effectRef idx="0">
+              <a:schemeClr val="accent1"/>
+            </a:effectRef>
+            <a:fontRef idx="minor">
+              <a:schemeClr val="lt1"/>
+            </a:fontRef>
+          </p:style>
+          <p:txBody>
+            <a:bodyPr rtlCol="0" anchor="ctr"/>
+            <a:lstStyle/>
+            <a:p>
+              <a:pPr algn="ctr"/>
+              <a:endParaRPr lang="zh-CN" altLang="en-US" sz="975" b="1">
+                <a:latin typeface="微軟正黑體" panose="020B0604030504040204" pitchFamily="34" charset="-120"/>
+                <a:ea typeface="微軟正黑體" panose="020B0604030504040204" pitchFamily="34" charset="-120"/>
+                <a:cs typeface="Lantinghei SC Extralight" charset="-122"/>
+              </a:endParaRPr>
+            </a:p>
+          </p:txBody>
+        </p:sp>
+        <p:cxnSp>
+          <p:nvCxnSpPr>
+            <p:cNvPr id="52" name="直接连接符 51"/>
+            <p:cNvCxnSpPr/>
+            <p:nvPr/>
+          </p:nvCxnSpPr>
+          <p:spPr>
+            <a:xfrm rot="16200000" flipV="1">
+              <a:off x="-529500" y="638885"/>
+              <a:ext cx="2419074" cy="1103204"/>
+            </a:xfrm>
+            <a:prstGeom prst="line">
+              <a:avLst/>
+            </a:prstGeom>
+            <a:ln>
+              <a:solidFill>
+                <a:srgbClr val="3A3A3A"/>
+              </a:solidFill>
+            </a:ln>
+          </p:spPr>
+          <p:style>
+            <a:lnRef idx="1">
+              <a:schemeClr val="accent1"/>
+            </a:lnRef>
+            <a:fillRef idx="0">
+              <a:schemeClr val="accent1"/>
+            </a:fillRef>
+            <a:effectRef idx="0">
+              <a:schemeClr val="accent1"/>
+            </a:effectRef>
+            <a:fontRef idx="minor">
+              <a:schemeClr val="tx1"/>
+            </a:fontRef>
+          </p:style>
+        </p:cxnSp>
+      </p:grpSp>
+      <p:sp>
+        <p:nvSpPr>
+          <p:cNvPr id="5" name="文本框 4"/>
+          <p:cNvSpPr txBox="1"/>
+          <p:nvPr/>
+        </p:nvSpPr>
+        <p:spPr>
+          <a:xfrm>
+            <a:off x="23214" y="962250"/>
+            <a:ext cx="923330" cy="3661181"/>
+          </a:xfrm>
+          <a:prstGeom prst="rect">
+            <a:avLst/>
+          </a:prstGeom>
+          <a:noFill/>
+        </p:spPr>
+        <p:txBody>
+          <a:bodyPr vert="eaVert" wrap="square" rtlCol="0">
+            <a:spAutoFit/>
+          </a:bodyPr>
+          <a:lstStyle/>
+          <a:p>
+            <a:pPr algn="ctr"/>
+            <a:r>
+              <a:rPr lang="zh-CN" altLang="en-US" sz="2400" b="1" dirty="0" smtClean="0">
+                <a:solidFill>
+                  <a:schemeClr val="bg1"/>
+                </a:solidFill>
+                <a:latin typeface="微軟正黑體" panose="020B0604030504040204" pitchFamily="34" charset="-120"/>
+                <a:ea typeface="微軟正黑體" panose="020B0604030504040204" pitchFamily="34" charset="-120"/>
+                <a:cs typeface="Lantinghei SC Extralight" charset="-122"/>
+              </a:rPr>
+              <a:t>逻辑模型</a:t>
+            </a:r>
+            <a:endParaRPr lang="en-US" altLang="zh-CN" sz="2400" b="1" dirty="0" smtClean="0">
+              <a:solidFill>
+                <a:schemeClr val="bg1"/>
+              </a:solidFill>
+              <a:latin typeface="微軟正黑體" panose="020B0604030504040204" pitchFamily="34" charset="-120"/>
+              <a:ea typeface="微軟正黑體" panose="020B0604030504040204" pitchFamily="34" charset="-120"/>
+              <a:cs typeface="Lantinghei SC Extralight" charset="-122"/>
+            </a:endParaRPr>
+          </a:p>
+          <a:p>
+            <a:pPr algn="ctr"/>
+            <a:r>
+              <a:rPr lang="zh-TW" altLang="en-US" sz="2400" b="1" dirty="0" smtClean="0">
+                <a:solidFill>
+                  <a:schemeClr val="bg1"/>
+                </a:solidFill>
+                <a:latin typeface="微軟正黑體" panose="020B0604030504040204" pitchFamily="34" charset="-120"/>
+                <a:ea typeface="微軟正黑體" panose="020B0604030504040204" pitchFamily="34" charset="-120"/>
+                <a:cs typeface="Lantinghei SC Extralight" charset="-122"/>
+              </a:rPr>
+              <a:t>入學導引課</a:t>
+            </a:r>
+            <a:endParaRPr lang="zh-CN" altLang="en-US" sz="2400" b="1" dirty="0">
+              <a:solidFill>
+                <a:schemeClr val="bg1"/>
+              </a:solidFill>
+              <a:latin typeface="微軟正黑體" panose="020B0604030504040204" pitchFamily="34" charset="-120"/>
+              <a:ea typeface="微軟正黑體" panose="020B0604030504040204" pitchFamily="34" charset="-120"/>
+              <a:cs typeface="Lantinghei SC Extralight" charset="-122"/>
+            </a:endParaRPr>
+          </a:p>
+        </p:txBody>
+      </p:sp>
+      <p:sp>
+        <p:nvSpPr>
+          <p:cNvPr id="31" name="Rectangle 11"/>
+          <p:cNvSpPr/>
+          <p:nvPr/>
+        </p:nvSpPr>
+        <p:spPr>
+          <a:xfrm>
+            <a:off x="7062717" y="1726374"/>
+            <a:ext cx="1814660" cy="2677656"/>
+          </a:xfrm>
+          <a:prstGeom prst="rect">
+            <a:avLst/>
+          </a:prstGeom>
+        </p:spPr>
+        <p:txBody>
+          <a:bodyPr wrap="square">
+            <a:spAutoFit/>
+          </a:bodyPr>
+          <a:lstStyle/>
+          <a:p>
+            <a:pPr marL="214313" lvl="1" indent="-214313">
+              <a:lnSpc>
+                <a:spcPct val="150000"/>
+              </a:lnSpc>
+              <a:buFont typeface="Arial" panose="020B0604020202020204" pitchFamily="34" charset="0"/>
+              <a:buChar char="•"/>
+            </a:pPr>
+            <a:r>
+              <a:rPr lang="zh-CN" altLang="en-US" sz="800" b="1" dirty="0" smtClean="0">
+                <a:solidFill>
+                  <a:schemeClr val="bg1"/>
+                </a:solidFill>
+                <a:latin typeface="微軟正黑體" panose="020B0604030504040204" pitchFamily="34" charset="-120"/>
+                <a:ea typeface="微軟正黑體" panose="020B0604030504040204" pitchFamily="34" charset="-120"/>
+                <a:cs typeface="Lantinghei SC Extralight" charset="-122"/>
+              </a:rPr>
+              <a:t>超</a:t>
+            </a:r>
+            <a:r>
+              <a:rPr lang="zh-CN" altLang="en-US" sz="800" b="1" dirty="0">
+                <a:solidFill>
+                  <a:schemeClr val="bg1"/>
+                </a:solidFill>
+                <a:latin typeface="微軟正黑體" panose="020B0604030504040204" pitchFamily="34" charset="-120"/>
+                <a:ea typeface="微軟正黑體" panose="020B0604030504040204" pitchFamily="34" charset="-120"/>
+                <a:cs typeface="Lantinghei SC Extralight" charset="-122"/>
+              </a:rPr>
+              <a:t>限</a:t>
+            </a:r>
+            <a:r>
+              <a:rPr lang="zh-CN" altLang="en-US" sz="800" b="1" dirty="0" smtClean="0">
+                <a:solidFill>
+                  <a:schemeClr val="bg1"/>
+                </a:solidFill>
+                <a:latin typeface="微軟正黑體" panose="020B0604030504040204" pitchFamily="34" charset="-120"/>
+                <a:ea typeface="微軟正黑體" panose="020B0604030504040204" pitchFamily="34" charset="-120"/>
+                <a:cs typeface="Lantinghei SC Extralight" charset="-122"/>
+              </a:rPr>
+              <a:t>学习过程</a:t>
+            </a:r>
+            <a:endParaRPr lang="en-US" altLang="zh-CN" sz="800" b="1" dirty="0">
+              <a:solidFill>
+                <a:schemeClr val="bg1"/>
+              </a:solidFill>
+              <a:latin typeface="微軟正黑體" panose="020B0604030504040204" pitchFamily="34" charset="-120"/>
+              <a:ea typeface="微軟正黑體" panose="020B0604030504040204" pitchFamily="34" charset="-120"/>
+              <a:cs typeface="Lantinghei SC Extralight" charset="-122"/>
+            </a:endParaRPr>
+          </a:p>
+          <a:p>
+            <a:pPr marL="214313" lvl="1" indent="-214313">
+              <a:lnSpc>
+                <a:spcPct val="150000"/>
+              </a:lnSpc>
+              <a:buFont typeface="Arial" panose="020B0604020202020204" pitchFamily="34" charset="0"/>
+              <a:buChar char="•"/>
+            </a:pPr>
+            <a:r>
+              <a:rPr lang="en-US" altLang="zh-CN" sz="800" b="1" dirty="0" smtClean="0">
+                <a:solidFill>
+                  <a:schemeClr val="bg1"/>
+                </a:solidFill>
+                <a:latin typeface="微軟正黑體" panose="020B0604030504040204" pitchFamily="34" charset="-120"/>
+                <a:ea typeface="微軟正黑體" panose="020B0604030504040204" pitchFamily="34" charset="-120"/>
+                <a:cs typeface="Lantinghei SC Extralight" charset="-122"/>
+              </a:rPr>
+              <a:t>WIKI</a:t>
+            </a:r>
+            <a:r>
+              <a:rPr lang="zh-CN" altLang="en-US" sz="800" b="1" dirty="0">
+                <a:solidFill>
+                  <a:schemeClr val="bg1"/>
+                </a:solidFill>
+                <a:latin typeface="微軟正黑體" panose="020B0604030504040204" pitchFamily="34" charset="-120"/>
+                <a:ea typeface="微軟正黑體" panose="020B0604030504040204" pitchFamily="34" charset="-120"/>
+                <a:cs typeface="Lantinghei SC Extralight" charset="-122"/>
+              </a:rPr>
+              <a:t>，</a:t>
+            </a:r>
+            <a:r>
+              <a:rPr lang="en-US" altLang="zh-CN" sz="800" b="1" dirty="0">
+                <a:solidFill>
+                  <a:schemeClr val="bg1"/>
+                </a:solidFill>
+                <a:latin typeface="微軟正黑體" panose="020B0604030504040204" pitchFamily="34" charset="-120"/>
+                <a:ea typeface="微軟正黑體" panose="020B0604030504040204" pitchFamily="34" charset="-120"/>
+                <a:cs typeface="Lantinghei SC Extralight" charset="-122"/>
+              </a:rPr>
+              <a:t>GIT</a:t>
+            </a:r>
+            <a:r>
+              <a:rPr lang="zh-CN" altLang="en-US" sz="800" b="1" dirty="0">
+                <a:solidFill>
+                  <a:schemeClr val="bg1"/>
+                </a:solidFill>
+                <a:latin typeface="微軟正黑體" panose="020B0604030504040204" pitchFamily="34" charset="-120"/>
+                <a:ea typeface="微軟正黑體" panose="020B0604030504040204" pitchFamily="34" charset="-120"/>
+                <a:cs typeface="Lantinghei SC Extralight" charset="-122"/>
+              </a:rPr>
+              <a:t>的工具</a:t>
+            </a:r>
+            <a:r>
+              <a:rPr lang="zh-CN" altLang="en-US" sz="800" b="1" dirty="0" smtClean="0">
+                <a:solidFill>
+                  <a:schemeClr val="bg1"/>
+                </a:solidFill>
+                <a:latin typeface="微軟正黑體" panose="020B0604030504040204" pitchFamily="34" charset="-120"/>
+                <a:ea typeface="微軟正黑體" panose="020B0604030504040204" pitchFamily="34" charset="-120"/>
+                <a:cs typeface="Lantinghei SC Extralight" charset="-122"/>
+              </a:rPr>
+              <a:t>支持 </a:t>
+            </a:r>
+            <a:endParaRPr lang="en-US" altLang="zh-CN" sz="800" b="1" dirty="0" smtClean="0">
+              <a:solidFill>
+                <a:schemeClr val="bg1"/>
+              </a:solidFill>
+              <a:latin typeface="微軟正黑體" panose="020B0604030504040204" pitchFamily="34" charset="-120"/>
+              <a:ea typeface="微軟正黑體" panose="020B0604030504040204" pitchFamily="34" charset="-120"/>
+              <a:cs typeface="Lantinghei SC Extralight" charset="-122"/>
+            </a:endParaRPr>
+          </a:p>
+          <a:p>
+            <a:pPr marL="214313" lvl="1" indent="-214313">
+              <a:lnSpc>
+                <a:spcPct val="150000"/>
+              </a:lnSpc>
+              <a:buFont typeface="Arial" panose="020B0604020202020204" pitchFamily="34" charset="0"/>
+              <a:buChar char="•"/>
+            </a:pPr>
+            <a:r>
+              <a:rPr lang="zh-CN" altLang="en-US" sz="800" b="1" dirty="0" smtClean="0">
+                <a:solidFill>
+                  <a:schemeClr val="bg1"/>
+                </a:solidFill>
+                <a:latin typeface="微軟正黑體" panose="020B0604030504040204" pitchFamily="34" charset="-120"/>
+                <a:ea typeface="微軟正黑體" panose="020B0604030504040204" pitchFamily="34" charset="-120"/>
+                <a:cs typeface="Lantinghei SC Extralight" charset="-122"/>
+              </a:rPr>
+              <a:t>校内各社团资源支持</a:t>
+            </a:r>
+            <a:endParaRPr lang="en-US" altLang="zh-CN" sz="800" b="1" dirty="0" smtClean="0">
+              <a:solidFill>
+                <a:schemeClr val="bg1"/>
+              </a:solidFill>
+              <a:latin typeface="微軟正黑體" panose="020B0604030504040204" pitchFamily="34" charset="-120"/>
+              <a:ea typeface="微軟正黑體" panose="020B0604030504040204" pitchFamily="34" charset="-120"/>
+              <a:cs typeface="Lantinghei SC Extralight" charset="-122"/>
+            </a:endParaRPr>
+          </a:p>
+          <a:p>
+            <a:pPr marL="214313" lvl="1" indent="-214313">
+              <a:lnSpc>
+                <a:spcPct val="150000"/>
+              </a:lnSpc>
+              <a:buFont typeface="Arial" panose="020B0604020202020204" pitchFamily="34" charset="0"/>
+              <a:buChar char="•"/>
+            </a:pPr>
+            <a:r>
+              <a:rPr lang="zh-CN" altLang="en-US" sz="800" b="1" dirty="0">
+                <a:solidFill>
+                  <a:schemeClr val="bg1"/>
+                </a:solidFill>
+                <a:latin typeface="微軟正黑體" panose="020B0604030504040204" pitchFamily="34" charset="-120"/>
+                <a:ea typeface="微軟正黑體" panose="020B0604030504040204" pitchFamily="34" charset="-120"/>
+                <a:cs typeface="Lantinghei SC Extralight" charset="-122"/>
+              </a:rPr>
+              <a:t>校内图书馆支持</a:t>
+            </a:r>
+            <a:endParaRPr lang="en-US" altLang="zh-CN" sz="800" b="1" dirty="0">
+              <a:solidFill>
+                <a:schemeClr val="bg1"/>
+              </a:solidFill>
+              <a:latin typeface="微軟正黑體" panose="020B0604030504040204" pitchFamily="34" charset="-120"/>
+              <a:ea typeface="微軟正黑體" panose="020B0604030504040204" pitchFamily="34" charset="-120"/>
+              <a:cs typeface="Lantinghei SC Extralight" charset="-122"/>
+            </a:endParaRPr>
+          </a:p>
+          <a:p>
+            <a:pPr marL="214313" lvl="1" indent="-214313">
+              <a:lnSpc>
+                <a:spcPct val="150000"/>
+              </a:lnSpc>
+              <a:buFont typeface="Arial" panose="020B0604020202020204" pitchFamily="34" charset="0"/>
+              <a:buChar char="•"/>
+            </a:pPr>
+            <a:r>
+              <a:rPr lang="zh-CN" altLang="en-US" sz="800" b="1" dirty="0" smtClean="0">
+                <a:solidFill>
+                  <a:schemeClr val="bg1"/>
+                </a:solidFill>
+                <a:latin typeface="微軟正黑體" panose="020B0604030504040204" pitchFamily="34" charset="-120"/>
+                <a:ea typeface="微軟正黑體" panose="020B0604030504040204" pitchFamily="34" charset="-120"/>
+                <a:cs typeface="Lantinghei SC Extralight" charset="-122"/>
+              </a:rPr>
+              <a:t>现场所有同学自身的资源 </a:t>
+            </a:r>
+            <a:endParaRPr lang="en-US" altLang="zh-CN" sz="800" b="1" dirty="0" smtClean="0">
+              <a:solidFill>
+                <a:schemeClr val="bg1"/>
+              </a:solidFill>
+              <a:latin typeface="微軟正黑體" panose="020B0604030504040204" pitchFamily="34" charset="-120"/>
+              <a:ea typeface="微軟正黑體" panose="020B0604030504040204" pitchFamily="34" charset="-120"/>
+              <a:cs typeface="Lantinghei SC Extralight" charset="-122"/>
+            </a:endParaRPr>
+          </a:p>
+          <a:p>
+            <a:pPr marL="214313" lvl="1" indent="-214313">
+              <a:lnSpc>
+                <a:spcPct val="150000"/>
+              </a:lnSpc>
+              <a:buFont typeface="Arial" panose="020B0604020202020204" pitchFamily="34" charset="0"/>
+              <a:buChar char="•"/>
+            </a:pPr>
+            <a:r>
+              <a:rPr lang="zh-CN" altLang="en-US" sz="800" b="1" dirty="0">
+                <a:solidFill>
+                  <a:schemeClr val="bg1"/>
+                </a:solidFill>
+                <a:latin typeface="微軟正黑體" panose="020B0604030504040204" pitchFamily="34" charset="-120"/>
+                <a:ea typeface="微軟正黑體" panose="020B0604030504040204" pitchFamily="34" charset="-120"/>
+                <a:cs typeface="Lantinghei SC Extralight" charset="-122"/>
+              </a:rPr>
+              <a:t>现场教学环境的</a:t>
+            </a:r>
+            <a:r>
+              <a:rPr lang="zh-CN" altLang="en-US" sz="800" b="1" dirty="0" smtClean="0">
+                <a:solidFill>
+                  <a:schemeClr val="bg1"/>
+                </a:solidFill>
+                <a:latin typeface="微軟正黑體" panose="020B0604030504040204" pitchFamily="34" charset="-120"/>
+                <a:ea typeface="微軟正黑體" panose="020B0604030504040204" pitchFamily="34" charset="-120"/>
+                <a:cs typeface="Lantinghei SC Extralight" charset="-122"/>
+              </a:rPr>
+              <a:t>支持</a:t>
+            </a:r>
+          </a:p>
+          <a:p>
+            <a:pPr marL="214313" lvl="1" indent="-214313">
+              <a:lnSpc>
+                <a:spcPct val="150000"/>
+              </a:lnSpc>
+              <a:buFont typeface="Arial" panose="020B0604020202020204" pitchFamily="34" charset="0"/>
+              <a:buChar char="•"/>
+            </a:pPr>
+            <a:r>
+              <a:rPr lang="zh-CN" altLang="en-US" sz="800" b="1" dirty="0">
+                <a:solidFill>
+                  <a:schemeClr val="bg1"/>
+                </a:solidFill>
+                <a:latin typeface="微軟正黑體" panose="020B0604030504040204" pitchFamily="34" charset="-120"/>
+                <a:ea typeface="微軟正黑體" panose="020B0604030504040204" pitchFamily="34" charset="-120"/>
+                <a:cs typeface="Lantinghei SC Extralight" charset="-122"/>
+              </a:rPr>
+              <a:t>往期</a:t>
+            </a:r>
+            <a:r>
+              <a:rPr lang="en-US" altLang="zh-CN" sz="800" b="1" dirty="0">
+                <a:solidFill>
+                  <a:schemeClr val="bg1"/>
+                </a:solidFill>
+                <a:latin typeface="微軟正黑體" panose="020B0604030504040204" pitchFamily="34" charset="-120"/>
+                <a:ea typeface="微軟正黑體" panose="020B0604030504040204" pitchFamily="34" charset="-120"/>
+                <a:cs typeface="Lantinghei SC Extralight" charset="-122"/>
+              </a:rPr>
+              <a:t>MEM</a:t>
+            </a:r>
+            <a:r>
+              <a:rPr lang="zh-CN" altLang="en-US" sz="800" b="1" dirty="0">
+                <a:solidFill>
+                  <a:schemeClr val="bg1"/>
+                </a:solidFill>
+                <a:latin typeface="微軟正黑體" panose="020B0604030504040204" pitchFamily="34" charset="-120"/>
+                <a:ea typeface="微軟正黑體" panose="020B0604030504040204" pitchFamily="34" charset="-120"/>
+                <a:cs typeface="Lantinghei SC Extralight" charset="-122"/>
+              </a:rPr>
+              <a:t>学长的资源 </a:t>
+            </a:r>
+            <a:endParaRPr lang="zh-CN" altLang="en-US" sz="800" b="1" dirty="0" smtClean="0">
+              <a:solidFill>
+                <a:schemeClr val="bg1"/>
+              </a:solidFill>
+              <a:latin typeface="微軟正黑體" panose="020B0604030504040204" pitchFamily="34" charset="-120"/>
+              <a:ea typeface="微軟正黑體" panose="020B0604030504040204" pitchFamily="34" charset="-120"/>
+              <a:cs typeface="Lantinghei SC Extralight" charset="-122"/>
+            </a:endParaRPr>
+          </a:p>
+          <a:p>
+            <a:pPr marL="214313" lvl="1" indent="-214313">
+              <a:lnSpc>
+                <a:spcPct val="150000"/>
+              </a:lnSpc>
+              <a:buFont typeface="Arial" panose="020B0604020202020204" pitchFamily="34" charset="0"/>
+              <a:buChar char="•"/>
+            </a:pPr>
+            <a:r>
+              <a:rPr lang="en-US" altLang="zh-CN" sz="800" b="1" dirty="0">
+                <a:solidFill>
+                  <a:schemeClr val="bg1"/>
+                </a:solidFill>
+                <a:latin typeface="微軟正黑體" panose="020B0604030504040204" pitchFamily="34" charset="-120"/>
+                <a:ea typeface="微軟正黑體" panose="020B0604030504040204" pitchFamily="34" charset="-120"/>
+                <a:cs typeface="Lantinghei SC Extralight" charset="-122"/>
+              </a:rPr>
+              <a:t>MEM</a:t>
+            </a:r>
+            <a:r>
+              <a:rPr lang="zh-CN" altLang="en-US" sz="800" b="1" dirty="0">
+                <a:solidFill>
+                  <a:schemeClr val="bg1"/>
+                </a:solidFill>
+                <a:latin typeface="微軟正黑體" panose="020B0604030504040204" pitchFamily="34" charset="-120"/>
+                <a:ea typeface="微軟正黑體" panose="020B0604030504040204" pitchFamily="34" charset="-120"/>
+                <a:cs typeface="Lantinghei SC Extralight" charset="-122"/>
+              </a:rPr>
+              <a:t>教育中心的支持 </a:t>
+            </a:r>
+            <a:endParaRPr lang="zh-CN" altLang="en-US" sz="800" b="1" dirty="0" smtClean="0">
+              <a:solidFill>
+                <a:schemeClr val="bg1"/>
+              </a:solidFill>
+              <a:latin typeface="微軟正黑體" panose="020B0604030504040204" pitchFamily="34" charset="-120"/>
+              <a:ea typeface="微軟正黑體" panose="020B0604030504040204" pitchFamily="34" charset="-120"/>
+              <a:cs typeface="Lantinghei SC Extralight" charset="-122"/>
+            </a:endParaRPr>
+          </a:p>
+          <a:p>
+            <a:pPr marL="214313" lvl="1" indent="-214313">
+              <a:lnSpc>
+                <a:spcPct val="150000"/>
+              </a:lnSpc>
+              <a:buFont typeface="Arial" panose="020B0604020202020204" pitchFamily="34" charset="0"/>
+              <a:buChar char="•"/>
+            </a:pPr>
+            <a:r>
+              <a:rPr lang="zh-CN" altLang="en-US" sz="800" b="1" dirty="0">
+                <a:solidFill>
+                  <a:schemeClr val="bg1"/>
+                </a:solidFill>
+                <a:latin typeface="微軟正黑體" panose="020B0604030504040204" pitchFamily="34" charset="-120"/>
+                <a:ea typeface="微軟正黑體" panose="020B0604030504040204" pitchFamily="34" charset="-120"/>
+                <a:cs typeface="Lantinghei SC Extralight" charset="-122"/>
+              </a:rPr>
+              <a:t>课程挑战方的导师、助教</a:t>
+            </a:r>
+            <a:r>
+              <a:rPr lang="zh-CN" altLang="en-US" sz="800" b="1" dirty="0" smtClean="0">
+                <a:solidFill>
+                  <a:schemeClr val="bg1"/>
+                </a:solidFill>
+                <a:latin typeface="微軟正黑體" panose="020B0604030504040204" pitchFamily="34" charset="-120"/>
+                <a:ea typeface="微軟正黑體" panose="020B0604030504040204" pitchFamily="34" charset="-120"/>
+                <a:cs typeface="Lantinghei SC Extralight" charset="-122"/>
+              </a:rPr>
+              <a:t>支持</a:t>
+            </a:r>
+            <a:endParaRPr lang="en-US" altLang="zh-CN" sz="800" b="1" dirty="0" smtClean="0">
+              <a:solidFill>
+                <a:schemeClr val="bg1"/>
+              </a:solidFill>
+              <a:latin typeface="微軟正黑體" panose="020B0604030504040204" pitchFamily="34" charset="-120"/>
+              <a:ea typeface="微軟正黑體" panose="020B0604030504040204" pitchFamily="34" charset="-120"/>
+              <a:cs typeface="Lantinghei SC Extralight" charset="-122"/>
+            </a:endParaRPr>
+          </a:p>
+          <a:p>
+            <a:pPr marL="214313" lvl="1" indent="-214313">
+              <a:lnSpc>
+                <a:spcPct val="150000"/>
+              </a:lnSpc>
+              <a:buFont typeface="Arial" panose="020B0604020202020204" pitchFamily="34" charset="0"/>
+              <a:buChar char="•"/>
+            </a:pPr>
+            <a:r>
+              <a:rPr lang="zh-CN" altLang="en-US" sz="800" b="1" dirty="0" smtClean="0">
+                <a:solidFill>
+                  <a:srgbClr val="FF0000"/>
+                </a:solidFill>
+                <a:latin typeface="微軟正黑體" panose="020B0604030504040204" pitchFamily="34" charset="-120"/>
+                <a:ea typeface="微軟正黑體" panose="020B0604030504040204" pitchFamily="34" charset="-120"/>
+                <a:cs typeface="Lantinghei SC Extralight" charset="-122"/>
+              </a:rPr>
+              <a:t>相关内容（</a:t>
+            </a:r>
+            <a:r>
+              <a:rPr lang="en-US" altLang="zh-CN" sz="800" b="1" dirty="0" err="1" smtClean="0">
+                <a:solidFill>
+                  <a:srgbClr val="FF0000"/>
+                </a:solidFill>
+                <a:latin typeface="微軟正黑體" panose="020B0604030504040204" pitchFamily="34" charset="-120"/>
+                <a:ea typeface="微軟正黑體" panose="020B0604030504040204" pitchFamily="34" charset="-120"/>
+                <a:cs typeface="Lantinghei SC Extralight" charset="-122"/>
+              </a:rPr>
+              <a:t>git</a:t>
+            </a:r>
+            <a:r>
+              <a:rPr lang="zh-CN" altLang="en-US" sz="800" b="1" dirty="0" smtClean="0">
+                <a:solidFill>
+                  <a:srgbClr val="FF0000"/>
+                </a:solidFill>
+                <a:latin typeface="微軟正黑體" panose="020B0604030504040204" pitchFamily="34" charset="-120"/>
+                <a:ea typeface="微軟正黑體" panose="020B0604030504040204" pitchFamily="34" charset="-120"/>
+                <a:cs typeface="Lantinghei SC Extralight" charset="-122"/>
+              </a:rPr>
+              <a:t>，社群画布，合弄制）应该提醒学生提前阅读。</a:t>
+            </a:r>
+            <a:endParaRPr lang="en-US" altLang="zh-CN" sz="800" b="1" dirty="0">
+              <a:solidFill>
+                <a:srgbClr val="FF0000"/>
+              </a:solidFill>
+              <a:latin typeface="微軟正黑體" panose="020B0604030504040204" pitchFamily="34" charset="-120"/>
+              <a:ea typeface="微軟正黑體" panose="020B0604030504040204" pitchFamily="34" charset="-120"/>
+              <a:cs typeface="Lantinghei SC Extralight" charset="-122"/>
+            </a:endParaRPr>
+          </a:p>
+          <a:p>
+            <a:pPr marL="214313" lvl="1" indent="-214313">
+              <a:lnSpc>
+                <a:spcPct val="150000"/>
+              </a:lnSpc>
+              <a:buFont typeface="Arial" panose="020B0604020202020204" pitchFamily="34" charset="0"/>
+              <a:buChar char="•"/>
+            </a:pPr>
+            <a:endParaRPr lang="zh-CN" altLang="en-US" sz="800" b="1" dirty="0">
+              <a:solidFill>
+                <a:schemeClr val="bg1"/>
+              </a:solidFill>
+              <a:latin typeface="微軟正黑體" panose="020B0604030504040204" pitchFamily="34" charset="-120"/>
+              <a:ea typeface="微軟正黑體" panose="020B0604030504040204" pitchFamily="34" charset="-120"/>
+              <a:cs typeface="Lantinghei SC Extralight" charset="-122"/>
+            </a:endParaRPr>
+          </a:p>
+          <a:p>
+            <a:pPr marL="214313" lvl="1" indent="-214313">
+              <a:lnSpc>
+                <a:spcPct val="150000"/>
+              </a:lnSpc>
+              <a:buFont typeface="Arial" panose="020B0604020202020204" pitchFamily="34" charset="0"/>
+              <a:buChar char="•"/>
+            </a:pPr>
+            <a:endParaRPr lang="en-US" altLang="zh-CN" sz="800" b="1" dirty="0">
+              <a:solidFill>
+                <a:schemeClr val="bg1"/>
+              </a:solidFill>
+              <a:latin typeface="微軟正黑體" panose="020B0604030504040204" pitchFamily="34" charset="-120"/>
+              <a:ea typeface="微軟正黑體" panose="020B0604030504040204" pitchFamily="34" charset="-120"/>
+              <a:cs typeface="Lantinghei SC Extralight" charset="-122"/>
+            </a:endParaRPr>
+          </a:p>
+        </p:txBody>
+      </p:sp>
+      <p:sp>
+        <p:nvSpPr>
+          <p:cNvPr id="34" name="TextBox 12"/>
+          <p:cNvSpPr txBox="1"/>
+          <p:nvPr/>
+        </p:nvSpPr>
+        <p:spPr>
+          <a:xfrm>
+            <a:off x="5179693" y="1727091"/>
+            <a:ext cx="1883023" cy="3046988"/>
+          </a:xfrm>
+          <a:prstGeom prst="rect">
+            <a:avLst/>
+          </a:prstGeom>
+          <a:noFill/>
+        </p:spPr>
+        <p:txBody>
+          <a:bodyPr wrap="square" rtlCol="0">
+            <a:spAutoFit/>
+          </a:bodyPr>
+          <a:lstStyle/>
+          <a:p>
+            <a:pPr marL="88900" indent="-88900">
+              <a:lnSpc>
+                <a:spcPct val="120000"/>
+              </a:lnSpc>
+              <a:buFont typeface="Arial" panose="020B0604020202020204" pitchFamily="34" charset="0"/>
+              <a:buChar char="•"/>
+            </a:pPr>
+            <a:r>
+              <a:rPr lang="en-US" altLang="zh-CN" sz="800" b="1" dirty="0">
+                <a:solidFill>
+                  <a:schemeClr val="bg1"/>
+                </a:solidFill>
+                <a:latin typeface="微軟正黑體" panose="020B0604030504040204" pitchFamily="34" charset="-120"/>
+                <a:ea typeface="微軟正黑體" panose="020B0604030504040204" pitchFamily="34" charset="-120"/>
+                <a:cs typeface="Lantinghei SC Extralight" charset="-122"/>
+              </a:rPr>
+              <a:t>4</a:t>
+            </a:r>
+            <a:r>
+              <a:rPr lang="zh-CN" altLang="en-US" sz="800" b="1" dirty="0">
+                <a:solidFill>
+                  <a:schemeClr val="bg1"/>
+                </a:solidFill>
+                <a:latin typeface="微軟正黑體" panose="020B0604030504040204" pitchFamily="34" charset="-120"/>
+                <a:ea typeface="微軟正黑體" panose="020B0604030504040204" pitchFamily="34" charset="-120"/>
+                <a:cs typeface="Lantinghei SC Extralight" charset="-122"/>
+              </a:rPr>
+              <a:t>天</a:t>
+            </a:r>
+            <a:r>
+              <a:rPr lang="en-US" altLang="zh-CN" sz="800" b="1" dirty="0">
+                <a:solidFill>
+                  <a:schemeClr val="bg1"/>
+                </a:solidFill>
+                <a:latin typeface="微軟正黑體" panose="020B0604030504040204" pitchFamily="34" charset="-120"/>
+                <a:ea typeface="微軟正黑體" panose="020B0604030504040204" pitchFamily="34" charset="-120"/>
+                <a:cs typeface="Lantinghei SC Extralight" charset="-122"/>
+              </a:rPr>
+              <a:t>MEM</a:t>
+            </a:r>
+            <a:r>
+              <a:rPr lang="zh-CN" altLang="en-US" sz="800" b="1" dirty="0">
+                <a:solidFill>
+                  <a:schemeClr val="bg1"/>
+                </a:solidFill>
+                <a:latin typeface="微軟正黑體" panose="020B0604030504040204" pitchFamily="34" charset="-120"/>
+                <a:ea typeface="微軟正黑體" panose="020B0604030504040204" pitchFamily="34" charset="-120"/>
+                <a:cs typeface="Lantinghei SC Extralight" charset="-122"/>
+              </a:rPr>
+              <a:t>导引课，三个课程单元。</a:t>
+            </a:r>
+          </a:p>
+          <a:p>
+            <a:pPr marL="363538" lvl="1" indent="-187325">
+              <a:lnSpc>
+                <a:spcPct val="120000"/>
+              </a:lnSpc>
+              <a:buFont typeface="Wingdings" panose="05000000000000000000" pitchFamily="2" charset="2"/>
+              <a:buChar char="ü"/>
+            </a:pPr>
+            <a:r>
+              <a:rPr lang="zh-CN" altLang="en-US" sz="800" b="1" dirty="0">
+                <a:solidFill>
+                  <a:srgbClr val="FF0000"/>
+                </a:solidFill>
+                <a:latin typeface="微軟正黑體" panose="020B0604030504040204" pitchFamily="34" charset="-120"/>
+                <a:ea typeface="微軟正黑體" panose="020B0604030504040204" pitchFamily="34" charset="-120"/>
+                <a:cs typeface="Lantinghei SC Extralight" charset="-122"/>
+              </a:rPr>
+              <a:t>单元一：认识自己</a:t>
+            </a:r>
+          </a:p>
+          <a:p>
+            <a:pPr marL="363538" lvl="1" indent="-187325">
+              <a:lnSpc>
+                <a:spcPct val="120000"/>
+              </a:lnSpc>
+              <a:buFont typeface="Wingdings" panose="05000000000000000000" pitchFamily="2" charset="2"/>
+              <a:buChar char="ü"/>
+            </a:pPr>
+            <a:r>
+              <a:rPr lang="zh-CN" altLang="en-US" sz="800" b="1" dirty="0">
+                <a:solidFill>
+                  <a:srgbClr val="FF0000"/>
+                </a:solidFill>
+                <a:latin typeface="微軟正黑體" panose="020B0604030504040204" pitchFamily="34" charset="-120"/>
+                <a:ea typeface="微軟正黑體" panose="020B0604030504040204" pitchFamily="34" charset="-120"/>
+                <a:cs typeface="Lantinghei SC Extralight" charset="-122"/>
+              </a:rPr>
+              <a:t>单元二：认识清华</a:t>
+            </a:r>
+          </a:p>
+          <a:p>
+            <a:pPr marL="363538" lvl="1" indent="-187325">
+              <a:lnSpc>
+                <a:spcPct val="120000"/>
+              </a:lnSpc>
+              <a:buFont typeface="Wingdings" panose="05000000000000000000" pitchFamily="2" charset="2"/>
+              <a:buChar char="ü"/>
+            </a:pPr>
+            <a:r>
+              <a:rPr lang="zh-CN" altLang="en-US" sz="800" b="1" dirty="0">
+                <a:solidFill>
+                  <a:srgbClr val="FF0000"/>
+                </a:solidFill>
+                <a:latin typeface="微軟正黑體" panose="020B0604030504040204" pitchFamily="34" charset="-120"/>
+                <a:ea typeface="微軟正黑體" panose="020B0604030504040204" pitchFamily="34" charset="-120"/>
+                <a:cs typeface="Lantinghei SC Extralight" charset="-122"/>
+              </a:rPr>
+              <a:t>单元三：清华与我</a:t>
+            </a:r>
+          </a:p>
+          <a:p>
+            <a:pPr marL="88900" indent="-88900">
+              <a:lnSpc>
+                <a:spcPct val="120000"/>
+              </a:lnSpc>
+              <a:buFont typeface="Arial" panose="020B0604020202020204" pitchFamily="34" charset="0"/>
+              <a:buChar char="•"/>
+            </a:pPr>
+            <a:r>
+              <a:rPr lang="zh-CN" altLang="en-US" sz="800" b="1" dirty="0">
+                <a:solidFill>
+                  <a:schemeClr val="bg1"/>
+                </a:solidFill>
+                <a:latin typeface="微軟正黑體" panose="020B0604030504040204" pitchFamily="34" charset="-120"/>
+                <a:ea typeface="微軟正黑體" panose="020B0604030504040204" pitchFamily="34" charset="-120"/>
+                <a:cs typeface="Lantinghei SC Extralight" charset="-122"/>
+              </a:rPr>
+              <a:t>课程单元一「认识自己」：</a:t>
+            </a:r>
+          </a:p>
+          <a:p>
+            <a:pPr marL="363538" lvl="1" indent="-187325">
+              <a:lnSpc>
+                <a:spcPct val="120000"/>
+              </a:lnSpc>
+              <a:buFont typeface="Wingdings" panose="05000000000000000000" pitchFamily="2" charset="2"/>
+              <a:buChar char="ü"/>
+            </a:pPr>
+            <a:r>
+              <a:rPr lang="zh-CN" altLang="en-US" sz="800" b="1" dirty="0">
+                <a:solidFill>
+                  <a:schemeClr val="bg1"/>
+                </a:solidFill>
+                <a:latin typeface="微軟正黑體" panose="020B0604030504040204" pitchFamily="34" charset="-120"/>
+                <a:ea typeface="微軟正黑體" panose="020B0604030504040204" pitchFamily="34" charset="-120"/>
+                <a:cs typeface="Lantinghei SC Extralight" charset="-122"/>
+              </a:rPr>
+              <a:t>优势测试</a:t>
+            </a:r>
+          </a:p>
+          <a:p>
+            <a:pPr marL="363538" lvl="1" indent="-187325">
+              <a:lnSpc>
+                <a:spcPct val="120000"/>
+              </a:lnSpc>
+              <a:buFont typeface="Wingdings" panose="05000000000000000000" pitchFamily="2" charset="2"/>
+              <a:buChar char="ü"/>
+            </a:pPr>
+            <a:r>
+              <a:rPr lang="zh-CN" altLang="en-US" sz="800" b="1" dirty="0">
+                <a:solidFill>
+                  <a:schemeClr val="bg1"/>
+                </a:solidFill>
+                <a:latin typeface="微軟正黑體" panose="020B0604030504040204" pitchFamily="34" charset="-120"/>
+                <a:ea typeface="微軟正黑體" panose="020B0604030504040204" pitchFamily="34" charset="-120"/>
+                <a:cs typeface="Lantinghei SC Extralight" charset="-122"/>
+              </a:rPr>
+              <a:t>个人简历制作（自发迭代）</a:t>
+            </a:r>
+          </a:p>
+          <a:p>
+            <a:pPr marL="88900" indent="-88900">
+              <a:lnSpc>
+                <a:spcPct val="120000"/>
+              </a:lnSpc>
+              <a:buFont typeface="Arial" panose="020B0604020202020204" pitchFamily="34" charset="0"/>
+              <a:buChar char="•"/>
+            </a:pPr>
+            <a:r>
+              <a:rPr lang="zh-CN" altLang="en-US" sz="800" b="1" dirty="0">
+                <a:solidFill>
+                  <a:schemeClr val="bg1"/>
+                </a:solidFill>
+                <a:latin typeface="微軟正黑體" panose="020B0604030504040204" pitchFamily="34" charset="-120"/>
+                <a:ea typeface="微軟正黑體" panose="020B0604030504040204" pitchFamily="34" charset="-120"/>
+                <a:cs typeface="Lantinghei SC Extralight" charset="-122"/>
+              </a:rPr>
+              <a:t>课程单元二「认识清华」：</a:t>
+            </a:r>
+          </a:p>
+          <a:p>
+            <a:pPr marL="363538" lvl="1" indent="-187325">
+              <a:lnSpc>
+                <a:spcPct val="120000"/>
+              </a:lnSpc>
+              <a:buFont typeface="Wingdings" panose="05000000000000000000" pitchFamily="2" charset="2"/>
+              <a:buChar char="ü"/>
+            </a:pPr>
+            <a:r>
+              <a:rPr lang="zh-CN" altLang="en-US" sz="800" b="1" dirty="0" smtClean="0">
+                <a:solidFill>
+                  <a:schemeClr val="bg1"/>
+                </a:solidFill>
+                <a:latin typeface="微軟正黑體" panose="020B0604030504040204" pitchFamily="34" charset="-120"/>
+                <a:ea typeface="微軟正黑體" panose="020B0604030504040204" pitchFamily="34" charset="-120"/>
+                <a:cs typeface="Lantinghei SC Extralight" charset="-122"/>
+              </a:rPr>
+              <a:t>校</a:t>
+            </a:r>
+            <a:r>
+              <a:rPr lang="zh-CN" altLang="en-US" sz="800" b="1" dirty="0">
+                <a:solidFill>
+                  <a:schemeClr val="bg1"/>
+                </a:solidFill>
+                <a:latin typeface="微軟正黑體" panose="020B0604030504040204" pitchFamily="34" charset="-120"/>
+                <a:ea typeface="微軟正黑體" panose="020B0604030504040204" pitchFamily="34" charset="-120"/>
+                <a:cs typeface="Lantinghei SC Extralight" charset="-122"/>
+              </a:rPr>
+              <a:t>园探索</a:t>
+            </a:r>
+          </a:p>
+          <a:p>
+            <a:pPr marL="363538" lvl="1" indent="-187325">
+              <a:lnSpc>
+                <a:spcPct val="120000"/>
+              </a:lnSpc>
+              <a:buFont typeface="Wingdings" panose="05000000000000000000" pitchFamily="2" charset="2"/>
+              <a:buChar char="ü"/>
+            </a:pPr>
+            <a:r>
+              <a:rPr lang="zh-CN" altLang="en-US" sz="800" b="1" dirty="0" smtClean="0">
+                <a:solidFill>
+                  <a:schemeClr val="bg1"/>
+                </a:solidFill>
+                <a:latin typeface="微軟正黑體" panose="020B0604030504040204" pitchFamily="34" charset="-120"/>
+                <a:ea typeface="微軟正黑體" panose="020B0604030504040204" pitchFamily="34" charset="-120"/>
+                <a:cs typeface="Lantinghei SC Extralight" charset="-122"/>
+              </a:rPr>
+              <a:t>定向</a:t>
+            </a:r>
+            <a:r>
+              <a:rPr lang="zh-CN" altLang="en-US" sz="800" b="1" dirty="0">
+                <a:solidFill>
+                  <a:schemeClr val="bg1"/>
+                </a:solidFill>
+                <a:latin typeface="微軟正黑體" panose="020B0604030504040204" pitchFamily="34" charset="-120"/>
+                <a:ea typeface="微軟正黑體" panose="020B0604030504040204" pitchFamily="34" charset="-120"/>
+                <a:cs typeface="Lantinghei SC Extralight" charset="-122"/>
+              </a:rPr>
+              <a:t>越野</a:t>
+            </a:r>
+          </a:p>
+          <a:p>
+            <a:pPr marL="363538" lvl="1" indent="-187325">
+              <a:lnSpc>
+                <a:spcPct val="120000"/>
+              </a:lnSpc>
+              <a:buFont typeface="Wingdings" panose="05000000000000000000" pitchFamily="2" charset="2"/>
+              <a:buChar char="ü"/>
+            </a:pPr>
+            <a:r>
+              <a:rPr lang="zh-CN" altLang="en-US" sz="800" b="1" dirty="0" smtClean="0">
+                <a:solidFill>
+                  <a:schemeClr val="bg1"/>
+                </a:solidFill>
+                <a:latin typeface="微軟正黑體" panose="020B0604030504040204" pitchFamily="34" charset="-120"/>
+                <a:ea typeface="微軟正黑體" panose="020B0604030504040204" pitchFamily="34" charset="-120"/>
+                <a:cs typeface="Lantinghei SC Extralight" charset="-122"/>
+              </a:rPr>
+              <a:t>实</a:t>
+            </a:r>
+            <a:r>
+              <a:rPr lang="zh-CN" altLang="en-US" sz="800" b="1" dirty="0">
+                <a:solidFill>
+                  <a:schemeClr val="bg1"/>
+                </a:solidFill>
+                <a:latin typeface="微軟正黑體" panose="020B0604030504040204" pitchFamily="34" charset="-120"/>
+                <a:ea typeface="微軟正黑體" panose="020B0604030504040204" pitchFamily="34" charset="-120"/>
+                <a:cs typeface="Lantinghei SC Extralight" charset="-122"/>
+              </a:rPr>
+              <a:t>验室探究</a:t>
+            </a:r>
+          </a:p>
+          <a:p>
+            <a:pPr marL="363538" lvl="1" indent="-187325">
+              <a:lnSpc>
+                <a:spcPct val="120000"/>
+              </a:lnSpc>
+              <a:buFont typeface="Wingdings" panose="05000000000000000000" pitchFamily="2" charset="2"/>
+              <a:buChar char="ü"/>
+            </a:pPr>
+            <a:r>
+              <a:rPr lang="zh-CN" altLang="en-US" sz="800" b="1" dirty="0" smtClean="0">
+                <a:solidFill>
+                  <a:schemeClr val="bg1"/>
+                </a:solidFill>
+                <a:latin typeface="微軟正黑體" panose="020B0604030504040204" pitchFamily="34" charset="-120"/>
+                <a:ea typeface="微軟正黑體" panose="020B0604030504040204" pitchFamily="34" charset="-120"/>
+                <a:cs typeface="Lantinghei SC Extralight" charset="-122"/>
+              </a:rPr>
+              <a:t>社</a:t>
+            </a:r>
+            <a:r>
+              <a:rPr lang="zh-CN" altLang="en-US" sz="800" b="1" dirty="0">
+                <a:solidFill>
+                  <a:schemeClr val="bg1"/>
+                </a:solidFill>
+                <a:latin typeface="微軟正黑體" panose="020B0604030504040204" pitchFamily="34" charset="-120"/>
+                <a:ea typeface="微軟正黑體" panose="020B0604030504040204" pitchFamily="34" charset="-120"/>
+                <a:cs typeface="Lantinghei SC Extralight" charset="-122"/>
+              </a:rPr>
+              <a:t>团资源</a:t>
+            </a:r>
+          </a:p>
+          <a:p>
+            <a:pPr marL="88900" indent="-88900">
+              <a:lnSpc>
+                <a:spcPct val="120000"/>
+              </a:lnSpc>
+              <a:buFont typeface="Arial" panose="020B0604020202020204" pitchFamily="34" charset="0"/>
+              <a:buChar char="•"/>
+            </a:pPr>
+            <a:r>
+              <a:rPr lang="zh-CN" altLang="en-US" sz="800" b="1" dirty="0" smtClean="0">
+                <a:solidFill>
+                  <a:schemeClr val="bg1"/>
+                </a:solidFill>
+                <a:latin typeface="微軟正黑體" panose="020B0604030504040204" pitchFamily="34" charset="-120"/>
+                <a:ea typeface="微軟正黑體" panose="020B0604030504040204" pitchFamily="34" charset="-120"/>
+                <a:cs typeface="Lantinghei SC Extralight" charset="-122"/>
+              </a:rPr>
+              <a:t>课</a:t>
+            </a:r>
+            <a:r>
+              <a:rPr lang="zh-CN" altLang="en-US" sz="800" b="1" dirty="0">
+                <a:solidFill>
+                  <a:schemeClr val="bg1"/>
+                </a:solidFill>
+                <a:latin typeface="微軟正黑體" panose="020B0604030504040204" pitchFamily="34" charset="-120"/>
+                <a:ea typeface="微軟正黑體" panose="020B0604030504040204" pitchFamily="34" charset="-120"/>
+                <a:cs typeface="Lantinghei SC Extralight" charset="-122"/>
+              </a:rPr>
+              <a:t>程单元三「清华与我」：</a:t>
+            </a:r>
+          </a:p>
+          <a:p>
+            <a:pPr marL="363538" lvl="1" indent="-187325">
+              <a:lnSpc>
+                <a:spcPct val="120000"/>
+              </a:lnSpc>
+              <a:buFont typeface="Wingdings" panose="05000000000000000000" pitchFamily="2" charset="2"/>
+              <a:buChar char="ü"/>
+            </a:pPr>
+            <a:r>
+              <a:rPr lang="zh-CN" altLang="en-US" sz="800" b="1" dirty="0" smtClean="0">
+                <a:solidFill>
+                  <a:schemeClr val="bg1"/>
+                </a:solidFill>
+                <a:latin typeface="微軟正黑體" panose="020B0604030504040204" pitchFamily="34" charset="-120"/>
+                <a:ea typeface="微軟正黑體" panose="020B0604030504040204" pitchFamily="34" charset="-120"/>
+                <a:cs typeface="Lantinghei SC Extralight" charset="-122"/>
+              </a:rPr>
+              <a:t>上</a:t>
+            </a:r>
+            <a:r>
+              <a:rPr lang="zh-CN" altLang="en-US" sz="800" b="1" dirty="0">
+                <a:solidFill>
+                  <a:schemeClr val="bg1"/>
+                </a:solidFill>
+                <a:latin typeface="微軟正黑體" panose="020B0604030504040204" pitchFamily="34" charset="-120"/>
+                <a:ea typeface="微軟正黑體" panose="020B0604030504040204" pitchFamily="34" charset="-120"/>
+                <a:cs typeface="Lantinghei SC Extralight" charset="-122"/>
+              </a:rPr>
+              <a:t>期班级宪章</a:t>
+            </a:r>
+          </a:p>
+          <a:p>
+            <a:pPr marL="363538" lvl="1" indent="-187325">
+              <a:lnSpc>
+                <a:spcPct val="120000"/>
+              </a:lnSpc>
+              <a:buFont typeface="Wingdings" panose="05000000000000000000" pitchFamily="2" charset="2"/>
+              <a:buChar char="ü"/>
+            </a:pPr>
+            <a:r>
+              <a:rPr lang="zh-CN" altLang="en-US" sz="800" b="1" dirty="0" smtClean="0">
+                <a:solidFill>
+                  <a:schemeClr val="bg1"/>
+                </a:solidFill>
+                <a:latin typeface="微軟正黑體" panose="020B0604030504040204" pitchFamily="34" charset="-120"/>
+                <a:ea typeface="微軟正黑體" panose="020B0604030504040204" pitchFamily="34" charset="-120"/>
+                <a:cs typeface="Lantinghei SC Extralight" charset="-122"/>
+              </a:rPr>
+              <a:t>辩</a:t>
+            </a:r>
+            <a:r>
+              <a:rPr lang="zh-CN" altLang="en-US" sz="800" b="1" dirty="0">
+                <a:solidFill>
+                  <a:schemeClr val="bg1"/>
+                </a:solidFill>
+                <a:latin typeface="微軟正黑體" panose="020B0604030504040204" pitchFamily="34" charset="-120"/>
+                <a:ea typeface="微軟正黑體" panose="020B0604030504040204" pitchFamily="34" charset="-120"/>
+                <a:cs typeface="Lantinghei SC Extralight" charset="-122"/>
+              </a:rPr>
+              <a:t>论班级宪章制定的方法论</a:t>
+            </a:r>
+          </a:p>
+          <a:p>
+            <a:pPr marL="363538" lvl="1" indent="-187325">
+              <a:lnSpc>
+                <a:spcPct val="120000"/>
+              </a:lnSpc>
+              <a:buFont typeface="Wingdings" panose="05000000000000000000" pitchFamily="2" charset="2"/>
+              <a:buChar char="ü"/>
+            </a:pPr>
+            <a:r>
+              <a:rPr lang="zh-CN" altLang="en-US" sz="800" b="1" dirty="0" smtClean="0">
+                <a:solidFill>
+                  <a:schemeClr val="bg1"/>
+                </a:solidFill>
+                <a:latin typeface="微軟正黑體" panose="020B0604030504040204" pitchFamily="34" charset="-120"/>
+                <a:ea typeface="微軟正黑體" panose="020B0604030504040204" pitchFamily="34" charset="-120"/>
+                <a:cs typeface="Lantinghei SC Extralight" charset="-122"/>
+              </a:rPr>
+              <a:t>上</a:t>
+            </a:r>
+            <a:r>
+              <a:rPr lang="zh-CN" altLang="en-US" sz="800" b="1" dirty="0">
+                <a:solidFill>
+                  <a:schemeClr val="bg1"/>
+                </a:solidFill>
+                <a:latin typeface="微軟正黑體" panose="020B0604030504040204" pitchFamily="34" charset="-120"/>
+                <a:ea typeface="微軟正黑體" panose="020B0604030504040204" pitchFamily="34" charset="-120"/>
+                <a:cs typeface="Lantinghei SC Extralight" charset="-122"/>
+              </a:rPr>
+              <a:t>期汇报演出</a:t>
+            </a:r>
+          </a:p>
+          <a:p>
+            <a:pPr marL="363538" lvl="1" indent="-187325">
+              <a:lnSpc>
+                <a:spcPct val="120000"/>
+              </a:lnSpc>
+              <a:buFont typeface="Wingdings" panose="05000000000000000000" pitchFamily="2" charset="2"/>
+              <a:buChar char="ü"/>
+            </a:pPr>
+            <a:r>
+              <a:rPr lang="zh-CN" altLang="en-US" sz="800" b="1" dirty="0" smtClean="0">
+                <a:solidFill>
+                  <a:schemeClr val="bg1"/>
+                </a:solidFill>
+                <a:latin typeface="微軟正黑體" panose="020B0604030504040204" pitchFamily="34" charset="-120"/>
+                <a:ea typeface="微軟正黑體" panose="020B0604030504040204" pitchFamily="34" charset="-120"/>
+                <a:cs typeface="Lantinghei SC Extralight" charset="-122"/>
+              </a:rPr>
+              <a:t>制定</a:t>
+            </a:r>
+            <a:r>
+              <a:rPr lang="zh-CN" altLang="en-US" sz="800" b="1" dirty="0">
+                <a:solidFill>
+                  <a:schemeClr val="bg1"/>
+                </a:solidFill>
+                <a:latin typeface="微軟正黑體" panose="020B0604030504040204" pitchFamily="34" charset="-120"/>
+                <a:ea typeface="微軟正黑體" panose="020B0604030504040204" pitchFamily="34" charset="-120"/>
+                <a:cs typeface="Lantinghei SC Extralight" charset="-122"/>
+              </a:rPr>
+              <a:t>班级</a:t>
+            </a:r>
+            <a:r>
+              <a:rPr lang="zh-CN" altLang="en-US" sz="800" b="1" dirty="0" smtClean="0">
+                <a:solidFill>
+                  <a:schemeClr val="bg1"/>
+                </a:solidFill>
+                <a:latin typeface="微軟正黑體" panose="020B0604030504040204" pitchFamily="34" charset="-120"/>
+                <a:ea typeface="微軟正黑體" panose="020B0604030504040204" pitchFamily="34" charset="-120"/>
+                <a:cs typeface="Lantinghei SC Extralight" charset="-122"/>
+              </a:rPr>
+              <a:t>宪章</a:t>
+            </a:r>
+            <a:endParaRPr lang="en-US" altLang="zh-CN" sz="800" b="1" dirty="0" smtClean="0">
+              <a:solidFill>
+                <a:schemeClr val="bg1"/>
+              </a:solidFill>
+              <a:latin typeface="微軟正黑體" panose="020B0604030504040204" pitchFamily="34" charset="-120"/>
+              <a:ea typeface="微軟正黑體" panose="020B0604030504040204" pitchFamily="34" charset="-120"/>
+              <a:cs typeface="Lantinghei SC Extralight" charset="-122"/>
+            </a:endParaRPr>
+          </a:p>
+          <a:p>
+            <a:pPr marL="176213" lvl="1" indent="0">
+              <a:lnSpc>
+                <a:spcPct val="120000"/>
+              </a:lnSpc>
+            </a:pPr>
+            <a:r>
+              <a:rPr lang="zh-CN" altLang="en-US" sz="800" b="1" dirty="0" smtClean="0">
+                <a:solidFill>
+                  <a:srgbClr val="FF0000"/>
+                </a:solidFill>
+                <a:latin typeface="微軟正黑體" panose="020B0604030504040204" pitchFamily="34" charset="-120"/>
+                <a:ea typeface="微軟正黑體" panose="020B0604030504040204" pitchFamily="34" charset="-120"/>
+                <a:cs typeface="Lantinghei SC Extralight" charset="-122"/>
+              </a:rPr>
+              <a:t>*</a:t>
+            </a:r>
+            <a:r>
+              <a:rPr lang="en-US" altLang="zh-CN" sz="800" b="1" dirty="0" smtClean="0">
+                <a:solidFill>
+                  <a:srgbClr val="FF0000"/>
+                </a:solidFill>
+                <a:latin typeface="微軟正黑體" panose="020B0604030504040204" pitchFamily="34" charset="-120"/>
+                <a:ea typeface="微軟正黑體" panose="020B0604030504040204" pitchFamily="34" charset="-120"/>
+                <a:cs typeface="Lantinghei SC Extralight" charset="-122"/>
+              </a:rPr>
+              <a:t>**</a:t>
+            </a:r>
+            <a:r>
+              <a:rPr lang="zh-CN" altLang="en-US" sz="800" b="1" dirty="0" smtClean="0">
+                <a:solidFill>
+                  <a:srgbClr val="FF0000"/>
+                </a:solidFill>
+                <a:latin typeface="微軟正黑體" panose="020B0604030504040204" pitchFamily="34" charset="-120"/>
+                <a:ea typeface="微軟正黑體" panose="020B0604030504040204" pitchFamily="34" charset="-120"/>
+                <a:cs typeface="Lantinghei SC Extralight" charset="-122"/>
+              </a:rPr>
+              <a:t>层次</a:t>
+            </a:r>
+            <a:r>
+              <a:rPr lang="zh-CN" altLang="en-US" sz="800" b="1" dirty="0">
+                <a:solidFill>
+                  <a:srgbClr val="FF0000"/>
+                </a:solidFill>
+                <a:latin typeface="微軟正黑體" panose="020B0604030504040204" pitchFamily="34" charset="-120"/>
+                <a:ea typeface="微軟正黑體" panose="020B0604030504040204" pitchFamily="34" charset="-120"/>
+                <a:cs typeface="Lantinghei SC Extralight" charset="-122"/>
+              </a:rPr>
+              <a:t>不</a:t>
+            </a:r>
+            <a:r>
+              <a:rPr lang="zh-CN" altLang="en-US" sz="800" b="1" dirty="0" smtClean="0">
+                <a:solidFill>
+                  <a:srgbClr val="FF0000"/>
+                </a:solidFill>
+                <a:latin typeface="微軟正黑體" panose="020B0604030504040204" pitchFamily="34" charset="-120"/>
+                <a:ea typeface="微軟正黑體" panose="020B0604030504040204" pitchFamily="34" charset="-120"/>
+                <a:cs typeface="Lantinghei SC Extralight" charset="-122"/>
+              </a:rPr>
+              <a:t>清</a:t>
+            </a:r>
+            <a:r>
+              <a:rPr lang="en-US" altLang="zh-CN" sz="800" b="1" dirty="0" smtClean="0">
+                <a:solidFill>
+                  <a:srgbClr val="FF0000"/>
+                </a:solidFill>
+                <a:latin typeface="微軟正黑體" panose="020B0604030504040204" pitchFamily="34" charset="-120"/>
+                <a:ea typeface="微軟正黑體" panose="020B0604030504040204" pitchFamily="34" charset="-120"/>
+                <a:cs typeface="Lantinghei SC Extralight" charset="-122"/>
+              </a:rPr>
+              <a:t>***</a:t>
+            </a:r>
+            <a:endParaRPr lang="en-US" altLang="zh-CN" sz="800" b="1" dirty="0" smtClean="0">
+              <a:solidFill>
+                <a:schemeClr val="bg1"/>
+              </a:solidFill>
+              <a:latin typeface="微軟正黑體" panose="020B0604030504040204" pitchFamily="34" charset="-120"/>
+              <a:ea typeface="微軟正黑體" panose="020B0604030504040204" pitchFamily="34" charset="-120"/>
+              <a:cs typeface="Lantinghei SC Extralight" charset="-122"/>
+            </a:endParaRPr>
+          </a:p>
+          <a:p>
+            <a:pPr marL="363538" lvl="1" indent="-187325">
+              <a:lnSpc>
+                <a:spcPct val="120000"/>
+              </a:lnSpc>
+              <a:buFont typeface="Wingdings" panose="05000000000000000000" pitchFamily="2" charset="2"/>
+              <a:buChar char="ü"/>
+            </a:pPr>
+            <a:endParaRPr lang="en-US" altLang="zh-CN" sz="800" b="1" dirty="0" smtClean="0">
+              <a:solidFill>
+                <a:schemeClr val="bg1"/>
+              </a:solidFill>
+              <a:latin typeface="微軟正黑體" panose="020B0604030504040204" pitchFamily="34" charset="-120"/>
+              <a:ea typeface="微軟正黑體" panose="020B0604030504040204" pitchFamily="34" charset="-120"/>
+              <a:cs typeface="Lantinghei SC Extralight" charset="-122"/>
+            </a:endParaRPr>
+          </a:p>
+          <a:p>
+            <a:pPr marL="363538" lvl="1" indent="-187325">
+              <a:lnSpc>
+                <a:spcPct val="120000"/>
+              </a:lnSpc>
+              <a:buFont typeface="Wingdings" panose="05000000000000000000" pitchFamily="2" charset="2"/>
+              <a:buChar char="ü"/>
+            </a:pPr>
+            <a:endParaRPr lang="en-US" altLang="zh-CN" sz="800" b="1" dirty="0" smtClean="0">
+              <a:solidFill>
+                <a:schemeClr val="bg1"/>
+              </a:solidFill>
+              <a:latin typeface="微軟正黑體" panose="020B0604030504040204" pitchFamily="34" charset="-120"/>
+              <a:ea typeface="微軟正黑體" panose="020B0604030504040204" pitchFamily="34" charset="-120"/>
+              <a:cs typeface="Lantinghei SC Extralight" charset="-122"/>
+            </a:endParaRPr>
+          </a:p>
+        </p:txBody>
+      </p:sp>
+      <p:sp>
+        <p:nvSpPr>
+          <p:cNvPr id="35" name="TextBox 25"/>
+          <p:cNvSpPr txBox="1"/>
+          <p:nvPr/>
+        </p:nvSpPr>
+        <p:spPr>
+          <a:xfrm>
+            <a:off x="3295934" y="1726722"/>
+            <a:ext cx="1883760" cy="2012859"/>
+          </a:xfrm>
+          <a:prstGeom prst="rect">
+            <a:avLst/>
+          </a:prstGeom>
+          <a:noFill/>
+        </p:spPr>
+        <p:txBody>
+          <a:bodyPr wrap="square" rtlCol="0">
+            <a:spAutoFit/>
+          </a:bodyPr>
+          <a:lstStyle/>
+          <a:p>
+            <a:pPr marL="177800" indent="-177800">
+              <a:lnSpc>
+                <a:spcPct val="120000"/>
+              </a:lnSpc>
+              <a:buFont typeface="Arial" panose="020B0604020202020204" pitchFamily="34" charset="0"/>
+              <a:buChar char="•"/>
+            </a:pPr>
+            <a:r>
+              <a:rPr lang="en-US" altLang="zh-CN" sz="800" b="1" dirty="0">
+                <a:solidFill>
+                  <a:schemeClr val="bg1"/>
+                </a:solidFill>
+                <a:latin typeface="微軟正黑體" panose="020B0604030504040204" pitchFamily="34" charset="-120"/>
+                <a:ea typeface="微軟正黑體" panose="020B0604030504040204" pitchFamily="34" charset="-120"/>
+                <a:cs typeface="Lantinghei SC Extralight" charset="-122"/>
+              </a:rPr>
+              <a:t>61</a:t>
+            </a:r>
+            <a:r>
+              <a:rPr lang="zh-CN" altLang="en-US" sz="800" b="1" dirty="0">
+                <a:solidFill>
+                  <a:schemeClr val="bg1"/>
+                </a:solidFill>
+                <a:latin typeface="微軟正黑體" panose="020B0604030504040204" pitchFamily="34" charset="-120"/>
+                <a:ea typeface="微軟正黑體" panose="020B0604030504040204" pitchFamily="34" charset="-120"/>
+                <a:cs typeface="Lantinghei SC Extralight" charset="-122"/>
+              </a:rPr>
+              <a:t>名学员</a:t>
+            </a:r>
+            <a:r>
+              <a:rPr lang="en-US" altLang="zh-CN" sz="800" b="1" dirty="0">
+                <a:solidFill>
+                  <a:schemeClr val="bg1"/>
+                </a:solidFill>
+                <a:latin typeface="微軟正黑體" panose="020B0604030504040204" pitchFamily="34" charset="-120"/>
+                <a:ea typeface="微軟正黑體" panose="020B0604030504040204" pitchFamily="34" charset="-120"/>
+                <a:cs typeface="Lantinghei SC Extralight" charset="-122"/>
+              </a:rPr>
+              <a:t>/</a:t>
+            </a:r>
+            <a:r>
+              <a:rPr lang="zh-CN" altLang="en-US" sz="800" b="1" dirty="0">
+                <a:solidFill>
+                  <a:schemeClr val="bg1"/>
+                </a:solidFill>
+                <a:latin typeface="微軟正黑體" panose="020B0604030504040204" pitchFamily="34" charset="-120"/>
+                <a:ea typeface="微軟正黑體" panose="020B0604030504040204" pitchFamily="34" charset="-120"/>
+                <a:cs typeface="Lantinghei SC Extralight" charset="-122"/>
+              </a:rPr>
+              <a:t>分成</a:t>
+            </a:r>
+            <a:r>
+              <a:rPr lang="en-US" altLang="zh-CN" sz="800" b="1" dirty="0">
+                <a:solidFill>
+                  <a:schemeClr val="bg1"/>
+                </a:solidFill>
+                <a:latin typeface="微軟正黑體" panose="020B0604030504040204" pitchFamily="34" charset="-120"/>
+                <a:ea typeface="微軟正黑體" panose="020B0604030504040204" pitchFamily="34" charset="-120"/>
+                <a:cs typeface="Lantinghei SC Extralight" charset="-122"/>
+              </a:rPr>
+              <a:t>10</a:t>
+            </a:r>
+            <a:r>
+              <a:rPr lang="zh-CN" altLang="en-US" sz="800" b="1" dirty="0">
+                <a:solidFill>
+                  <a:schemeClr val="bg1"/>
+                </a:solidFill>
+                <a:latin typeface="微軟正黑體" panose="020B0604030504040204" pitchFamily="34" charset="-120"/>
+                <a:ea typeface="微軟正黑體" panose="020B0604030504040204" pitchFamily="34" charset="-120"/>
+                <a:cs typeface="Lantinghei SC Extralight" charset="-122"/>
+              </a:rPr>
+              <a:t>个学习小组。</a:t>
+            </a:r>
+          </a:p>
+          <a:p>
+            <a:pPr marL="177800" indent="-177800">
+              <a:lnSpc>
+                <a:spcPct val="120000"/>
+              </a:lnSpc>
+              <a:buFont typeface="Arial" panose="020B0604020202020204" pitchFamily="34" charset="0"/>
+              <a:buChar char="•"/>
+            </a:pPr>
+            <a:r>
+              <a:rPr lang="zh-CN" altLang="en-US" sz="800" b="1" dirty="0">
+                <a:solidFill>
+                  <a:schemeClr val="bg1"/>
+                </a:solidFill>
+                <a:latin typeface="微軟正黑體" panose="020B0604030504040204" pitchFamily="34" charset="-120"/>
+                <a:ea typeface="微軟正黑體" panose="020B0604030504040204" pitchFamily="34" charset="-120"/>
+                <a:cs typeface="Lantinghei SC Extralight" charset="-122"/>
+              </a:rPr>
+              <a:t>每位学员</a:t>
+            </a:r>
+            <a:r>
+              <a:rPr lang="en-US" altLang="zh-CN" sz="800" b="1" dirty="0">
+                <a:solidFill>
+                  <a:schemeClr val="bg1"/>
+                </a:solidFill>
+                <a:latin typeface="微軟正黑體" panose="020B0604030504040204" pitchFamily="34" charset="-120"/>
+                <a:ea typeface="微軟正黑體" panose="020B0604030504040204" pitchFamily="34" charset="-120"/>
+                <a:cs typeface="Lantinghei SC Extralight" charset="-122"/>
+              </a:rPr>
+              <a:t>/</a:t>
+            </a:r>
+            <a:r>
+              <a:rPr lang="zh-CN" altLang="en-US" sz="800" b="1" dirty="0">
+                <a:solidFill>
+                  <a:schemeClr val="bg1"/>
+                </a:solidFill>
+                <a:latin typeface="微軟正黑體" panose="020B0604030504040204" pitchFamily="34" charset="-120"/>
+                <a:ea typeface="微軟正黑體" panose="020B0604030504040204" pitchFamily="34" charset="-120"/>
+                <a:cs typeface="Lantinghei SC Extralight" charset="-122"/>
+              </a:rPr>
+              <a:t>数据工作流：</a:t>
+            </a:r>
+          </a:p>
+          <a:p>
+            <a:pPr marL="363538" lvl="1" indent="-187325">
+              <a:lnSpc>
+                <a:spcPct val="120000"/>
+              </a:lnSpc>
+              <a:buFont typeface="Wingdings" panose="05000000000000000000" pitchFamily="2" charset="2"/>
+              <a:buChar char="ü"/>
+            </a:pPr>
+            <a:r>
+              <a:rPr lang="en-US" altLang="zh-CN" sz="800" b="1" dirty="0">
+                <a:solidFill>
+                  <a:schemeClr val="bg1"/>
+                </a:solidFill>
+                <a:latin typeface="微軟正黑體" panose="020B0604030504040204" pitchFamily="34" charset="-120"/>
+                <a:ea typeface="微軟正黑體" panose="020B0604030504040204" pitchFamily="34" charset="-120"/>
+                <a:cs typeface="Lantinghei SC Extralight" charset="-122"/>
+              </a:rPr>
+              <a:t>WIKI</a:t>
+            </a:r>
+            <a:r>
+              <a:rPr lang="zh-CN" altLang="en-US" sz="800" b="1" dirty="0">
+                <a:solidFill>
+                  <a:schemeClr val="bg1"/>
+                </a:solidFill>
+                <a:latin typeface="微軟正黑體" panose="020B0604030504040204" pitchFamily="34" charset="-120"/>
+                <a:ea typeface="微軟正黑體" panose="020B0604030504040204" pitchFamily="34" charset="-120"/>
+                <a:cs typeface="Lantinghei SC Extralight" charset="-122"/>
+              </a:rPr>
+              <a:t>，</a:t>
+            </a:r>
+            <a:r>
+              <a:rPr lang="en-US" altLang="zh-CN" sz="800" b="1" dirty="0">
+                <a:solidFill>
+                  <a:schemeClr val="bg1"/>
+                </a:solidFill>
+                <a:latin typeface="微軟正黑體" panose="020B0604030504040204" pitchFamily="34" charset="-120"/>
+                <a:ea typeface="微軟正黑體" panose="020B0604030504040204" pitchFamily="34" charset="-120"/>
+                <a:cs typeface="Lantinghei SC Extralight" charset="-122"/>
+              </a:rPr>
+              <a:t>GIT </a:t>
+            </a:r>
+            <a:endParaRPr lang="en-US" altLang="zh-CN" sz="800" b="1" dirty="0" smtClean="0">
+              <a:solidFill>
+                <a:schemeClr val="bg1"/>
+              </a:solidFill>
+              <a:latin typeface="微軟正黑體" panose="020B0604030504040204" pitchFamily="34" charset="-120"/>
+              <a:ea typeface="微軟正黑體" panose="020B0604030504040204" pitchFamily="34" charset="-120"/>
+              <a:cs typeface="Lantinghei SC Extralight" charset="-122"/>
+            </a:endParaRPr>
+          </a:p>
+          <a:p>
+            <a:pPr marL="177800" lvl="1" indent="-177800">
+              <a:lnSpc>
+                <a:spcPct val="120000"/>
+              </a:lnSpc>
+              <a:buFont typeface="Arial" panose="020B0604020202020204" pitchFamily="34" charset="0"/>
+              <a:buChar char="•"/>
+            </a:pPr>
+            <a:r>
+              <a:rPr lang="en-US" altLang="zh-CN" sz="800" b="1" dirty="0">
+                <a:solidFill>
+                  <a:schemeClr val="bg1"/>
+                </a:solidFill>
+                <a:latin typeface="微軟正黑體" panose="020B0604030504040204" pitchFamily="34" charset="-120"/>
+                <a:ea typeface="微軟正黑體" panose="020B0604030504040204" pitchFamily="34" charset="-120"/>
+                <a:cs typeface="Lantinghei SC Extralight" charset="-122"/>
+              </a:rPr>
+              <a:t>10</a:t>
+            </a:r>
+            <a:r>
+              <a:rPr lang="zh-CN" altLang="en-US" sz="800" b="1" dirty="0">
+                <a:solidFill>
+                  <a:schemeClr val="bg1"/>
+                </a:solidFill>
+                <a:latin typeface="微軟正黑體" panose="020B0604030504040204" pitchFamily="34" charset="-120"/>
+                <a:ea typeface="微軟正黑體" panose="020B0604030504040204" pitchFamily="34" charset="-120"/>
+                <a:cs typeface="Lantinghei SC Extralight" charset="-122"/>
+              </a:rPr>
+              <a:t>个小组</a:t>
+            </a:r>
+            <a:r>
+              <a:rPr lang="en-US" altLang="zh-CN" sz="800" b="1" dirty="0">
+                <a:solidFill>
+                  <a:schemeClr val="bg1"/>
+                </a:solidFill>
+                <a:latin typeface="微軟正黑體" panose="020B0604030504040204" pitchFamily="34" charset="-120"/>
+                <a:ea typeface="微軟正黑體" panose="020B0604030504040204" pitchFamily="34" charset="-120"/>
+                <a:cs typeface="Lantinghei SC Extralight" charset="-122"/>
+              </a:rPr>
+              <a:t>/</a:t>
+            </a:r>
+            <a:r>
+              <a:rPr lang="zh-CN" altLang="en-US" sz="800" b="1" dirty="0">
+                <a:solidFill>
+                  <a:schemeClr val="bg1"/>
+                </a:solidFill>
+                <a:latin typeface="微軟正黑體" panose="020B0604030504040204" pitchFamily="34" charset="-120"/>
+                <a:ea typeface="微軟正黑體" panose="020B0604030504040204" pitchFamily="34" charset="-120"/>
+                <a:cs typeface="Lantinghei SC Extralight" charset="-122"/>
+              </a:rPr>
+              <a:t>纸质出版物：</a:t>
+            </a:r>
+          </a:p>
+          <a:p>
+            <a:pPr marL="363538" lvl="1" indent="-187325">
+              <a:lnSpc>
+                <a:spcPct val="120000"/>
+              </a:lnSpc>
+              <a:buFont typeface="Wingdings" panose="05000000000000000000" pitchFamily="2" charset="2"/>
+              <a:buChar char="ü"/>
+            </a:pPr>
+            <a:r>
+              <a:rPr lang="zh-CN" altLang="en-US" sz="800" b="1" dirty="0">
+                <a:solidFill>
+                  <a:schemeClr val="bg1"/>
+                </a:solidFill>
+                <a:latin typeface="微軟正黑體" panose="020B0604030504040204" pitchFamily="34" charset="-120"/>
+                <a:ea typeface="微軟正黑體" panose="020B0604030504040204" pitchFamily="34" charset="-120"/>
+                <a:cs typeface="Lantinghei SC Extralight" charset="-122"/>
+              </a:rPr>
+              <a:t>班级宪章</a:t>
+            </a:r>
+          </a:p>
+          <a:p>
+            <a:pPr marL="363538" lvl="1" indent="-187325">
+              <a:lnSpc>
+                <a:spcPct val="120000"/>
+              </a:lnSpc>
+              <a:buFont typeface="Wingdings" panose="05000000000000000000" pitchFamily="2" charset="2"/>
+              <a:buChar char="ü"/>
+            </a:pPr>
+            <a:r>
+              <a:rPr lang="zh-CN" altLang="en-US" sz="800" b="1" dirty="0">
+                <a:solidFill>
+                  <a:schemeClr val="bg1"/>
+                </a:solidFill>
+                <a:latin typeface="微軟正黑體" panose="020B0604030504040204" pitchFamily="34" charset="-120"/>
+                <a:ea typeface="微軟正黑體" panose="020B0604030504040204" pitchFamily="34" charset="-120"/>
+                <a:cs typeface="Lantinghei SC Extralight" charset="-122"/>
+              </a:rPr>
+              <a:t>社群画布</a:t>
+            </a:r>
+          </a:p>
+          <a:p>
+            <a:pPr marL="363538" lvl="1" indent="-187325">
+              <a:lnSpc>
+                <a:spcPct val="120000"/>
+              </a:lnSpc>
+              <a:buFont typeface="Wingdings" panose="05000000000000000000" pitchFamily="2" charset="2"/>
+              <a:buChar char="ü"/>
+            </a:pPr>
+            <a:r>
+              <a:rPr lang="zh-CN" altLang="en-US" sz="800" b="1" dirty="0">
+                <a:solidFill>
+                  <a:schemeClr val="bg1"/>
+                </a:solidFill>
+                <a:latin typeface="微軟正黑體" panose="020B0604030504040204" pitchFamily="34" charset="-120"/>
+                <a:ea typeface="微軟正黑體" panose="020B0604030504040204" pitchFamily="34" charset="-120"/>
+                <a:cs typeface="Lantinghei SC Extralight" charset="-122"/>
+              </a:rPr>
+              <a:t>逻辑模型（每日迭代）</a:t>
+            </a:r>
+          </a:p>
+          <a:p>
+            <a:pPr marL="177800" indent="-177800">
+              <a:lnSpc>
+                <a:spcPct val="120000"/>
+              </a:lnSpc>
+              <a:buFont typeface="Arial" panose="020B0604020202020204" pitchFamily="34" charset="0"/>
+              <a:buChar char="•"/>
+            </a:pPr>
+            <a:r>
+              <a:rPr lang="en-US" altLang="zh-CN" sz="800" b="1" dirty="0">
+                <a:solidFill>
+                  <a:schemeClr val="bg1"/>
+                </a:solidFill>
+                <a:latin typeface="微軟正黑體" panose="020B0604030504040204" pitchFamily="34" charset="-120"/>
+                <a:ea typeface="微軟正黑體" panose="020B0604030504040204" pitchFamily="34" charset="-120"/>
+                <a:cs typeface="Lantinghei SC Extralight" charset="-122"/>
+              </a:rPr>
+              <a:t>10</a:t>
+            </a:r>
+            <a:r>
+              <a:rPr lang="zh-CN" altLang="en-US" sz="800" b="1" dirty="0">
+                <a:solidFill>
+                  <a:schemeClr val="bg1"/>
+                </a:solidFill>
+                <a:latin typeface="微軟正黑體" panose="020B0604030504040204" pitchFamily="34" charset="-120"/>
+                <a:ea typeface="微軟正黑體" panose="020B0604030504040204" pitchFamily="34" charset="-120"/>
+                <a:cs typeface="Lantinghei SC Extralight" charset="-122"/>
+              </a:rPr>
+              <a:t>个小组</a:t>
+            </a:r>
+            <a:r>
+              <a:rPr lang="en-US" altLang="zh-CN" sz="800" b="1" dirty="0">
+                <a:solidFill>
+                  <a:schemeClr val="bg1"/>
+                </a:solidFill>
+                <a:latin typeface="微軟正黑體" panose="020B0604030504040204" pitchFamily="34" charset="-120"/>
+                <a:ea typeface="微軟正黑體" panose="020B0604030504040204" pitchFamily="34" charset="-120"/>
+                <a:cs typeface="Lantinghei SC Extralight" charset="-122"/>
+              </a:rPr>
+              <a:t>/</a:t>
+            </a:r>
+            <a:r>
+              <a:rPr lang="zh-CN" altLang="en-US" sz="800" b="1" dirty="0">
+                <a:solidFill>
+                  <a:schemeClr val="bg1"/>
+                </a:solidFill>
+                <a:latin typeface="微軟正黑體" panose="020B0604030504040204" pitchFamily="34" charset="-120"/>
+                <a:ea typeface="微軟正黑體" panose="020B0604030504040204" pitchFamily="34" charset="-120"/>
+                <a:cs typeface="Lantinghei SC Extralight" charset="-122"/>
+              </a:rPr>
+              <a:t>任务成效展示：</a:t>
+            </a:r>
+          </a:p>
+          <a:p>
+            <a:pPr marL="363538" lvl="1" indent="-187325">
+              <a:lnSpc>
+                <a:spcPct val="120000"/>
+              </a:lnSpc>
+              <a:buFont typeface="Wingdings" panose="05000000000000000000" pitchFamily="2" charset="2"/>
+              <a:buChar char="ü"/>
+            </a:pPr>
+            <a:r>
+              <a:rPr lang="zh-CN" altLang="en-US" sz="800" b="1" dirty="0">
+                <a:solidFill>
+                  <a:schemeClr val="bg1"/>
+                </a:solidFill>
+                <a:latin typeface="微軟正黑體" panose="020B0604030504040204" pitchFamily="34" charset="-120"/>
+                <a:ea typeface="微軟正黑體" panose="020B0604030504040204" pitchFamily="34" charset="-120"/>
+                <a:cs typeface="Lantinghei SC Extralight" charset="-122"/>
+              </a:rPr>
+              <a:t>终极汇报</a:t>
+            </a:r>
+          </a:p>
+          <a:p>
+            <a:pPr marL="177800" indent="-177800">
+              <a:lnSpc>
+                <a:spcPct val="120000"/>
+              </a:lnSpc>
+              <a:buFont typeface="Arial" panose="020B0604020202020204" pitchFamily="34" charset="0"/>
+              <a:buChar char="•"/>
+            </a:pPr>
+            <a:r>
+              <a:rPr lang="en-US" altLang="zh-CN" sz="800" b="1" dirty="0">
+                <a:solidFill>
+                  <a:schemeClr val="bg1"/>
+                </a:solidFill>
+                <a:latin typeface="微軟正黑體" panose="020B0604030504040204" pitchFamily="34" charset="-120"/>
+                <a:ea typeface="微軟正黑體" panose="020B0604030504040204" pitchFamily="34" charset="-120"/>
+                <a:cs typeface="Lantinghei SC Extralight" charset="-122"/>
+              </a:rPr>
+              <a:t>MEM</a:t>
+            </a:r>
+            <a:r>
+              <a:rPr lang="zh-CN" altLang="en-US" sz="800" b="1" dirty="0">
+                <a:solidFill>
+                  <a:schemeClr val="bg1"/>
+                </a:solidFill>
+                <a:latin typeface="微軟正黑體" panose="020B0604030504040204" pitchFamily="34" charset="-120"/>
+                <a:ea typeface="微軟正黑體" panose="020B0604030504040204" pitchFamily="34" charset="-120"/>
+                <a:cs typeface="Lantinghei SC Extralight" charset="-122"/>
+              </a:rPr>
+              <a:t>班级社群平台</a:t>
+            </a:r>
+            <a:r>
+              <a:rPr lang="zh-CN" altLang="en-US" sz="800" b="1" dirty="0" smtClean="0">
+                <a:solidFill>
+                  <a:schemeClr val="bg1"/>
+                </a:solidFill>
+                <a:latin typeface="微軟正黑體" panose="020B0604030504040204" pitchFamily="34" charset="-120"/>
+                <a:ea typeface="微軟正黑體" panose="020B0604030504040204" pitchFamily="34" charset="-120"/>
+                <a:cs typeface="Lantinghei SC Extralight" charset="-122"/>
+              </a:rPr>
+              <a:t>。</a:t>
+            </a:r>
+            <a:endParaRPr lang="en-US" altLang="zh-CN" sz="800" b="1" dirty="0" smtClean="0">
+              <a:solidFill>
+                <a:schemeClr val="bg1"/>
+              </a:solidFill>
+              <a:latin typeface="微軟正黑體" panose="020B0604030504040204" pitchFamily="34" charset="-120"/>
+              <a:ea typeface="微軟正黑體" panose="020B0604030504040204" pitchFamily="34" charset="-120"/>
+              <a:cs typeface="Lantinghei SC Extralight" charset="-122"/>
+            </a:endParaRPr>
+          </a:p>
+          <a:p>
+            <a:pPr marL="177800" indent="-177800">
+              <a:lnSpc>
+                <a:spcPct val="120000"/>
+              </a:lnSpc>
+              <a:buFont typeface="Arial" panose="020B0604020202020204" pitchFamily="34" charset="0"/>
+              <a:buChar char="•"/>
+            </a:pPr>
+            <a:r>
+              <a:rPr lang="zh-CN" altLang="en-US" sz="800" b="1" dirty="0" smtClean="0">
+                <a:solidFill>
+                  <a:srgbClr val="FF0000"/>
+                </a:solidFill>
+                <a:latin typeface="微軟正黑體" panose="020B0604030504040204" pitchFamily="34" charset="-120"/>
+                <a:ea typeface="微軟正黑體" panose="020B0604030504040204" pitchFamily="34" charset="-120"/>
+                <a:cs typeface="Lantinghei SC Extralight" charset="-122"/>
+              </a:rPr>
+              <a:t>个人简历</a:t>
+            </a:r>
+            <a:endParaRPr lang="en-US" altLang="zh-CN" sz="800" b="1" dirty="0" smtClean="0">
+              <a:solidFill>
+                <a:srgbClr val="FF0000"/>
+              </a:solidFill>
+              <a:latin typeface="微軟正黑體" panose="020B0604030504040204" pitchFamily="34" charset="-120"/>
+              <a:ea typeface="微軟正黑體" panose="020B0604030504040204" pitchFamily="34" charset="-120"/>
+              <a:cs typeface="Lantinghei SC Extralight" charset="-122"/>
+            </a:endParaRPr>
+          </a:p>
+          <a:p>
+            <a:pPr marL="177800" indent="-177800">
+              <a:lnSpc>
+                <a:spcPct val="120000"/>
+              </a:lnSpc>
+              <a:buFont typeface="Arial" panose="020B0604020202020204" pitchFamily="34" charset="0"/>
+              <a:buChar char="•"/>
+            </a:pPr>
+            <a:r>
+              <a:rPr lang="en-US" altLang="zh-CN" sz="800" b="1" dirty="0" smtClean="0">
+                <a:solidFill>
+                  <a:srgbClr val="FF0000"/>
+                </a:solidFill>
+                <a:latin typeface="微軟正黑體" panose="020B0604030504040204" pitchFamily="34" charset="-120"/>
+                <a:ea typeface="微軟正黑體" panose="020B0604030504040204" pitchFamily="34" charset="-120"/>
+                <a:cs typeface="Lantinghei SC Extralight" charset="-122"/>
+              </a:rPr>
+              <a:t>Standout report</a:t>
+            </a:r>
+          </a:p>
+          <a:p>
+            <a:pPr marL="177800" indent="-177800">
+              <a:lnSpc>
+                <a:spcPct val="120000"/>
+              </a:lnSpc>
+              <a:buFont typeface="Arial" panose="020B0604020202020204" pitchFamily="34" charset="0"/>
+              <a:buChar char="•"/>
+            </a:pPr>
+            <a:r>
+              <a:rPr lang="zh-CN" altLang="en-US" sz="800" b="1" dirty="0" smtClean="0">
+                <a:solidFill>
+                  <a:srgbClr val="FF0000"/>
+                </a:solidFill>
+                <a:latin typeface="微軟正黑體" panose="020B0604030504040204" pitchFamily="34" charset="-120"/>
+                <a:ea typeface="微軟正黑體" panose="020B0604030504040204" pitchFamily="34" charset="-120"/>
+                <a:cs typeface="Lantinghei SC Extralight" charset="-122"/>
+              </a:rPr>
+              <a:t>每日学习汇报</a:t>
+            </a:r>
+            <a:endParaRPr lang="en-US" altLang="zh-CN" sz="800" b="1" dirty="0">
+              <a:solidFill>
+                <a:srgbClr val="FF0000"/>
+              </a:solidFill>
+              <a:latin typeface="微軟正黑體" panose="020B0604030504040204" pitchFamily="34" charset="-120"/>
+              <a:ea typeface="微軟正黑體" panose="020B0604030504040204" pitchFamily="34" charset="-120"/>
+              <a:cs typeface="Lantinghei SC Extralight" charset="-122"/>
+            </a:endParaRPr>
+          </a:p>
+        </p:txBody>
+      </p:sp>
+      <p:sp>
+        <p:nvSpPr>
+          <p:cNvPr id="36" name="TextBox 27"/>
+          <p:cNvSpPr txBox="1"/>
+          <p:nvPr/>
+        </p:nvSpPr>
+        <p:spPr>
+          <a:xfrm>
+            <a:off x="1406058" y="1717609"/>
+            <a:ext cx="1889875" cy="2012859"/>
+          </a:xfrm>
+          <a:prstGeom prst="rect">
+            <a:avLst/>
+          </a:prstGeom>
+          <a:noFill/>
+        </p:spPr>
+        <p:txBody>
+          <a:bodyPr wrap="square" rtlCol="0">
+            <a:spAutoFit/>
+          </a:bodyPr>
+          <a:lstStyle/>
+          <a:p>
+            <a:pPr marL="214313" indent="-214313">
+              <a:lnSpc>
+                <a:spcPct val="120000"/>
+              </a:lnSpc>
+              <a:buFont typeface="Arial" panose="020B0604020202020204" pitchFamily="34" charset="0"/>
+              <a:buChar char="•"/>
+            </a:pPr>
+            <a:r>
+              <a:rPr lang="en-US" altLang="zh-CN" sz="800" b="1" strike="sngStrike" dirty="0">
+                <a:solidFill>
+                  <a:srgbClr val="FF0000"/>
+                </a:solidFill>
+                <a:latin typeface="微軟正黑體" panose="020B0604030504040204" pitchFamily="34" charset="-120"/>
+                <a:ea typeface="微軟正黑體" panose="020B0604030504040204" pitchFamily="34" charset="-120"/>
+                <a:cs typeface="Lantinghei SC Extralight" charset="-122"/>
+              </a:rPr>
+              <a:t>MEM</a:t>
+            </a:r>
+            <a:r>
+              <a:rPr lang="zh-CN" altLang="en-US" sz="800" b="1" strike="sngStrike" dirty="0">
+                <a:solidFill>
+                  <a:srgbClr val="FF0000"/>
+                </a:solidFill>
+                <a:latin typeface="微軟正黑體" panose="020B0604030504040204" pitchFamily="34" charset="-120"/>
+                <a:ea typeface="微軟正黑體" panose="020B0604030504040204" pitchFamily="34" charset="-120"/>
+                <a:cs typeface="Lantinghei SC Extralight" charset="-122"/>
+              </a:rPr>
+              <a:t>学员透过逻辑模型的迭代，深入学习计算思维。</a:t>
+            </a:r>
+          </a:p>
+          <a:p>
+            <a:pPr marL="214313" indent="-214313">
+              <a:lnSpc>
+                <a:spcPct val="120000"/>
+              </a:lnSpc>
+              <a:buFont typeface="Arial" panose="020B0604020202020204" pitchFamily="34" charset="0"/>
+              <a:buChar char="•"/>
+            </a:pPr>
+            <a:r>
+              <a:rPr lang="zh-CN" altLang="en-US" sz="800" b="1" dirty="0">
+                <a:solidFill>
+                  <a:schemeClr val="bg1"/>
+                </a:solidFill>
+                <a:latin typeface="微軟正黑體" panose="020B0604030504040204" pitchFamily="34" charset="-120"/>
+                <a:ea typeface="微軟正黑體" panose="020B0604030504040204" pitchFamily="34" charset="-120"/>
+                <a:cs typeface="Lantinghei SC Extralight" charset="-122"/>
+              </a:rPr>
+              <a:t>透过「认识自己」，「认识清华」，「清华与我」的学习过程，得到资源整合的</a:t>
+            </a:r>
+            <a:r>
+              <a:rPr lang="zh-CN" altLang="en-US" sz="800" b="1" strike="sngStrike" dirty="0" smtClean="0">
+                <a:solidFill>
+                  <a:srgbClr val="FF0000"/>
+                </a:solidFill>
+                <a:latin typeface="微軟正黑體" panose="020B0604030504040204" pitchFamily="34" charset="-120"/>
+                <a:ea typeface="微軟正黑體" panose="020B0604030504040204" pitchFamily="34" charset="-120"/>
+                <a:cs typeface="Lantinghei SC Extralight" charset="-122"/>
+              </a:rPr>
+              <a:t>方法</a:t>
+            </a:r>
+            <a:r>
+              <a:rPr lang="zh-CN" altLang="en-US" sz="800" b="1" dirty="0" smtClean="0">
+                <a:solidFill>
+                  <a:srgbClr val="FF0000"/>
+                </a:solidFill>
+                <a:latin typeface="微軟正黑體" panose="020B0604030504040204" pitchFamily="34" charset="-120"/>
+                <a:ea typeface="微軟正黑體" panose="020B0604030504040204" pitchFamily="34" charset="-120"/>
+                <a:cs typeface="Lantinghei SC Extralight" charset="-122"/>
+              </a:rPr>
+              <a:t>途径和团队协同体验</a:t>
+            </a:r>
+            <a:r>
+              <a:rPr lang="zh-CN" altLang="en-US" sz="800" b="1" dirty="0">
+                <a:solidFill>
+                  <a:schemeClr val="bg1"/>
+                </a:solidFill>
+                <a:latin typeface="微軟正黑體" panose="020B0604030504040204" pitchFamily="34" charset="-120"/>
+                <a:ea typeface="微軟正黑體" panose="020B0604030504040204" pitchFamily="34" charset="-120"/>
+                <a:cs typeface="Lantinghei SC Extralight" charset="-122"/>
+              </a:rPr>
+              <a:t>。 「认识清华」</a:t>
+            </a:r>
+          </a:p>
+          <a:p>
+            <a:pPr marL="214313" indent="-214313">
+              <a:lnSpc>
+                <a:spcPct val="120000"/>
+              </a:lnSpc>
+              <a:buFont typeface="Arial" panose="020B0604020202020204" pitchFamily="34" charset="0"/>
+              <a:buChar char="•"/>
+            </a:pPr>
+            <a:r>
+              <a:rPr lang="zh-CN" altLang="en-US" sz="800" b="1" dirty="0">
+                <a:solidFill>
+                  <a:schemeClr val="bg1"/>
+                </a:solidFill>
+                <a:latin typeface="微軟正黑體" panose="020B0604030504040204" pitchFamily="34" charset="-120"/>
+                <a:ea typeface="微軟正黑體" panose="020B0604030504040204" pitchFamily="34" charset="-120"/>
+                <a:cs typeface="Lantinghei SC Extralight" charset="-122"/>
+              </a:rPr>
+              <a:t>学员能根据工具的使用，进行自主学习与数据工作流的成果</a:t>
+            </a:r>
+            <a:r>
+              <a:rPr lang="zh-CN" altLang="en-US" sz="800" b="1" dirty="0" smtClean="0">
+                <a:solidFill>
+                  <a:schemeClr val="bg1"/>
+                </a:solidFill>
+                <a:latin typeface="微軟正黑體" panose="020B0604030504040204" pitchFamily="34" charset="-120"/>
+                <a:ea typeface="微軟正黑體" panose="020B0604030504040204" pitchFamily="34" charset="-120"/>
+                <a:cs typeface="Lantinghei SC Extralight" charset="-122"/>
+              </a:rPr>
+              <a:t>输出</a:t>
+            </a:r>
+            <a:endParaRPr lang="en-US" altLang="zh-CN" sz="800" b="1" dirty="0" smtClean="0">
+              <a:solidFill>
+                <a:schemeClr val="bg1"/>
+              </a:solidFill>
+              <a:latin typeface="微軟正黑體" panose="020B0604030504040204" pitchFamily="34" charset="-120"/>
+              <a:ea typeface="微軟正黑體" panose="020B0604030504040204" pitchFamily="34" charset="-120"/>
+              <a:cs typeface="Lantinghei SC Extralight" charset="-122"/>
+            </a:endParaRPr>
+          </a:p>
+          <a:p>
+            <a:pPr marL="214313" indent="-214313">
+              <a:lnSpc>
+                <a:spcPct val="120000"/>
+              </a:lnSpc>
+              <a:buFont typeface="Arial" panose="020B0604020202020204" pitchFamily="34" charset="0"/>
+              <a:buChar char="•"/>
+            </a:pPr>
+            <a:r>
+              <a:rPr lang="zh-CN" altLang="en-US" sz="800" b="1" dirty="0" smtClean="0">
+                <a:solidFill>
+                  <a:srgbClr val="FF0000"/>
+                </a:solidFill>
+                <a:latin typeface="微軟正黑體" panose="020B0604030504040204" pitchFamily="34" charset="-120"/>
+                <a:ea typeface="微軟正黑體" panose="020B0604030504040204" pitchFamily="34" charset="-120"/>
+                <a:cs typeface="Lantinghei SC Extralight" charset="-122"/>
+              </a:rPr>
+              <a:t>形成新的自我认知</a:t>
+            </a:r>
+            <a:r>
+              <a:rPr lang="zh-CN" altLang="en-US" sz="800" b="1" dirty="0">
+                <a:solidFill>
+                  <a:schemeClr val="bg1"/>
+                </a:solidFill>
+                <a:latin typeface="微軟正黑體" panose="020B0604030504040204" pitchFamily="34" charset="-120"/>
+                <a:ea typeface="微軟正黑體" panose="020B0604030504040204" pitchFamily="34" charset="-120"/>
+                <a:cs typeface="Lantinghei SC Extralight" charset="-122"/>
+              </a:rPr>
+              <a:t>「认识自己」</a:t>
+            </a:r>
+            <a:endParaRPr lang="en-US" altLang="zh-CN" sz="800" b="1" dirty="0" smtClean="0">
+              <a:solidFill>
+                <a:srgbClr val="FF0000"/>
+              </a:solidFill>
+              <a:latin typeface="微軟正黑體" panose="020B0604030504040204" pitchFamily="34" charset="-120"/>
+              <a:ea typeface="微軟正黑體" panose="020B0604030504040204" pitchFamily="34" charset="-120"/>
+              <a:cs typeface="Lantinghei SC Extralight" charset="-122"/>
+            </a:endParaRPr>
+          </a:p>
+          <a:p>
+            <a:pPr marL="214313" indent="-214313">
+              <a:lnSpc>
+                <a:spcPct val="120000"/>
+              </a:lnSpc>
+              <a:buFont typeface="Arial" panose="020B0604020202020204" pitchFamily="34" charset="0"/>
+              <a:buChar char="•"/>
+            </a:pPr>
+            <a:r>
+              <a:rPr lang="zh-CN" altLang="en-US" sz="800" b="1" dirty="0" smtClean="0">
+                <a:solidFill>
+                  <a:srgbClr val="FF0000"/>
+                </a:solidFill>
+                <a:latin typeface="微軟正黑體" panose="020B0604030504040204" pitchFamily="34" charset="-120"/>
+                <a:ea typeface="微軟正黑體" panose="020B0604030504040204" pitchFamily="34" charset="-120"/>
+                <a:cs typeface="Lantinghei SC Extralight" charset="-122"/>
+              </a:rPr>
+              <a:t>形成规范的思维模式，避免思维漏项。</a:t>
+            </a:r>
+            <a:r>
+              <a:rPr lang="zh-CN" altLang="en-US" sz="800" b="1" dirty="0">
+                <a:solidFill>
+                  <a:schemeClr val="bg1"/>
+                </a:solidFill>
+                <a:latin typeface="微軟正黑體" panose="020B0604030504040204" pitchFamily="34" charset="-120"/>
+                <a:ea typeface="微軟正黑體" panose="020B0604030504040204" pitchFamily="34" charset="-120"/>
+                <a:cs typeface="Lantinghei SC Extralight" charset="-122"/>
+              </a:rPr>
+              <a:t> 「清华与我」</a:t>
+            </a:r>
+            <a:endParaRPr lang="en-US" altLang="zh-CN" sz="800" b="1" dirty="0" smtClean="0">
+              <a:solidFill>
+                <a:srgbClr val="FF0000"/>
+              </a:solidFill>
+              <a:latin typeface="微軟正黑體" panose="020B0604030504040204" pitchFamily="34" charset="-120"/>
+              <a:ea typeface="微軟正黑體" panose="020B0604030504040204" pitchFamily="34" charset="-120"/>
+              <a:cs typeface="Lantinghei SC Extralight" charset="-122"/>
+            </a:endParaRPr>
+          </a:p>
+          <a:p>
+            <a:pPr marL="214313" indent="-214313">
+              <a:lnSpc>
+                <a:spcPct val="120000"/>
+              </a:lnSpc>
+              <a:buFont typeface="Arial" panose="020B0604020202020204" pitchFamily="34" charset="0"/>
+              <a:buChar char="•"/>
+            </a:pPr>
+            <a:r>
+              <a:rPr lang="zh-CN" altLang="en-US" sz="800" b="1" dirty="0" smtClean="0">
+                <a:solidFill>
+                  <a:srgbClr val="FF0000"/>
+                </a:solidFill>
+                <a:latin typeface="微軟正黑體" panose="020B0604030504040204" pitchFamily="34" charset="-120"/>
+                <a:ea typeface="微軟正黑體" panose="020B0604030504040204" pitchFamily="34" charset="-120"/>
+                <a:cs typeface="Lantinghei SC Extralight" charset="-122"/>
+              </a:rPr>
+              <a:t>学习使用工具，达到团队协同发展。</a:t>
+            </a:r>
+            <a:endParaRPr lang="en-US" altLang="zh-CN" sz="800" b="1" dirty="0">
+              <a:solidFill>
+                <a:srgbClr val="FF0000"/>
+              </a:solidFill>
+              <a:latin typeface="微軟正黑體" panose="020B0604030504040204" pitchFamily="34" charset="-120"/>
+              <a:ea typeface="微軟正黑體" panose="020B0604030504040204" pitchFamily="34" charset="-120"/>
+              <a:cs typeface="Lantinghei SC Extralight" charset="-122"/>
+            </a:endParaRPr>
+          </a:p>
+        </p:txBody>
+      </p:sp>
+      <p:sp>
+        <p:nvSpPr>
+          <p:cNvPr id="37" name="TextBox 25"/>
+          <p:cNvSpPr txBox="1"/>
+          <p:nvPr/>
+        </p:nvSpPr>
+        <p:spPr>
+          <a:xfrm>
+            <a:off x="2129883" y="741196"/>
+            <a:ext cx="6671448" cy="584775"/>
+          </a:xfrm>
+          <a:prstGeom prst="rect">
+            <a:avLst/>
+          </a:prstGeom>
+          <a:noFill/>
+        </p:spPr>
+        <p:txBody>
+          <a:bodyPr wrap="square" rtlCol="0">
+            <a:spAutoFit/>
+          </a:bodyPr>
+          <a:lstStyle/>
+          <a:p>
+            <a:r>
+              <a:rPr lang="zh-CN" altLang="en-US" sz="800" b="1" dirty="0">
+                <a:solidFill>
+                  <a:schemeClr val="bg1"/>
+                </a:solidFill>
+                <a:latin typeface="微軟正黑體" panose="020B0604030504040204" pitchFamily="34" charset="-120"/>
+                <a:ea typeface="微軟正黑體" panose="020B0604030504040204" pitchFamily="34" charset="-120"/>
+                <a:cs typeface="Lantinghei SC Extralight" charset="-122"/>
+              </a:rPr>
+              <a:t>宏观：在「清华与我」的课程结构中，进行价值整合与产出班级宪章的学习成果。</a:t>
+            </a:r>
+          </a:p>
+          <a:p>
+            <a:r>
+              <a:rPr lang="zh-CN" altLang="en-US" sz="800" b="1" dirty="0">
+                <a:solidFill>
+                  <a:schemeClr val="bg1"/>
+                </a:solidFill>
+                <a:latin typeface="微軟正黑體" panose="020B0604030504040204" pitchFamily="34" charset="-120"/>
+                <a:ea typeface="微軟正黑體" panose="020B0604030504040204" pitchFamily="34" charset="-120"/>
+                <a:cs typeface="Lantinghei SC Extralight" charset="-122"/>
+              </a:rPr>
+              <a:t>中观：藉由定向越野挑战，实验室探究，图书馆介绍等课程项目「认识清华」。</a:t>
+            </a:r>
+          </a:p>
+          <a:p>
+            <a:r>
+              <a:rPr lang="zh-CN" altLang="en-US" sz="800" b="1" dirty="0">
+                <a:solidFill>
+                  <a:schemeClr val="bg1"/>
+                </a:solidFill>
+                <a:latin typeface="微軟正黑體" panose="020B0604030504040204" pitchFamily="34" charset="-120"/>
+                <a:ea typeface="微軟正黑體" panose="020B0604030504040204" pitchFamily="34" charset="-120"/>
+                <a:cs typeface="Lantinghei SC Extralight" charset="-122"/>
+              </a:rPr>
+              <a:t>微观：透过性格测试，个人简历制作等课程项目「认识自己」</a:t>
+            </a:r>
+            <a:r>
+              <a:rPr lang="zh-CN" altLang="en-US" sz="800" b="1" dirty="0" smtClean="0">
+                <a:solidFill>
+                  <a:schemeClr val="bg1"/>
+                </a:solidFill>
+                <a:latin typeface="微軟正黑體" panose="020B0604030504040204" pitchFamily="34" charset="-120"/>
+                <a:ea typeface="微軟正黑體" panose="020B0604030504040204" pitchFamily="34" charset="-120"/>
+                <a:cs typeface="Lantinghei SC Extralight" charset="-122"/>
+              </a:rPr>
+              <a:t>。</a:t>
+            </a:r>
+            <a:r>
+              <a:rPr lang="zh-CN" altLang="en-US" sz="800" b="1" dirty="0" smtClean="0">
+                <a:solidFill>
+                  <a:srgbClr val="FF0000"/>
+                </a:solidFill>
+                <a:latin typeface="微軟正黑體" panose="020B0604030504040204" pitchFamily="34" charset="-120"/>
+                <a:ea typeface="微軟正黑體" panose="020B0604030504040204" pitchFamily="34" charset="-120"/>
+                <a:cs typeface="Lantinghei SC Extralight" charset="-122"/>
+              </a:rPr>
+              <a:t>对整个</a:t>
+            </a:r>
+            <a:r>
+              <a:rPr lang="en-US" altLang="zh-CN" sz="800" b="1" dirty="0" smtClean="0">
+                <a:solidFill>
+                  <a:srgbClr val="FF0000"/>
+                </a:solidFill>
+                <a:latin typeface="微軟正黑體" panose="020B0604030504040204" pitchFamily="34" charset="-120"/>
+                <a:ea typeface="微軟正黑體" panose="020B0604030504040204" pitchFamily="34" charset="-120"/>
+                <a:cs typeface="Lantinghei SC Extralight" charset="-122"/>
+              </a:rPr>
+              <a:t>XLP</a:t>
+            </a:r>
+            <a:r>
+              <a:rPr lang="zh-CN" altLang="en-US" sz="800" b="1" dirty="0" smtClean="0">
+                <a:solidFill>
+                  <a:srgbClr val="FF0000"/>
+                </a:solidFill>
+                <a:latin typeface="微軟正黑體" panose="020B0604030504040204" pitchFamily="34" charset="-120"/>
+                <a:ea typeface="微軟正黑體" panose="020B0604030504040204" pitchFamily="34" charset="-120"/>
+                <a:cs typeface="Lantinghei SC Extralight" charset="-122"/>
+              </a:rPr>
+              <a:t>课程有了解；对自我有新的认知；对管理工具会操作；完善思维模型；体验团队协同，为以后学习做准备。</a:t>
+            </a:r>
+            <a:endParaRPr lang="zh-CN" altLang="en-US" sz="800" b="1" dirty="0">
+              <a:solidFill>
+                <a:srgbClr val="FF0000"/>
+              </a:solidFill>
+              <a:latin typeface="微軟正黑體" panose="020B0604030504040204" pitchFamily="34" charset="-120"/>
+              <a:ea typeface="微軟正黑體" panose="020B0604030504040204" pitchFamily="34" charset="-120"/>
+              <a:cs typeface="Lantinghei SC Extralight" charset="-122"/>
+            </a:endParaRPr>
+          </a:p>
+        </p:txBody>
+      </p:sp>
+      <p:sp>
+        <p:nvSpPr>
+          <p:cNvPr id="38" name="TextBox 25"/>
+          <p:cNvSpPr txBox="1"/>
+          <p:nvPr/>
+        </p:nvSpPr>
+        <p:spPr>
+          <a:xfrm>
+            <a:off x="2120099" y="151533"/>
+            <a:ext cx="7023107" cy="461665"/>
+          </a:xfrm>
+          <a:prstGeom prst="rect">
+            <a:avLst/>
+          </a:prstGeom>
+          <a:noFill/>
+        </p:spPr>
+        <p:txBody>
+          <a:bodyPr wrap="square" rtlCol="0">
+            <a:spAutoFit/>
+          </a:bodyPr>
+          <a:lstStyle/>
+          <a:p>
+            <a:r>
+              <a:rPr lang="zh-CN" altLang="en-US" sz="800" b="1" dirty="0">
+                <a:solidFill>
+                  <a:schemeClr val="bg1"/>
+                </a:solidFill>
+                <a:latin typeface="微軟正黑體" panose="020B0604030504040204" pitchFamily="34" charset="-120"/>
+                <a:ea typeface="微軟正黑體" panose="020B0604030504040204" pitchFamily="34" charset="-120"/>
+                <a:cs typeface="Lantinghei SC Extralight" charset="-122"/>
+              </a:rPr>
+              <a:t>宏观：清华大学工程管理硕士（以下简称：</a:t>
+            </a:r>
+            <a:r>
+              <a:rPr lang="en-US" altLang="zh-CN" sz="800" b="1" dirty="0">
+                <a:solidFill>
+                  <a:schemeClr val="bg1"/>
+                </a:solidFill>
+                <a:latin typeface="微軟正黑體" panose="020B0604030504040204" pitchFamily="34" charset="-120"/>
+                <a:ea typeface="微軟正黑體" panose="020B0604030504040204" pitchFamily="34" charset="-120"/>
+                <a:cs typeface="Lantinghei SC Extralight" charset="-122"/>
+              </a:rPr>
+              <a:t>MEM</a:t>
+            </a:r>
+            <a:r>
+              <a:rPr lang="zh-CN" altLang="en-US" sz="800" b="1" dirty="0">
+                <a:solidFill>
+                  <a:schemeClr val="bg1"/>
+                </a:solidFill>
+                <a:latin typeface="微軟正黑體" panose="020B0604030504040204" pitchFamily="34" charset="-120"/>
+                <a:ea typeface="微軟正黑體" panose="020B0604030504040204" pitchFamily="34" charset="-120"/>
+                <a:cs typeface="Lantinghei SC Extralight" charset="-122"/>
+              </a:rPr>
+              <a:t>），重在培养</a:t>
+            </a:r>
+            <a:r>
+              <a:rPr lang="en-US" altLang="zh-CN" sz="800" b="1" dirty="0">
+                <a:solidFill>
+                  <a:schemeClr val="bg1"/>
+                </a:solidFill>
+                <a:latin typeface="微軟正黑體" panose="020B0604030504040204" pitchFamily="34" charset="-120"/>
+                <a:ea typeface="微軟正黑體" panose="020B0604030504040204" pitchFamily="34" charset="-120"/>
+                <a:cs typeface="Lantinghei SC Extralight" charset="-122"/>
+              </a:rPr>
+              <a:t>MEM</a:t>
+            </a:r>
+            <a:r>
+              <a:rPr lang="zh-CN" altLang="en-US" sz="800" b="1" dirty="0">
+                <a:solidFill>
+                  <a:schemeClr val="bg1"/>
+                </a:solidFill>
+                <a:latin typeface="微軟正黑體" panose="020B0604030504040204" pitchFamily="34" charset="-120"/>
+                <a:ea typeface="微軟正黑體" panose="020B0604030504040204" pitchFamily="34" charset="-120"/>
+                <a:cs typeface="Lantinghei SC Extralight" charset="-122"/>
+              </a:rPr>
+              <a:t>学生未来的战略应用能力和职业需求胜任力。</a:t>
+            </a:r>
+          </a:p>
+          <a:p>
+            <a:r>
+              <a:rPr lang="zh-CN" altLang="en-US" sz="800" b="1" dirty="0">
+                <a:solidFill>
+                  <a:schemeClr val="bg1"/>
+                </a:solidFill>
+                <a:latin typeface="微軟正黑體" panose="020B0604030504040204" pitchFamily="34" charset="-120"/>
+                <a:ea typeface="微軟正黑體" panose="020B0604030504040204" pitchFamily="34" charset="-120"/>
+                <a:cs typeface="Lantinghei SC Extralight" charset="-122"/>
+              </a:rPr>
+              <a:t>中观：清华大学为</a:t>
+            </a:r>
+            <a:r>
+              <a:rPr lang="en-US" altLang="zh-CN" sz="800" b="1" dirty="0">
+                <a:solidFill>
+                  <a:schemeClr val="bg1"/>
+                </a:solidFill>
+                <a:latin typeface="微軟正黑體" panose="020B0604030504040204" pitchFamily="34" charset="-120"/>
+                <a:ea typeface="微軟正黑體" panose="020B0604030504040204" pitchFamily="34" charset="-120"/>
+                <a:cs typeface="Lantinghei SC Extralight" charset="-122"/>
+              </a:rPr>
+              <a:t>MEM</a:t>
+            </a:r>
+            <a:r>
+              <a:rPr lang="zh-CN" altLang="en-US" sz="800" b="1" dirty="0">
+                <a:solidFill>
+                  <a:schemeClr val="bg1"/>
+                </a:solidFill>
+                <a:latin typeface="微軟正黑體" panose="020B0604030504040204" pitchFamily="34" charset="-120"/>
+                <a:ea typeface="微軟正黑體" panose="020B0604030504040204" pitchFamily="34" charset="-120"/>
+                <a:cs typeface="Lantinghei SC Extralight" charset="-122"/>
+              </a:rPr>
+              <a:t>开设「</a:t>
+            </a:r>
+            <a:r>
+              <a:rPr lang="en-US" altLang="zh-CN" sz="800" b="1" dirty="0">
+                <a:solidFill>
+                  <a:schemeClr val="bg1"/>
+                </a:solidFill>
+                <a:latin typeface="微軟正黑體" panose="020B0604030504040204" pitchFamily="34" charset="-120"/>
+                <a:ea typeface="微軟正黑體" panose="020B0604030504040204" pitchFamily="34" charset="-120"/>
+                <a:cs typeface="Lantinghei SC Extralight" charset="-122"/>
+              </a:rPr>
+              <a:t>MEM</a:t>
+            </a:r>
+            <a:r>
+              <a:rPr lang="zh-CN" altLang="en-US" sz="800" b="1" dirty="0">
+                <a:solidFill>
+                  <a:schemeClr val="bg1"/>
+                </a:solidFill>
+                <a:latin typeface="微軟正黑體" panose="020B0604030504040204" pitchFamily="34" charset="-120"/>
+                <a:ea typeface="微軟正黑體" panose="020B0604030504040204" pitchFamily="34" charset="-120"/>
+                <a:cs typeface="Lantinghei SC Extralight" charset="-122"/>
+              </a:rPr>
+              <a:t>入学导引课」，透过三个单元的课程设计</a:t>
+            </a:r>
+            <a:r>
+              <a:rPr lang="zh-CN" altLang="en-US" sz="800" b="1" strike="sngStrike" dirty="0">
+                <a:solidFill>
+                  <a:srgbClr val="FF0000"/>
+                </a:solidFill>
+                <a:latin typeface="微軟正黑體" panose="020B0604030504040204" pitchFamily="34" charset="-120"/>
+                <a:ea typeface="微軟正黑體" panose="020B0604030504040204" pitchFamily="34" charset="-120"/>
+                <a:cs typeface="Lantinghei SC Extralight" charset="-122"/>
+              </a:rPr>
+              <a:t>，让学员学习如何深入计算思维</a:t>
+            </a:r>
+            <a:r>
+              <a:rPr lang="zh-CN" altLang="en-US" sz="800" b="1" dirty="0">
+                <a:solidFill>
+                  <a:schemeClr val="bg1"/>
+                </a:solidFill>
+                <a:latin typeface="微軟正黑體" panose="020B0604030504040204" pitchFamily="34" charset="-120"/>
+                <a:ea typeface="微軟正黑體" panose="020B0604030504040204" pitchFamily="34" charset="-120"/>
+                <a:cs typeface="Lantinghei SC Extralight" charset="-122"/>
+              </a:rPr>
+              <a:t>。</a:t>
+            </a:r>
+          </a:p>
+          <a:p>
+            <a:r>
+              <a:rPr lang="zh-CN" altLang="en-US" sz="800" b="1" dirty="0">
+                <a:solidFill>
+                  <a:schemeClr val="bg1"/>
+                </a:solidFill>
+                <a:latin typeface="微軟正黑體" panose="020B0604030504040204" pitchFamily="34" charset="-120"/>
+                <a:ea typeface="微軟正黑體" panose="020B0604030504040204" pitchFamily="34" charset="-120"/>
+                <a:cs typeface="Lantinghei SC Extralight" charset="-122"/>
+              </a:rPr>
+              <a:t>微观：</a:t>
+            </a:r>
+            <a:r>
+              <a:rPr lang="en-US" altLang="zh-CN" sz="800" b="1" dirty="0">
+                <a:solidFill>
+                  <a:schemeClr val="bg1"/>
+                </a:solidFill>
+                <a:latin typeface="微軟正黑體" panose="020B0604030504040204" pitchFamily="34" charset="-120"/>
+                <a:ea typeface="微軟正黑體" panose="020B0604030504040204" pitchFamily="34" charset="-120"/>
+                <a:cs typeface="Lantinghei SC Extralight" charset="-122"/>
+              </a:rPr>
+              <a:t>2017</a:t>
+            </a:r>
+            <a:r>
+              <a:rPr lang="zh-CN" altLang="en-US" sz="800" b="1" dirty="0">
+                <a:solidFill>
+                  <a:schemeClr val="bg1"/>
+                </a:solidFill>
+                <a:latin typeface="微軟正黑體" panose="020B0604030504040204" pitchFamily="34" charset="-120"/>
+                <a:ea typeface="微軟正黑體" panose="020B0604030504040204" pitchFamily="34" charset="-120"/>
+                <a:cs typeface="Lantinghei SC Extralight" charset="-122"/>
+              </a:rPr>
+              <a:t>年度第二梯次「</a:t>
+            </a:r>
+            <a:r>
+              <a:rPr lang="en-US" altLang="zh-CN" sz="800" b="1" dirty="0">
+                <a:solidFill>
+                  <a:schemeClr val="bg1"/>
+                </a:solidFill>
+                <a:latin typeface="微軟正黑體" panose="020B0604030504040204" pitchFamily="34" charset="-120"/>
+                <a:ea typeface="微軟正黑體" panose="020B0604030504040204" pitchFamily="34" charset="-120"/>
+                <a:cs typeface="Lantinghei SC Extralight" charset="-122"/>
+              </a:rPr>
+              <a:t>MEM</a:t>
+            </a:r>
+            <a:r>
+              <a:rPr lang="zh-CN" altLang="en-US" sz="800" b="1" dirty="0">
+                <a:solidFill>
+                  <a:schemeClr val="bg1"/>
+                </a:solidFill>
+                <a:latin typeface="微軟正黑體" panose="020B0604030504040204" pitchFamily="34" charset="-120"/>
+                <a:ea typeface="微軟正黑體" panose="020B0604030504040204" pitchFamily="34" charset="-120"/>
+                <a:cs typeface="Lantinghei SC Extralight" charset="-122"/>
+              </a:rPr>
+              <a:t>入学导引课」，将于</a:t>
+            </a:r>
+            <a:r>
+              <a:rPr lang="en-US" altLang="zh-CN" sz="800" b="1" dirty="0">
+                <a:solidFill>
+                  <a:schemeClr val="bg1"/>
+                </a:solidFill>
+                <a:latin typeface="微軟正黑體" panose="020B0604030504040204" pitchFamily="34" charset="-120"/>
+                <a:ea typeface="微軟正黑體" panose="020B0604030504040204" pitchFamily="34" charset="-120"/>
+                <a:cs typeface="Lantinghei SC Extralight" charset="-122"/>
+              </a:rPr>
+              <a:t>2017</a:t>
+            </a:r>
+            <a:r>
+              <a:rPr lang="zh-CN" altLang="en-US" sz="800" b="1" dirty="0">
+                <a:solidFill>
+                  <a:schemeClr val="bg1"/>
+                </a:solidFill>
+                <a:latin typeface="微軟正黑體" panose="020B0604030504040204" pitchFamily="34" charset="-120"/>
+                <a:ea typeface="微軟正黑體" panose="020B0604030504040204" pitchFamily="34" charset="-120"/>
+                <a:cs typeface="Lantinghei SC Extralight" charset="-122"/>
+              </a:rPr>
+              <a:t>年</a:t>
+            </a:r>
+            <a:r>
+              <a:rPr lang="en-US" altLang="zh-CN" sz="800" b="1" dirty="0">
+                <a:solidFill>
+                  <a:schemeClr val="bg1"/>
+                </a:solidFill>
+                <a:latin typeface="微軟正黑體" panose="020B0604030504040204" pitchFamily="34" charset="-120"/>
+                <a:ea typeface="微軟正黑體" panose="020B0604030504040204" pitchFamily="34" charset="-120"/>
+                <a:cs typeface="Lantinghei SC Extralight" charset="-122"/>
+              </a:rPr>
+              <a:t>9</a:t>
+            </a:r>
+            <a:r>
+              <a:rPr lang="zh-CN" altLang="en-US" sz="800" b="1" dirty="0">
+                <a:solidFill>
+                  <a:schemeClr val="bg1"/>
+                </a:solidFill>
+                <a:latin typeface="微軟正黑體" panose="020B0604030504040204" pitchFamily="34" charset="-120"/>
+                <a:ea typeface="微軟正黑體" panose="020B0604030504040204" pitchFamily="34" charset="-120"/>
+                <a:cs typeface="Lantinghei SC Extralight" charset="-122"/>
+              </a:rPr>
+              <a:t>月</a:t>
+            </a:r>
+            <a:r>
+              <a:rPr lang="en-US" altLang="zh-CN" sz="800" b="1" dirty="0">
+                <a:solidFill>
+                  <a:schemeClr val="bg1"/>
+                </a:solidFill>
+                <a:latin typeface="微軟正黑體" panose="020B0604030504040204" pitchFamily="34" charset="-120"/>
+                <a:ea typeface="微軟正黑體" panose="020B0604030504040204" pitchFamily="34" charset="-120"/>
+                <a:cs typeface="Lantinghei SC Extralight" charset="-122"/>
+              </a:rPr>
+              <a:t>14</a:t>
+            </a:r>
+            <a:r>
+              <a:rPr lang="zh-CN" altLang="en-US" sz="800" b="1" dirty="0">
+                <a:solidFill>
+                  <a:schemeClr val="bg1"/>
+                </a:solidFill>
+                <a:latin typeface="微軟正黑體" panose="020B0604030504040204" pitchFamily="34" charset="-120"/>
+                <a:ea typeface="微軟正黑體" panose="020B0604030504040204" pitchFamily="34" charset="-120"/>
+                <a:cs typeface="Lantinghei SC Extralight" charset="-122"/>
+              </a:rPr>
+              <a:t>日 </a:t>
+            </a:r>
+            <a:r>
+              <a:rPr lang="en-US" altLang="zh-CN" sz="800" b="1" dirty="0">
+                <a:solidFill>
+                  <a:schemeClr val="bg1"/>
+                </a:solidFill>
+                <a:latin typeface="微軟正黑體" panose="020B0604030504040204" pitchFamily="34" charset="-120"/>
+                <a:ea typeface="微軟正黑體" panose="020B0604030504040204" pitchFamily="34" charset="-120"/>
+                <a:cs typeface="Lantinghei SC Extralight" charset="-122"/>
+              </a:rPr>
+              <a:t>- 2017</a:t>
+            </a:r>
+            <a:r>
+              <a:rPr lang="zh-CN" altLang="en-US" sz="800" b="1" dirty="0">
+                <a:solidFill>
+                  <a:schemeClr val="bg1"/>
+                </a:solidFill>
+                <a:latin typeface="微軟正黑體" panose="020B0604030504040204" pitchFamily="34" charset="-120"/>
+                <a:ea typeface="微軟正黑體" panose="020B0604030504040204" pitchFamily="34" charset="-120"/>
+                <a:cs typeface="Lantinghei SC Extralight" charset="-122"/>
+              </a:rPr>
+              <a:t>年</a:t>
+            </a:r>
+            <a:r>
+              <a:rPr lang="en-US" altLang="zh-CN" sz="800" b="1" dirty="0">
+                <a:solidFill>
+                  <a:schemeClr val="bg1"/>
+                </a:solidFill>
+                <a:latin typeface="微軟正黑體" panose="020B0604030504040204" pitchFamily="34" charset="-120"/>
+                <a:ea typeface="微軟正黑體" panose="020B0604030504040204" pitchFamily="34" charset="-120"/>
+                <a:cs typeface="Lantinghei SC Extralight" charset="-122"/>
+              </a:rPr>
+              <a:t>9</a:t>
+            </a:r>
+            <a:r>
+              <a:rPr lang="zh-CN" altLang="en-US" sz="800" b="1" dirty="0">
+                <a:solidFill>
+                  <a:schemeClr val="bg1"/>
+                </a:solidFill>
+                <a:latin typeface="微軟正黑體" panose="020B0604030504040204" pitchFamily="34" charset="-120"/>
+                <a:ea typeface="微軟正黑體" panose="020B0604030504040204" pitchFamily="34" charset="-120"/>
+                <a:cs typeface="Lantinghei SC Extralight" charset="-122"/>
+              </a:rPr>
+              <a:t>月</a:t>
+            </a:r>
+            <a:r>
+              <a:rPr lang="en-US" altLang="zh-CN" sz="800" b="1" dirty="0">
+                <a:solidFill>
+                  <a:schemeClr val="bg1"/>
+                </a:solidFill>
+                <a:latin typeface="微軟正黑體" panose="020B0604030504040204" pitchFamily="34" charset="-120"/>
+                <a:ea typeface="微軟正黑體" panose="020B0604030504040204" pitchFamily="34" charset="-120"/>
+                <a:cs typeface="Lantinghei SC Extralight" charset="-122"/>
+              </a:rPr>
+              <a:t>17</a:t>
+            </a:r>
+            <a:r>
+              <a:rPr lang="zh-CN" altLang="en-US" sz="800" b="1" dirty="0">
+                <a:solidFill>
+                  <a:schemeClr val="bg1"/>
+                </a:solidFill>
+                <a:latin typeface="微軟正黑體" panose="020B0604030504040204" pitchFamily="34" charset="-120"/>
+                <a:ea typeface="微軟正黑體" panose="020B0604030504040204" pitchFamily="34" charset="-120"/>
+                <a:cs typeface="Lantinghei SC Extralight" charset="-122"/>
+              </a:rPr>
+              <a:t>日办理为期</a:t>
+            </a:r>
+            <a:r>
+              <a:rPr lang="en-US" altLang="zh-CN" sz="800" b="1" dirty="0">
+                <a:solidFill>
+                  <a:schemeClr val="bg1"/>
+                </a:solidFill>
+                <a:latin typeface="微軟正黑體" panose="020B0604030504040204" pitchFamily="34" charset="-120"/>
+                <a:ea typeface="微軟正黑體" panose="020B0604030504040204" pitchFamily="34" charset="-120"/>
+                <a:cs typeface="Lantinghei SC Extralight" charset="-122"/>
+              </a:rPr>
+              <a:t>4</a:t>
+            </a:r>
+            <a:r>
+              <a:rPr lang="zh-CN" altLang="en-US" sz="800" b="1" dirty="0">
+                <a:solidFill>
+                  <a:schemeClr val="bg1"/>
+                </a:solidFill>
+                <a:latin typeface="微軟正黑體" panose="020B0604030504040204" pitchFamily="34" charset="-120"/>
+                <a:ea typeface="微軟正黑體" panose="020B0604030504040204" pitchFamily="34" charset="-120"/>
+                <a:cs typeface="Lantinghei SC Extralight" charset="-122"/>
+              </a:rPr>
+              <a:t>天的课程。</a:t>
+            </a:r>
+            <a:endParaRPr lang="en-US" altLang="zh-CN" sz="800" b="1" dirty="0">
+              <a:solidFill>
+                <a:schemeClr val="bg1"/>
+              </a:solidFill>
+              <a:latin typeface="微軟正黑體" panose="020B0604030504040204" pitchFamily="34" charset="-120"/>
+              <a:ea typeface="微軟正黑體" panose="020B0604030504040204" pitchFamily="34" charset="-120"/>
+              <a:cs typeface="Lantinghei SC Extralight" charset="-122"/>
+            </a:endParaRPr>
+          </a:p>
+        </p:txBody>
+      </p:sp>
+      <p:sp>
+        <p:nvSpPr>
+          <p:cNvPr id="40" name="Rounded Rectangle 7"/>
+          <p:cNvSpPr/>
+          <p:nvPr/>
+        </p:nvSpPr>
+        <p:spPr>
+          <a:xfrm>
+            <a:off x="1894163" y="1331366"/>
+            <a:ext cx="718814" cy="347089"/>
+          </a:xfrm>
+          <a:prstGeom prst="roundRect">
+            <a:avLst/>
+          </a:prstGeom>
+          <a:solidFill>
+            <a:srgbClr val="3A3A3A"/>
+          </a:solidFill>
+          <a:ln w="28575">
+            <a:solidFill>
+              <a:schemeClr val="bg2">
+                <a:lumMod val="25000"/>
+              </a:schemeClr>
+            </a:solidFill>
+          </a:ln>
+          <a:effectLst/>
+        </p:spPr>
+        <p:style>
+          <a:lnRef idx="1">
+            <a:schemeClr val="accent1"/>
+          </a:lnRef>
+          <a:fillRef idx="3">
+            <a:schemeClr val="accent1"/>
+          </a:fillRef>
+          <a:effectRef idx="2">
+            <a:schemeClr val="accent1"/>
+          </a:effectRef>
+          <a:fontRef idx="minor">
+            <a:schemeClr val="lt1"/>
+          </a:fontRef>
+        </p:style>
+        <p:txBody>
+          <a:bodyPr rtlCol="0" anchor="ctr"/>
+          <a:lstStyle/>
+          <a:p>
+            <a:r>
+              <a:rPr lang="zh-CN" altLang="en-US" sz="1800" b="1" dirty="0">
+                <a:solidFill>
+                  <a:schemeClr val="bg1"/>
+                </a:solidFill>
+                <a:latin typeface="微軟正黑體" panose="020B0604030504040204" pitchFamily="34" charset="-120"/>
+                <a:ea typeface="微軟正黑體" panose="020B0604030504040204" pitchFamily="34" charset="-120"/>
+                <a:cs typeface="Lantinghei SC Extralight" charset="-122"/>
+              </a:rPr>
+              <a:t>效果</a:t>
+            </a:r>
+            <a:endParaRPr lang="en-US" sz="1800" b="1" dirty="0">
+              <a:solidFill>
+                <a:schemeClr val="bg1"/>
+              </a:solidFill>
+              <a:latin typeface="微軟正黑體" panose="020B0604030504040204" pitchFamily="34" charset="-120"/>
+              <a:ea typeface="微軟正黑體" panose="020B0604030504040204" pitchFamily="34" charset="-120"/>
+              <a:cs typeface="Lantinghei SC Extralight" charset="-122"/>
+            </a:endParaRPr>
+          </a:p>
+        </p:txBody>
+      </p:sp>
+      <p:sp>
+        <p:nvSpPr>
+          <p:cNvPr id="41" name="Rounded Rectangle 7"/>
+          <p:cNvSpPr/>
+          <p:nvPr/>
+        </p:nvSpPr>
+        <p:spPr>
+          <a:xfrm>
+            <a:off x="3771854" y="1339002"/>
+            <a:ext cx="712615" cy="339453"/>
+          </a:xfrm>
+          <a:prstGeom prst="roundRect">
+            <a:avLst/>
+          </a:prstGeom>
+          <a:solidFill>
+            <a:srgbClr val="3A3A3A"/>
+          </a:solidFill>
+          <a:ln w="28575">
+            <a:solidFill>
+              <a:schemeClr val="bg2">
+                <a:lumMod val="25000"/>
+              </a:schemeClr>
+            </a:solidFill>
+          </a:ln>
+          <a:effectLst/>
+        </p:spPr>
+        <p:style>
+          <a:lnRef idx="1">
+            <a:schemeClr val="accent1"/>
+          </a:lnRef>
+          <a:fillRef idx="3">
+            <a:schemeClr val="accent1"/>
+          </a:fillRef>
+          <a:effectRef idx="2">
+            <a:schemeClr val="accent1"/>
+          </a:effectRef>
+          <a:fontRef idx="minor">
+            <a:schemeClr val="lt1"/>
+          </a:fontRef>
+        </p:style>
+        <p:txBody>
+          <a:bodyPr rtlCol="0" anchor="ctr"/>
+          <a:lstStyle/>
+          <a:p>
+            <a:r>
+              <a:rPr lang="zh-CN" altLang="en-US" sz="1800" b="1" dirty="0">
+                <a:solidFill>
+                  <a:schemeClr val="bg1"/>
+                </a:solidFill>
+                <a:latin typeface="微軟正黑體" panose="020B0604030504040204" pitchFamily="34" charset="-120"/>
+                <a:ea typeface="微軟正黑體" panose="020B0604030504040204" pitchFamily="34" charset="-120"/>
+                <a:cs typeface="Lantinghei SC Extralight" charset="-122"/>
+              </a:rPr>
+              <a:t>输出</a:t>
+            </a:r>
+            <a:endParaRPr lang="en-US" sz="1800" b="1" dirty="0">
+              <a:solidFill>
+                <a:schemeClr val="bg1"/>
+              </a:solidFill>
+              <a:latin typeface="微軟正黑體" panose="020B0604030504040204" pitchFamily="34" charset="-120"/>
+              <a:ea typeface="微軟正黑體" panose="020B0604030504040204" pitchFamily="34" charset="-120"/>
+              <a:cs typeface="Lantinghei SC Extralight" charset="-122"/>
+            </a:endParaRPr>
+          </a:p>
+        </p:txBody>
+      </p:sp>
+      <p:sp>
+        <p:nvSpPr>
+          <p:cNvPr id="42" name="Rounded Rectangle 7"/>
+          <p:cNvSpPr/>
+          <p:nvPr/>
+        </p:nvSpPr>
+        <p:spPr>
+          <a:xfrm>
+            <a:off x="5631653" y="1331366"/>
+            <a:ext cx="740867" cy="347089"/>
+          </a:xfrm>
+          <a:prstGeom prst="roundRect">
+            <a:avLst/>
+          </a:prstGeom>
+          <a:solidFill>
+            <a:srgbClr val="3A3A3A"/>
+          </a:solidFill>
+          <a:ln w="28575">
+            <a:solidFill>
+              <a:schemeClr val="bg2">
+                <a:lumMod val="25000"/>
+              </a:schemeClr>
+            </a:solidFill>
+          </a:ln>
+          <a:effectLst/>
+        </p:spPr>
+        <p:style>
+          <a:lnRef idx="1">
+            <a:schemeClr val="accent1"/>
+          </a:lnRef>
+          <a:fillRef idx="3">
+            <a:schemeClr val="accent1"/>
+          </a:fillRef>
+          <a:effectRef idx="2">
+            <a:schemeClr val="accent1"/>
+          </a:effectRef>
+          <a:fontRef idx="minor">
+            <a:schemeClr val="lt1"/>
+          </a:fontRef>
+        </p:style>
+        <p:txBody>
+          <a:bodyPr rtlCol="0" anchor="ctr"/>
+          <a:lstStyle/>
+          <a:p>
+            <a:r>
+              <a:rPr lang="zh-CN" altLang="en-US" sz="1800" b="1" dirty="0">
+                <a:solidFill>
+                  <a:schemeClr val="bg1"/>
+                </a:solidFill>
+                <a:latin typeface="微軟正黑體" panose="020B0604030504040204" pitchFamily="34" charset="-120"/>
+                <a:ea typeface="微軟正黑體" panose="020B0604030504040204" pitchFamily="34" charset="-120"/>
+                <a:cs typeface="Lantinghei SC Extralight" charset="-122"/>
+              </a:rPr>
+              <a:t>过程</a:t>
+            </a:r>
+            <a:endParaRPr lang="en-US" sz="1800" b="1" dirty="0">
+              <a:solidFill>
+                <a:schemeClr val="bg1"/>
+              </a:solidFill>
+              <a:latin typeface="微軟正黑體" panose="020B0604030504040204" pitchFamily="34" charset="-120"/>
+              <a:ea typeface="微軟正黑體" panose="020B0604030504040204" pitchFamily="34" charset="-120"/>
+              <a:cs typeface="Lantinghei SC Extralight" charset="-122"/>
+            </a:endParaRPr>
+          </a:p>
+        </p:txBody>
+      </p:sp>
+      <p:sp>
+        <p:nvSpPr>
+          <p:cNvPr id="43" name="Rounded Rectangle 7"/>
+          <p:cNvSpPr/>
+          <p:nvPr/>
+        </p:nvSpPr>
+        <p:spPr>
+          <a:xfrm>
+            <a:off x="7503146" y="1331366"/>
+            <a:ext cx="726454" cy="347089"/>
+          </a:xfrm>
+          <a:prstGeom prst="roundRect">
+            <a:avLst/>
+          </a:prstGeom>
+          <a:solidFill>
+            <a:srgbClr val="3A3A3A"/>
+          </a:solidFill>
+          <a:ln w="28575">
+            <a:solidFill>
+              <a:schemeClr val="bg2">
+                <a:lumMod val="25000"/>
+              </a:schemeClr>
+            </a:solidFill>
+          </a:ln>
+          <a:effectLst/>
+        </p:spPr>
+        <p:style>
+          <a:lnRef idx="1">
+            <a:schemeClr val="accent1"/>
+          </a:lnRef>
+          <a:fillRef idx="3">
+            <a:schemeClr val="accent1"/>
+          </a:fillRef>
+          <a:effectRef idx="2">
+            <a:schemeClr val="accent1"/>
+          </a:effectRef>
+          <a:fontRef idx="minor">
+            <a:schemeClr val="lt1"/>
+          </a:fontRef>
+        </p:style>
+        <p:txBody>
+          <a:bodyPr rtlCol="0" anchor="ctr"/>
+          <a:lstStyle/>
+          <a:p>
+            <a:r>
+              <a:rPr lang="zh-CN" altLang="en-US" sz="1800" b="1" dirty="0">
+                <a:solidFill>
+                  <a:schemeClr val="bg1"/>
+                </a:solidFill>
+                <a:latin typeface="微軟正黑體" panose="020B0604030504040204" pitchFamily="34" charset="-120"/>
+                <a:ea typeface="微軟正黑體" panose="020B0604030504040204" pitchFamily="34" charset="-120"/>
+                <a:cs typeface="Lantinghei SC Extralight" charset="-122"/>
+              </a:rPr>
+              <a:t>输入</a:t>
+            </a:r>
+            <a:endParaRPr lang="en-US" sz="1800" b="1" dirty="0">
+              <a:solidFill>
+                <a:schemeClr val="bg1"/>
+              </a:solidFill>
+              <a:latin typeface="微軟正黑體" panose="020B0604030504040204" pitchFamily="34" charset="-120"/>
+              <a:ea typeface="微軟正黑體" panose="020B0604030504040204" pitchFamily="34" charset="-120"/>
+              <a:cs typeface="Lantinghei SC Extralight" charset="-122"/>
+            </a:endParaRPr>
+          </a:p>
+        </p:txBody>
+      </p:sp>
+      <p:sp>
+        <p:nvSpPr>
+          <p:cNvPr id="2" name="文本框 1"/>
+          <p:cNvSpPr txBox="1"/>
+          <p:nvPr/>
+        </p:nvSpPr>
+        <p:spPr>
+          <a:xfrm>
+            <a:off x="2634033" y="4578409"/>
+            <a:ext cx="5051383" cy="461665"/>
+          </a:xfrm>
+          <a:prstGeom prst="rect">
+            <a:avLst/>
+          </a:prstGeom>
+          <a:noFill/>
+        </p:spPr>
+        <p:txBody>
+          <a:bodyPr wrap="none" rtlCol="0">
+            <a:spAutoFit/>
+          </a:bodyPr>
+          <a:lstStyle/>
+          <a:p>
+            <a:r>
+              <a:rPr lang="en-US" altLang="zh-CN" sz="800" b="1" dirty="0" smtClean="0">
+                <a:solidFill>
+                  <a:schemeClr val="bg1"/>
+                </a:solidFill>
+                <a:latin typeface="微軟正黑體" panose="020B0604030504040204" pitchFamily="34" charset="-120"/>
+                <a:ea typeface="微軟正黑體" panose="020B0604030504040204" pitchFamily="34" charset="-120"/>
+                <a:cs typeface="Lantinghei SC Extralight" charset="-122"/>
+              </a:rPr>
+              <a:t> 1</a:t>
+            </a:r>
+            <a:r>
+              <a:rPr lang="en-US" altLang="zh-CN" sz="800" b="1" dirty="0">
+                <a:solidFill>
+                  <a:schemeClr val="bg1"/>
+                </a:solidFill>
+                <a:latin typeface="微軟正黑體" panose="020B0604030504040204" pitchFamily="34" charset="-120"/>
+                <a:ea typeface="微軟正黑體" panose="020B0604030504040204" pitchFamily="34" charset="-120"/>
+                <a:cs typeface="Lantinghei SC Extralight" charset="-122"/>
+              </a:rPr>
+              <a:t>.</a:t>
+            </a:r>
+            <a:r>
+              <a:rPr lang="zh-CN" altLang="en-US" sz="800" b="1" dirty="0">
+                <a:solidFill>
+                  <a:schemeClr val="bg1"/>
+                </a:solidFill>
+                <a:latin typeface="微軟正黑體" panose="020B0604030504040204" pitchFamily="34" charset="-120"/>
+                <a:ea typeface="微軟正黑體" panose="020B0604030504040204" pitchFamily="34" charset="-120"/>
+                <a:cs typeface="Lantinghei SC Extralight" charset="-122"/>
+              </a:rPr>
+              <a:t>学生在入学导引课初期，自我意识与集体意识需要进行磨合才能形成</a:t>
+            </a:r>
+            <a:r>
+              <a:rPr lang="zh-CN" altLang="en-US" sz="800" b="1" dirty="0" smtClean="0">
+                <a:solidFill>
+                  <a:schemeClr val="bg1"/>
+                </a:solidFill>
+                <a:latin typeface="微軟正黑體" panose="020B0604030504040204" pitchFamily="34" charset="-120"/>
+                <a:ea typeface="微軟正黑體" panose="020B0604030504040204" pitchFamily="34" charset="-120"/>
+                <a:cs typeface="Lantinghei SC Extralight" charset="-122"/>
+              </a:rPr>
+              <a:t>自组织</a:t>
+            </a:r>
+            <a:endParaRPr lang="en-US" altLang="zh-CN" sz="800" b="1" dirty="0" smtClean="0">
+              <a:solidFill>
+                <a:schemeClr val="bg1"/>
+              </a:solidFill>
+              <a:latin typeface="微軟正黑體" panose="020B0604030504040204" pitchFamily="34" charset="-120"/>
+              <a:ea typeface="微軟正黑體" panose="020B0604030504040204" pitchFamily="34" charset="-120"/>
+              <a:cs typeface="Lantinghei SC Extralight" charset="-122"/>
+            </a:endParaRPr>
+          </a:p>
+          <a:p>
+            <a:r>
+              <a:rPr lang="zh-CN" altLang="en-US" sz="800" b="1" dirty="0" smtClean="0">
+                <a:solidFill>
+                  <a:schemeClr val="bg1"/>
+                </a:solidFill>
+                <a:latin typeface="微軟正黑體" panose="020B0604030504040204" pitchFamily="34" charset="-120"/>
+                <a:ea typeface="微軟正黑體" panose="020B0604030504040204" pitchFamily="34" charset="-120"/>
+                <a:cs typeface="Lantinghei SC Extralight" charset="-122"/>
+              </a:rPr>
+              <a:t> </a:t>
+            </a:r>
+            <a:r>
+              <a:rPr lang="en-US" altLang="zh-CN" sz="800" b="1" dirty="0">
+                <a:solidFill>
+                  <a:schemeClr val="bg1"/>
+                </a:solidFill>
+                <a:latin typeface="微軟正黑體" panose="020B0604030504040204" pitchFamily="34" charset="-120"/>
+                <a:ea typeface="微軟正黑體" panose="020B0604030504040204" pitchFamily="34" charset="-120"/>
+                <a:cs typeface="Lantinghei SC Extralight" charset="-122"/>
+              </a:rPr>
+              <a:t>2.</a:t>
+            </a:r>
+            <a:r>
+              <a:rPr lang="zh-CN" altLang="en-US" sz="800" b="1" dirty="0">
+                <a:solidFill>
+                  <a:schemeClr val="bg1"/>
+                </a:solidFill>
+                <a:latin typeface="微軟正黑體" panose="020B0604030504040204" pitchFamily="34" charset="-120"/>
+                <a:ea typeface="微軟正黑體" panose="020B0604030504040204" pitchFamily="34" charset="-120"/>
+                <a:cs typeface="Lantinghei SC Extralight" charset="-122"/>
+              </a:rPr>
+              <a:t>学生在有限时间内的健康与体力需要</a:t>
+            </a:r>
+            <a:r>
+              <a:rPr lang="zh-CN" altLang="en-US" sz="800" b="1" dirty="0" smtClean="0">
+                <a:solidFill>
+                  <a:schemeClr val="bg1"/>
+                </a:solidFill>
+                <a:latin typeface="微軟正黑體" panose="020B0604030504040204" pitchFamily="34" charset="-120"/>
+                <a:ea typeface="微軟正黑體" panose="020B0604030504040204" pitchFamily="34" charset="-120"/>
+                <a:cs typeface="Lantinghei SC Extralight" charset="-122"/>
+              </a:rPr>
+              <a:t>保持</a:t>
+            </a:r>
+            <a:endParaRPr lang="en-US" altLang="zh-CN" sz="800" b="1" dirty="0" smtClean="0">
+              <a:solidFill>
+                <a:schemeClr val="bg1"/>
+              </a:solidFill>
+              <a:latin typeface="微軟正黑體" panose="020B0604030504040204" pitchFamily="34" charset="-120"/>
+              <a:ea typeface="微軟正黑體" panose="020B0604030504040204" pitchFamily="34" charset="-120"/>
+              <a:cs typeface="Lantinghei SC Extralight" charset="-122"/>
+            </a:endParaRPr>
+          </a:p>
+          <a:p>
+            <a:r>
+              <a:rPr lang="zh-CN" altLang="en-US" sz="800" b="1" dirty="0" smtClean="0">
+                <a:solidFill>
+                  <a:schemeClr val="bg1"/>
+                </a:solidFill>
+                <a:latin typeface="微軟正黑體" panose="020B0604030504040204" pitchFamily="34" charset="-120"/>
+                <a:ea typeface="微軟正黑體" panose="020B0604030504040204" pitchFamily="34" charset="-120"/>
+                <a:cs typeface="Lantinghei SC Extralight" charset="-122"/>
+              </a:rPr>
+              <a:t> </a:t>
+            </a:r>
+            <a:r>
+              <a:rPr lang="en-US" altLang="zh-CN" sz="800" b="1" dirty="0">
+                <a:solidFill>
+                  <a:schemeClr val="bg1"/>
+                </a:solidFill>
+                <a:latin typeface="微軟正黑體" panose="020B0604030504040204" pitchFamily="34" charset="-120"/>
+                <a:ea typeface="微軟正黑體" panose="020B0604030504040204" pitchFamily="34" charset="-120"/>
+                <a:cs typeface="Lantinghei SC Extralight" charset="-122"/>
+              </a:rPr>
+              <a:t>3.</a:t>
+            </a:r>
+            <a:r>
+              <a:rPr lang="zh-CN" altLang="en-US" sz="800" b="1" dirty="0">
+                <a:solidFill>
+                  <a:schemeClr val="bg1"/>
+                </a:solidFill>
+                <a:latin typeface="微軟正黑體" panose="020B0604030504040204" pitchFamily="34" charset="-120"/>
+                <a:ea typeface="微軟正黑體" panose="020B0604030504040204" pitchFamily="34" charset="-120"/>
+                <a:cs typeface="Lantinghei SC Extralight" charset="-122"/>
+              </a:rPr>
+              <a:t>夜间教室、网络的不稳定</a:t>
+            </a:r>
+            <a:r>
+              <a:rPr lang="zh-CN" altLang="en-US" sz="800" b="1" dirty="0" smtClean="0">
+                <a:solidFill>
+                  <a:schemeClr val="bg1"/>
+                </a:solidFill>
+                <a:latin typeface="微軟正黑體" panose="020B0604030504040204" pitchFamily="34" charset="-120"/>
+                <a:ea typeface="微軟正黑體" panose="020B0604030504040204" pitchFamily="34" charset="-120"/>
+                <a:cs typeface="Lantinghei SC Extralight" charset="-122"/>
+              </a:rPr>
+              <a:t>因素 </a:t>
+            </a:r>
+            <a:r>
+              <a:rPr lang="en-US" altLang="zh-CN" sz="800" b="1" dirty="0" smtClean="0">
+                <a:solidFill>
+                  <a:srgbClr val="FF0000"/>
+                </a:solidFill>
+                <a:latin typeface="微軟正黑體" panose="020B0604030504040204" pitchFamily="34" charset="-120"/>
+                <a:ea typeface="微軟正黑體" panose="020B0604030504040204" pitchFamily="34" charset="-120"/>
+                <a:cs typeface="Lantinghei SC Extralight" charset="-122"/>
+              </a:rPr>
+              <a:t>4. </a:t>
+            </a:r>
+            <a:r>
+              <a:rPr lang="zh-CN" altLang="en-US" sz="800" b="1" dirty="0" smtClean="0">
+                <a:solidFill>
+                  <a:srgbClr val="FF0000"/>
+                </a:solidFill>
+                <a:latin typeface="微軟正黑體" panose="020B0604030504040204" pitchFamily="34" charset="-120"/>
+                <a:ea typeface="微軟正黑體" panose="020B0604030504040204" pitchFamily="34" charset="-120"/>
+                <a:cs typeface="Lantinghei SC Extralight" charset="-122"/>
+              </a:rPr>
+              <a:t>学员个人背景有差异，认知体系和学习方法不同，单位时间信息量过大。</a:t>
+            </a:r>
+            <a:endParaRPr lang="zh-CN" altLang="en-US" sz="800" b="1" dirty="0">
+              <a:solidFill>
+                <a:srgbClr val="FF0000"/>
+              </a:solidFill>
+              <a:latin typeface="微軟正黑體" panose="020B0604030504040204" pitchFamily="34" charset="-120"/>
+              <a:ea typeface="微軟正黑體" panose="020B0604030504040204" pitchFamily="34" charset="-120"/>
+              <a:cs typeface="Lantinghei SC Extralight" charset="-122"/>
+            </a:endParaRPr>
+          </a:p>
+        </p:txBody>
+      </p:sp>
+      <p:sp>
+        <p:nvSpPr>
+          <p:cNvPr id="3" name="矩形 2"/>
+          <p:cNvSpPr/>
+          <p:nvPr/>
+        </p:nvSpPr>
+        <p:spPr>
+          <a:xfrm>
+            <a:off x="-27095" y="1696158"/>
+            <a:ext cx="705642" cy="338554"/>
+          </a:xfrm>
+          <a:prstGeom prst="rect">
+            <a:avLst/>
+          </a:prstGeom>
+        </p:spPr>
+        <p:txBody>
+          <a:bodyPr wrap="none">
+            <a:spAutoFit/>
+          </a:bodyPr>
+          <a:lstStyle/>
+          <a:p>
+            <a:r>
+              <a:rPr lang="en-US" altLang="zh-TW" sz="1600" b="1" dirty="0">
+                <a:solidFill>
+                  <a:schemeClr val="bg1"/>
+                </a:solidFill>
+                <a:latin typeface="微軟正黑體" panose="020B0604030504040204" pitchFamily="34" charset="-120"/>
+                <a:ea typeface="微軟正黑體" panose="020B0604030504040204" pitchFamily="34" charset="-120"/>
+                <a:cs typeface="Lantinghei SC Extralight" charset="-122"/>
+              </a:rPr>
+              <a:t>MEM</a:t>
+            </a:r>
+            <a:endParaRPr lang="zh-TW" altLang="en-US" sz="1600" b="1" dirty="0"/>
+          </a:p>
+        </p:txBody>
+      </p:sp>
+    </p:spTree>
+    <p:extLst>
+      <p:ext uri="{BB962C8B-B14F-4D97-AF65-F5344CB8AC3E}">
+        <p14:creationId xmlns:p14="http://schemas.microsoft.com/office/powerpoint/2010/main" val="4203920151"/>
+      </p:ext>
+    </p:extLst>
+  </p:cSld>
+  <p:clrMapOvr>
+    <a:masterClrMapping/>
+  </p:clrMapOvr>
+  <p:transition spd="slow">
+    <p:wipe/>
+  </p:transition>
+  <p:timing>
+    <p:tnLst>
+      <p:par>
+        <p:cTn id="1" dur="indefinite" restart="never" nodeType="tmRoot"/>
+      </p:par>
+    </p:tnLst>
+  </p:timing>
+</p:sld>
+</file>
+
+<file path=ppt/slides/slide3.xml><?xml version="1.0" encoding="utf-8"?>
+<p:sld xmlns:a="http://schemas.openxmlformats.org/drawingml/2006/main" xmlns:r="http://schemas.openxmlformats.org/officeDocument/2006/relationships" xmlns:p="http://schemas.openxmlformats.org/presentationml/2006/main">
+  <p:cSld>
+    <p:spTree>
+      <p:nvGrpSpPr>
+        <p:cNvPr id="1" name=""/>
+        <p:cNvGrpSpPr/>
+        <p:nvPr/>
+      </p:nvGrpSpPr>
+      <p:grpSpPr>
+        <a:xfrm>
+          <a:off x="0" y="0"/>
+          <a:ext cx="0" cy="0"/>
+          <a:chOff x="0" y="0"/>
+          <a:chExt cx="0" cy="0"/>
+        </a:xfrm>
+      </p:grpSpPr>
       <p:sp>
         <p:nvSpPr>
           <p:cNvPr id="5" name="矩形 4"/>
@@ -9366,913 +14248,6 @@
     <p:extLst>
       <p:ext uri="{BB962C8B-B14F-4D97-AF65-F5344CB8AC3E}">
         <p14:creationId xmlns:p14="http://schemas.microsoft.com/office/powerpoint/2010/main" val="3386301138"/>
-      </p:ext>
-    </p:extLst>
-  </p:cSld>
-  <p:clrMapOvr>
-    <a:masterClrMapping/>
-  </p:clrMapOvr>
-  <p:transition spd="slow">
-    <p:wipe/>
-  </p:transition>
-</p:sld>
-</file>
-
-<file path=ppt/slides/slide3.xml><?xml version="1.0" encoding="utf-8"?>
-<p:sld xmlns:a="http://schemas.openxmlformats.org/drawingml/2006/main" xmlns:r="http://schemas.openxmlformats.org/officeDocument/2006/relationships" xmlns:p="http://schemas.openxmlformats.org/presentationml/2006/main">
-  <p:cSld>
-    <p:spTree>
-      <p:nvGrpSpPr>
-        <p:cNvPr id="1" name=""/>
-        <p:cNvGrpSpPr/>
-        <p:nvPr/>
-      </p:nvGrpSpPr>
-      <p:grpSpPr>
-        <a:xfrm>
-          <a:off x="0" y="0"/>
-          <a:ext cx="0" cy="0"/>
-          <a:chOff x="0" y="0"/>
-          <a:chExt cx="0" cy="0"/>
-        </a:xfrm>
-      </p:grpSpPr>
-      <p:sp>
-        <p:nvSpPr>
-          <p:cNvPr id="5" name="矩形 4"/>
-          <p:cNvSpPr/>
-          <p:nvPr/>
-        </p:nvSpPr>
-        <p:spPr bwMode="auto">
-          <a:xfrm>
-            <a:off x="0" y="1"/>
-            <a:ext cx="1828800" cy="483704"/>
-          </a:xfrm>
-          <a:prstGeom prst="rect">
-            <a:avLst/>
-          </a:prstGeom>
-          <a:solidFill>
-            <a:srgbClr val="FFC000">
-              <a:alpha val="15000"/>
-            </a:srgbClr>
-          </a:solidFill>
-          <a:ln w="9525" cap="flat" cmpd="sng" algn="ctr">
-            <a:noFill/>
-            <a:prstDash val="solid"/>
-            <a:round/>
-            <a:headEnd type="none" w="med" len="med"/>
-            <a:tailEnd type="none" w="med" len="med"/>
-          </a:ln>
-          <a:effectLst/>
-          <a:extLst/>
-        </p:spPr>
-        <p:txBody>
-          <a:bodyPr vert="horz" wrap="square" lIns="91440" tIns="45720" rIns="91440" bIns="45720" numCol="1" rtlCol="0" anchor="ctr" anchorCtr="0" compatLnSpc="1">
-            <a:prstTxWarp prst="textNoShape">
-              <a:avLst/>
-            </a:prstTxWarp>
-          </a:bodyPr>
-          <a:lstStyle/>
-          <a:p>
-            <a:pPr marL="0" marR="0" indent="0" algn="ctr" defTabSz="685800" rtl="0" eaLnBrk="0" fontAlgn="base" latinLnBrk="0" hangingPunct="0">
-              <a:lnSpc>
-                <a:spcPct val="100000"/>
-              </a:lnSpc>
-              <a:spcBef>
-                <a:spcPct val="0"/>
-              </a:spcBef>
-              <a:spcAft>
-                <a:spcPct val="0"/>
-              </a:spcAft>
-              <a:buClrTx/>
-              <a:buSzTx/>
-              <a:buFont typeface="Arial" charset="0"/>
-              <a:buNone/>
-              <a:tabLst/>
-            </a:pPr>
-            <a:r>
-              <a:rPr kumimoji="0" lang="zh-CN" altLang="en-US" sz="2000" b="1" i="0" u="none" strike="noStrike" cap="none" normalizeH="0" baseline="0" dirty="0" smtClean="0">
-                <a:ln>
-                  <a:noFill/>
-                </a:ln>
-                <a:solidFill>
-                  <a:schemeClr val="bg1"/>
-                </a:solidFill>
-                <a:effectLst/>
-                <a:latin typeface="微软雅黑" pitchFamily="34" charset="-122"/>
-                <a:ea typeface="微软雅黑" pitchFamily="34" charset="-122"/>
-              </a:rPr>
-              <a:t>逻辑模型</a:t>
-            </a:r>
-            <a:endParaRPr kumimoji="0" lang="zh-CN" altLang="en-US" sz="2000" b="1" i="0" u="none" strike="noStrike" cap="none" normalizeH="0" baseline="0" dirty="0">
-              <a:ln>
-                <a:noFill/>
-              </a:ln>
-              <a:solidFill>
-                <a:schemeClr val="bg1"/>
-              </a:solidFill>
-              <a:effectLst/>
-              <a:latin typeface="微软雅黑" pitchFamily="34" charset="-122"/>
-              <a:ea typeface="微软雅黑" pitchFamily="34" charset="-122"/>
-            </a:endParaRPr>
-          </a:p>
-        </p:txBody>
-      </p:sp>
-      <p:sp>
-        <p:nvSpPr>
-          <p:cNvPr id="6" name="矩形 5"/>
-          <p:cNvSpPr/>
-          <p:nvPr/>
-        </p:nvSpPr>
-        <p:spPr bwMode="auto">
-          <a:xfrm>
-            <a:off x="1828800" y="0"/>
-            <a:ext cx="1828800" cy="483704"/>
-          </a:xfrm>
-          <a:prstGeom prst="rect">
-            <a:avLst/>
-          </a:prstGeom>
-          <a:solidFill>
-            <a:srgbClr val="FFC000">
-              <a:alpha val="90000"/>
-            </a:srgbClr>
-          </a:solidFill>
-          <a:ln w="9525" cap="flat" cmpd="sng" algn="ctr">
-            <a:noFill/>
-            <a:prstDash val="solid"/>
-            <a:round/>
-            <a:headEnd type="none" w="med" len="med"/>
-            <a:tailEnd type="none" w="med" len="med"/>
-          </a:ln>
-          <a:effectLst/>
-          <a:extLst/>
-        </p:spPr>
-        <p:txBody>
-          <a:bodyPr vert="horz" wrap="square" lIns="91440" tIns="45720" rIns="91440" bIns="45720" numCol="1" rtlCol="0" anchor="ctr" anchorCtr="0" compatLnSpc="1">
-            <a:prstTxWarp prst="textNoShape">
-              <a:avLst/>
-            </a:prstTxWarp>
-          </a:bodyPr>
-          <a:lstStyle/>
-          <a:p>
-            <a:pPr algn="ctr"/>
-            <a:r>
-              <a:rPr lang="zh-CN" altLang="en-US" sz="2000" b="1" dirty="0">
-                <a:solidFill>
-                  <a:schemeClr val="tx1">
-                    <a:lumMod val="75000"/>
-                    <a:lumOff val="25000"/>
-                  </a:schemeClr>
-                </a:solidFill>
-                <a:latin typeface="微软雅黑" pitchFamily="34" charset="-122"/>
-                <a:ea typeface="微软雅黑" pitchFamily="34" charset="-122"/>
-              </a:rPr>
-              <a:t>出版工作流</a:t>
-            </a:r>
-            <a:endParaRPr lang="zh-CN" altLang="en-US" sz="2000" b="1" dirty="0">
-              <a:solidFill>
-                <a:schemeClr val="tx1">
-                  <a:lumMod val="75000"/>
-                  <a:lumOff val="25000"/>
-                </a:schemeClr>
-              </a:solidFill>
-              <a:latin typeface="微软雅黑" pitchFamily="34" charset="-122"/>
-              <a:ea typeface="微软雅黑" pitchFamily="34" charset="-122"/>
-            </a:endParaRPr>
-          </a:p>
-        </p:txBody>
-      </p:sp>
-      <p:sp>
-        <p:nvSpPr>
-          <p:cNvPr id="7" name="矩形 6"/>
-          <p:cNvSpPr/>
-          <p:nvPr/>
-        </p:nvSpPr>
-        <p:spPr bwMode="auto">
-          <a:xfrm>
-            <a:off x="3657600" y="2"/>
-            <a:ext cx="1828800" cy="483704"/>
-          </a:xfrm>
-          <a:prstGeom prst="rect">
-            <a:avLst/>
-          </a:prstGeom>
-          <a:solidFill>
-            <a:srgbClr val="FFC000">
-              <a:alpha val="15000"/>
-            </a:srgbClr>
-          </a:solidFill>
-          <a:ln w="9525" cap="flat" cmpd="sng" algn="ctr">
-            <a:noFill/>
-            <a:prstDash val="solid"/>
-            <a:round/>
-            <a:headEnd type="none" w="med" len="med"/>
-            <a:tailEnd type="none" w="med" len="med"/>
-          </a:ln>
-          <a:effectLst/>
-          <a:extLst/>
-        </p:spPr>
-        <p:txBody>
-          <a:bodyPr vert="horz" wrap="square" lIns="91440" tIns="45720" rIns="91440" bIns="45720" numCol="1" rtlCol="0" anchor="ctr" anchorCtr="0" compatLnSpc="1">
-            <a:prstTxWarp prst="textNoShape">
-              <a:avLst/>
-            </a:prstTxWarp>
-          </a:bodyPr>
-          <a:lstStyle/>
-          <a:p>
-            <a:pPr marL="0" marR="0" indent="0" algn="ctr" defTabSz="685800" rtl="0" eaLnBrk="0" fontAlgn="base" latinLnBrk="0" hangingPunct="0">
-              <a:lnSpc>
-                <a:spcPct val="100000"/>
-              </a:lnSpc>
-              <a:spcBef>
-                <a:spcPct val="0"/>
-              </a:spcBef>
-              <a:spcAft>
-                <a:spcPct val="0"/>
-              </a:spcAft>
-              <a:buClrTx/>
-              <a:buSzTx/>
-              <a:buFont typeface="Arial" charset="0"/>
-              <a:buNone/>
-              <a:tabLst/>
-            </a:pPr>
-            <a:r>
-              <a:rPr kumimoji="0" lang="zh-CN" altLang="en-US" sz="2000" b="1" i="0" u="none" strike="noStrike" cap="none" normalizeH="0" baseline="0" dirty="0" smtClean="0">
-                <a:ln>
-                  <a:noFill/>
-                </a:ln>
-                <a:solidFill>
-                  <a:schemeClr val="bg1"/>
-                </a:solidFill>
-                <a:effectLst/>
-                <a:latin typeface="微软雅黑" pitchFamily="34" charset="-122"/>
-                <a:ea typeface="微软雅黑" pitchFamily="34" charset="-122"/>
-              </a:rPr>
-              <a:t>团队简介</a:t>
-            </a:r>
-            <a:endParaRPr kumimoji="0" lang="zh-CN" altLang="en-US" sz="2000" b="1" i="0" u="none" strike="noStrike" cap="none" normalizeH="0" baseline="0" dirty="0">
-              <a:ln>
-                <a:noFill/>
-              </a:ln>
-              <a:solidFill>
-                <a:schemeClr val="bg1"/>
-              </a:solidFill>
-              <a:effectLst/>
-              <a:latin typeface="微软雅黑" pitchFamily="34" charset="-122"/>
-              <a:ea typeface="微软雅黑" pitchFamily="34" charset="-122"/>
-            </a:endParaRPr>
-          </a:p>
-        </p:txBody>
-      </p:sp>
-      <p:sp>
-        <p:nvSpPr>
-          <p:cNvPr id="8" name="矩形 7"/>
-          <p:cNvSpPr/>
-          <p:nvPr/>
-        </p:nvSpPr>
-        <p:spPr bwMode="auto">
-          <a:xfrm>
-            <a:off x="5486400" y="1"/>
-            <a:ext cx="1828800" cy="483704"/>
-          </a:xfrm>
-          <a:prstGeom prst="rect">
-            <a:avLst/>
-          </a:prstGeom>
-          <a:solidFill>
-            <a:srgbClr val="FFC000">
-              <a:alpha val="15000"/>
-            </a:srgbClr>
-          </a:solidFill>
-          <a:ln w="9525" cap="flat" cmpd="sng" algn="ctr">
-            <a:noFill/>
-            <a:prstDash val="solid"/>
-            <a:round/>
-            <a:headEnd type="none" w="med" len="med"/>
-            <a:tailEnd type="none" w="med" len="med"/>
-          </a:ln>
-          <a:effectLst/>
-          <a:extLst/>
-        </p:spPr>
-        <p:txBody>
-          <a:bodyPr vert="horz" wrap="square" lIns="91440" tIns="45720" rIns="91440" bIns="45720" numCol="1" rtlCol="0" anchor="ctr" anchorCtr="0" compatLnSpc="1">
-            <a:prstTxWarp prst="textNoShape">
-              <a:avLst/>
-            </a:prstTxWarp>
-          </a:bodyPr>
-          <a:lstStyle/>
-          <a:p>
-            <a:pPr marL="0" marR="0" indent="0" algn="ctr" defTabSz="685800" rtl="0" eaLnBrk="0" fontAlgn="base" latinLnBrk="0" hangingPunct="0">
-              <a:lnSpc>
-                <a:spcPct val="100000"/>
-              </a:lnSpc>
-              <a:spcBef>
-                <a:spcPct val="0"/>
-              </a:spcBef>
-              <a:spcAft>
-                <a:spcPct val="0"/>
-              </a:spcAft>
-              <a:buClrTx/>
-              <a:buSzTx/>
-              <a:buFont typeface="Arial" charset="0"/>
-              <a:buNone/>
-              <a:tabLst/>
-            </a:pPr>
-            <a:r>
-              <a:rPr kumimoji="0" lang="zh-CN" altLang="en-US" sz="2000" b="1" i="0" u="none" strike="noStrike" cap="none" normalizeH="0" baseline="0" dirty="0" smtClean="0">
-                <a:ln>
-                  <a:noFill/>
-                </a:ln>
-                <a:solidFill>
-                  <a:schemeClr val="bg1"/>
-                </a:solidFill>
-                <a:effectLst/>
-                <a:latin typeface="微软雅黑" pitchFamily="34" charset="-122"/>
-                <a:ea typeface="微软雅黑" pitchFamily="34" charset="-122"/>
-              </a:rPr>
-              <a:t>组织架构</a:t>
-            </a:r>
-            <a:endParaRPr kumimoji="0" lang="zh-CN" altLang="en-US" sz="2000" b="1" i="0" u="none" strike="noStrike" cap="none" normalizeH="0" baseline="0" dirty="0">
-              <a:ln>
-                <a:noFill/>
-              </a:ln>
-              <a:solidFill>
-                <a:schemeClr val="bg1"/>
-              </a:solidFill>
-              <a:effectLst/>
-              <a:latin typeface="微软雅黑" pitchFamily="34" charset="-122"/>
-              <a:ea typeface="微软雅黑" pitchFamily="34" charset="-122"/>
-            </a:endParaRPr>
-          </a:p>
-        </p:txBody>
-      </p:sp>
-      <p:sp>
-        <p:nvSpPr>
-          <p:cNvPr id="9" name="矩形 8"/>
-          <p:cNvSpPr/>
-          <p:nvPr/>
-        </p:nvSpPr>
-        <p:spPr bwMode="auto">
-          <a:xfrm>
-            <a:off x="7315200" y="1"/>
-            <a:ext cx="1828800" cy="483704"/>
-          </a:xfrm>
-          <a:prstGeom prst="rect">
-            <a:avLst/>
-          </a:prstGeom>
-          <a:solidFill>
-            <a:srgbClr val="FFC000">
-              <a:alpha val="15000"/>
-            </a:srgbClr>
-          </a:solidFill>
-          <a:ln w="9525" cap="flat" cmpd="sng" algn="ctr">
-            <a:noFill/>
-            <a:prstDash val="solid"/>
-            <a:round/>
-            <a:headEnd type="none" w="med" len="med"/>
-            <a:tailEnd type="none" w="med" len="med"/>
-          </a:ln>
-          <a:effectLst/>
-          <a:extLst/>
-        </p:spPr>
-        <p:txBody>
-          <a:bodyPr vert="horz" wrap="square" lIns="91440" tIns="45720" rIns="91440" bIns="45720" numCol="1" rtlCol="0" anchor="ctr" anchorCtr="0" compatLnSpc="1">
-            <a:prstTxWarp prst="textNoShape">
-              <a:avLst/>
-            </a:prstTxWarp>
-          </a:bodyPr>
-          <a:lstStyle/>
-          <a:p>
-            <a:pPr marL="0" marR="0" indent="0" algn="ctr" defTabSz="685800" rtl="0" eaLnBrk="0" fontAlgn="base" latinLnBrk="0" hangingPunct="0">
-              <a:lnSpc>
-                <a:spcPct val="100000"/>
-              </a:lnSpc>
-              <a:spcBef>
-                <a:spcPct val="0"/>
-              </a:spcBef>
-              <a:spcAft>
-                <a:spcPct val="0"/>
-              </a:spcAft>
-              <a:buClrTx/>
-              <a:buSzTx/>
-              <a:buFont typeface="Arial" charset="0"/>
-              <a:buNone/>
-              <a:tabLst/>
-            </a:pPr>
-            <a:r>
-              <a:rPr kumimoji="0" lang="zh-CN" altLang="en-US" sz="2000" b="1" i="0" u="none" strike="noStrike" cap="none" normalizeH="0" baseline="0" dirty="0" smtClean="0">
-                <a:ln>
-                  <a:noFill/>
-                </a:ln>
-                <a:solidFill>
-                  <a:schemeClr val="bg1"/>
-                </a:solidFill>
-                <a:effectLst/>
-                <a:latin typeface="微软雅黑" pitchFamily="34" charset="-122"/>
-                <a:ea typeface="微软雅黑" pitchFamily="34" charset="-122"/>
-              </a:rPr>
-              <a:t>成员介绍</a:t>
-            </a:r>
-            <a:endParaRPr kumimoji="0" lang="zh-CN" altLang="en-US" sz="2000" b="1" i="0" u="none" strike="noStrike" cap="none" normalizeH="0" baseline="0" dirty="0">
-              <a:ln>
-                <a:noFill/>
-              </a:ln>
-              <a:solidFill>
-                <a:schemeClr val="bg1"/>
-              </a:solidFill>
-              <a:effectLst/>
-              <a:latin typeface="微软雅黑" pitchFamily="34" charset="-122"/>
-              <a:ea typeface="微软雅黑" pitchFamily="34" charset="-122"/>
-            </a:endParaRPr>
-          </a:p>
-        </p:txBody>
-      </p:sp>
-      <p:sp>
-        <p:nvSpPr>
-          <p:cNvPr id="10" name="矩形 9"/>
-          <p:cNvSpPr/>
-          <p:nvPr/>
-        </p:nvSpPr>
-        <p:spPr bwMode="auto">
-          <a:xfrm>
-            <a:off x="0" y="4659794"/>
-            <a:ext cx="1524000" cy="483704"/>
-          </a:xfrm>
-          <a:prstGeom prst="rect">
-            <a:avLst/>
-          </a:prstGeom>
-          <a:solidFill>
-            <a:srgbClr val="FFC000">
-              <a:alpha val="15000"/>
-            </a:srgbClr>
-          </a:solidFill>
-          <a:ln w="9525" cap="flat" cmpd="sng" algn="ctr">
-            <a:noFill/>
-            <a:prstDash val="solid"/>
-            <a:round/>
-            <a:headEnd type="none" w="med" len="med"/>
-            <a:tailEnd type="none" w="med" len="med"/>
-          </a:ln>
-          <a:effectLst/>
-          <a:extLst/>
-        </p:spPr>
-        <p:txBody>
-          <a:bodyPr vert="horz" wrap="square" lIns="91440" tIns="45720" rIns="91440" bIns="45720" numCol="1" rtlCol="0" anchor="ctr" anchorCtr="0" compatLnSpc="1">
-            <a:prstTxWarp prst="textNoShape">
-              <a:avLst/>
-            </a:prstTxWarp>
-          </a:bodyPr>
-          <a:lstStyle/>
-          <a:p>
-            <a:pPr marL="0" marR="0" indent="0" algn="ctr" defTabSz="685800" rtl="0" eaLnBrk="0" fontAlgn="base" latinLnBrk="0" hangingPunct="0">
-              <a:lnSpc>
-                <a:spcPct val="100000"/>
-              </a:lnSpc>
-              <a:spcBef>
-                <a:spcPct val="0"/>
-              </a:spcBef>
-              <a:spcAft>
-                <a:spcPct val="0"/>
-              </a:spcAft>
-              <a:buClrTx/>
-              <a:buSzTx/>
-              <a:buFont typeface="Arial" charset="0"/>
-              <a:buNone/>
-              <a:tabLst/>
-            </a:pPr>
-            <a:r>
-              <a:rPr kumimoji="0" lang="zh-CN" altLang="en-US" sz="2000" b="1" i="0" u="none" strike="noStrike" cap="none" normalizeH="0" baseline="0" dirty="0" smtClean="0">
-                <a:ln>
-                  <a:noFill/>
-                </a:ln>
-                <a:solidFill>
-                  <a:schemeClr val="bg1"/>
-                </a:solidFill>
-                <a:effectLst/>
-                <a:latin typeface="微软雅黑" pitchFamily="34" charset="-122"/>
-                <a:ea typeface="微软雅黑" pitchFamily="34" charset="-122"/>
-              </a:rPr>
-              <a:t>学习成果</a:t>
-            </a:r>
-            <a:endParaRPr kumimoji="0" lang="zh-CN" altLang="en-US" sz="2000" b="1" i="0" u="none" strike="noStrike" cap="none" normalizeH="0" baseline="0" dirty="0">
-              <a:ln>
-                <a:noFill/>
-              </a:ln>
-              <a:solidFill>
-                <a:schemeClr val="bg1"/>
-              </a:solidFill>
-              <a:effectLst/>
-              <a:latin typeface="微软雅黑" pitchFamily="34" charset="-122"/>
-              <a:ea typeface="微软雅黑" pitchFamily="34" charset="-122"/>
-            </a:endParaRPr>
-          </a:p>
-        </p:txBody>
-      </p:sp>
-      <p:sp>
-        <p:nvSpPr>
-          <p:cNvPr id="11" name="矩形 10"/>
-          <p:cNvSpPr/>
-          <p:nvPr/>
-        </p:nvSpPr>
-        <p:spPr bwMode="auto">
-          <a:xfrm>
-            <a:off x="1524000" y="4659796"/>
-            <a:ext cx="1851660" cy="483704"/>
-          </a:xfrm>
-          <a:prstGeom prst="rect">
-            <a:avLst/>
-          </a:prstGeom>
-          <a:solidFill>
-            <a:srgbClr val="FFC000">
-              <a:alpha val="15000"/>
-            </a:srgbClr>
-          </a:solidFill>
-          <a:ln w="9525" cap="flat" cmpd="sng" algn="ctr">
-            <a:noFill/>
-            <a:prstDash val="solid"/>
-            <a:round/>
-            <a:headEnd type="none" w="med" len="med"/>
-            <a:tailEnd type="none" w="med" len="med"/>
-          </a:ln>
-          <a:effectLst/>
-          <a:extLst/>
-        </p:spPr>
-        <p:txBody>
-          <a:bodyPr vert="horz" wrap="square" lIns="91440" tIns="45720" rIns="91440" bIns="45720" numCol="1" rtlCol="0" anchor="ctr" anchorCtr="0" compatLnSpc="1">
-            <a:prstTxWarp prst="textNoShape">
-              <a:avLst/>
-            </a:prstTxWarp>
-          </a:bodyPr>
-          <a:lstStyle/>
-          <a:p>
-            <a:pPr marL="0" marR="0" indent="0" algn="ctr" defTabSz="685800" rtl="0" eaLnBrk="0" fontAlgn="base" latinLnBrk="0" hangingPunct="0">
-              <a:lnSpc>
-                <a:spcPct val="100000"/>
-              </a:lnSpc>
-              <a:spcBef>
-                <a:spcPct val="0"/>
-              </a:spcBef>
-              <a:spcAft>
-                <a:spcPct val="0"/>
-              </a:spcAft>
-              <a:buClrTx/>
-              <a:buSzTx/>
-              <a:buFont typeface="Arial" charset="0"/>
-              <a:buNone/>
-              <a:tabLst/>
-            </a:pPr>
-            <a:r>
-              <a:rPr kumimoji="0" lang="zh-CN" altLang="en-US" sz="2000" b="1" i="0" u="none" strike="noStrike" cap="none" normalizeH="0" baseline="0" dirty="0" smtClean="0">
-                <a:ln>
-                  <a:noFill/>
-                </a:ln>
-                <a:solidFill>
-                  <a:schemeClr val="bg1"/>
-                </a:solidFill>
-                <a:effectLst/>
-                <a:latin typeface="微软雅黑" pitchFamily="34" charset="-122"/>
-                <a:ea typeface="微软雅黑" pitchFamily="34" charset="-122"/>
-              </a:rPr>
-              <a:t>小组课程输出</a:t>
-            </a:r>
-            <a:endParaRPr kumimoji="0" lang="zh-CN" altLang="en-US" sz="2000" b="1" i="0" u="none" strike="noStrike" cap="none" normalizeH="0" baseline="0" dirty="0">
-              <a:ln>
-                <a:noFill/>
-              </a:ln>
-              <a:solidFill>
-                <a:schemeClr val="bg1"/>
-              </a:solidFill>
-              <a:effectLst/>
-              <a:latin typeface="微软雅黑" pitchFamily="34" charset="-122"/>
-              <a:ea typeface="微软雅黑" pitchFamily="34" charset="-122"/>
-            </a:endParaRPr>
-          </a:p>
-        </p:txBody>
-      </p:sp>
-      <p:sp>
-        <p:nvSpPr>
-          <p:cNvPr id="12" name="矩形 11"/>
-          <p:cNvSpPr/>
-          <p:nvPr/>
-        </p:nvSpPr>
-        <p:spPr bwMode="auto">
-          <a:xfrm>
-            <a:off x="3375660" y="4659795"/>
-            <a:ext cx="1767840" cy="483704"/>
-          </a:xfrm>
-          <a:prstGeom prst="rect">
-            <a:avLst/>
-          </a:prstGeom>
-          <a:solidFill>
-            <a:srgbClr val="FFC000">
-              <a:alpha val="15000"/>
-            </a:srgbClr>
-          </a:solidFill>
-          <a:ln w="9525" cap="flat" cmpd="sng" algn="ctr">
-            <a:noFill/>
-            <a:prstDash val="solid"/>
-            <a:round/>
-            <a:headEnd type="none" w="med" len="med"/>
-            <a:tailEnd type="none" w="med" len="med"/>
-          </a:ln>
-          <a:effectLst/>
-          <a:extLst/>
-        </p:spPr>
-        <p:txBody>
-          <a:bodyPr vert="horz" wrap="square" lIns="91440" tIns="45720" rIns="91440" bIns="45720" numCol="1" rtlCol="0" anchor="ctr" anchorCtr="0" compatLnSpc="1">
-            <a:prstTxWarp prst="textNoShape">
-              <a:avLst/>
-            </a:prstTxWarp>
-          </a:bodyPr>
-          <a:lstStyle/>
-          <a:p>
-            <a:pPr marL="0" marR="0" indent="0" algn="ctr" defTabSz="685800" rtl="0" eaLnBrk="0" fontAlgn="base" latinLnBrk="0" hangingPunct="0">
-              <a:lnSpc>
-                <a:spcPct val="100000"/>
-              </a:lnSpc>
-              <a:spcBef>
-                <a:spcPct val="0"/>
-              </a:spcBef>
-              <a:spcAft>
-                <a:spcPct val="0"/>
-              </a:spcAft>
-              <a:buClrTx/>
-              <a:buSzTx/>
-              <a:buFont typeface="Arial" charset="0"/>
-              <a:buNone/>
-              <a:tabLst/>
-            </a:pPr>
-            <a:r>
-              <a:rPr kumimoji="0" lang="zh-CN" altLang="en-US" sz="2000" b="1" i="0" u="none" strike="noStrike" cap="none" normalizeH="0" baseline="0" dirty="0" smtClean="0">
-                <a:ln>
-                  <a:noFill/>
-                </a:ln>
-                <a:solidFill>
-                  <a:schemeClr val="bg1"/>
-                </a:solidFill>
-                <a:effectLst/>
-                <a:latin typeface="微软雅黑" pitchFamily="34" charset="-122"/>
-                <a:ea typeface="微软雅黑" pitchFamily="34" charset="-122"/>
-              </a:rPr>
-              <a:t>个人学习报告</a:t>
-            </a:r>
-            <a:endParaRPr kumimoji="0" lang="zh-CN" altLang="en-US" sz="2000" b="1" i="0" u="none" strike="noStrike" cap="none" normalizeH="0" baseline="0" dirty="0">
-              <a:ln>
-                <a:noFill/>
-              </a:ln>
-              <a:solidFill>
-                <a:schemeClr val="bg1"/>
-              </a:solidFill>
-              <a:effectLst/>
-              <a:latin typeface="微软雅黑" pitchFamily="34" charset="-122"/>
-              <a:ea typeface="微软雅黑" pitchFamily="34" charset="-122"/>
-            </a:endParaRPr>
-          </a:p>
-        </p:txBody>
-      </p:sp>
-      <p:sp>
-        <p:nvSpPr>
-          <p:cNvPr id="14" name="矩形 13"/>
-          <p:cNvSpPr/>
-          <p:nvPr/>
-        </p:nvSpPr>
-        <p:spPr bwMode="auto">
-          <a:xfrm>
-            <a:off x="5143500" y="4652174"/>
-            <a:ext cx="1409700" cy="483704"/>
-          </a:xfrm>
-          <a:prstGeom prst="rect">
-            <a:avLst/>
-          </a:prstGeom>
-          <a:solidFill>
-            <a:srgbClr val="FFC000">
-              <a:alpha val="15000"/>
-            </a:srgbClr>
-          </a:solidFill>
-          <a:ln w="9525" cap="flat" cmpd="sng" algn="ctr">
-            <a:noFill/>
-            <a:prstDash val="solid"/>
-            <a:round/>
-            <a:headEnd type="none" w="med" len="med"/>
-            <a:tailEnd type="none" w="med" len="med"/>
-          </a:ln>
-          <a:effectLst/>
-          <a:extLst/>
-        </p:spPr>
-        <p:txBody>
-          <a:bodyPr vert="horz" wrap="square" lIns="91440" tIns="45720" rIns="91440" bIns="45720" numCol="1" rtlCol="0" anchor="ctr" anchorCtr="0" compatLnSpc="1">
-            <a:prstTxWarp prst="textNoShape">
-              <a:avLst/>
-            </a:prstTxWarp>
-          </a:bodyPr>
-          <a:lstStyle/>
-          <a:p>
-            <a:pPr marL="0" marR="0" indent="0" algn="ctr" defTabSz="685800" rtl="0" eaLnBrk="0" fontAlgn="base" latinLnBrk="0" hangingPunct="0">
-              <a:lnSpc>
-                <a:spcPct val="100000"/>
-              </a:lnSpc>
-              <a:spcBef>
-                <a:spcPct val="0"/>
-              </a:spcBef>
-              <a:spcAft>
-                <a:spcPct val="0"/>
-              </a:spcAft>
-              <a:buClrTx/>
-              <a:buSzTx/>
-              <a:buFont typeface="Arial" charset="0"/>
-              <a:buNone/>
-              <a:tabLst/>
-            </a:pPr>
-            <a:r>
-              <a:rPr kumimoji="0" lang="zh-CN" altLang="en-US" sz="2000" b="1" i="0" u="none" strike="noStrike" cap="none" normalizeH="0" baseline="0" dirty="0" smtClean="0">
-                <a:ln>
-                  <a:noFill/>
-                </a:ln>
-                <a:solidFill>
-                  <a:schemeClr val="bg1"/>
-                </a:solidFill>
-                <a:effectLst/>
-                <a:latin typeface="微软雅黑" pitchFamily="34" charset="-122"/>
-                <a:ea typeface="微软雅黑" pitchFamily="34" charset="-122"/>
-              </a:rPr>
-              <a:t>会议记录</a:t>
-            </a:r>
-            <a:endParaRPr kumimoji="0" lang="zh-CN" altLang="en-US" sz="2000" b="1" i="0" u="none" strike="noStrike" cap="none" normalizeH="0" baseline="0" dirty="0">
-              <a:ln>
-                <a:noFill/>
-              </a:ln>
-              <a:solidFill>
-                <a:schemeClr val="bg1"/>
-              </a:solidFill>
-              <a:effectLst/>
-              <a:latin typeface="微软雅黑" pitchFamily="34" charset="-122"/>
-              <a:ea typeface="微软雅黑" pitchFamily="34" charset="-122"/>
-            </a:endParaRPr>
-          </a:p>
-        </p:txBody>
-      </p:sp>
-      <p:sp>
-        <p:nvSpPr>
-          <p:cNvPr id="15" name="矩形 14"/>
-          <p:cNvSpPr/>
-          <p:nvPr/>
-        </p:nvSpPr>
-        <p:spPr bwMode="auto">
-          <a:xfrm>
-            <a:off x="6553200" y="4652173"/>
-            <a:ext cx="1447800" cy="483704"/>
-          </a:xfrm>
-          <a:prstGeom prst="rect">
-            <a:avLst/>
-          </a:prstGeom>
-          <a:solidFill>
-            <a:srgbClr val="FFC000">
-              <a:alpha val="15000"/>
-            </a:srgbClr>
-          </a:solidFill>
-          <a:ln w="9525" cap="flat" cmpd="sng" algn="ctr">
-            <a:noFill/>
-            <a:prstDash val="solid"/>
-            <a:round/>
-            <a:headEnd type="none" w="med" len="med"/>
-            <a:tailEnd type="none" w="med" len="med"/>
-          </a:ln>
-          <a:effectLst/>
-          <a:extLst/>
-        </p:spPr>
-        <p:txBody>
-          <a:bodyPr vert="horz" wrap="square" lIns="91440" tIns="45720" rIns="91440" bIns="45720" numCol="1" rtlCol="0" anchor="ctr" anchorCtr="0" compatLnSpc="1">
-            <a:prstTxWarp prst="textNoShape">
-              <a:avLst/>
-            </a:prstTxWarp>
-          </a:bodyPr>
-          <a:lstStyle/>
-          <a:p>
-            <a:pPr marL="0" marR="0" indent="0" algn="ctr" defTabSz="685800" rtl="0" eaLnBrk="0" fontAlgn="base" latinLnBrk="0" hangingPunct="0">
-              <a:lnSpc>
-                <a:spcPct val="100000"/>
-              </a:lnSpc>
-              <a:spcBef>
-                <a:spcPct val="0"/>
-              </a:spcBef>
-              <a:spcAft>
-                <a:spcPct val="0"/>
-              </a:spcAft>
-              <a:buClrTx/>
-              <a:buSzTx/>
-              <a:buFont typeface="Arial" charset="0"/>
-              <a:buNone/>
-              <a:tabLst/>
-            </a:pPr>
-            <a:r>
-              <a:rPr kumimoji="0" lang="zh-CN" altLang="en-US" sz="2000" b="1" i="0" u="none" strike="noStrike" cap="none" normalizeH="0" baseline="0" dirty="0" smtClean="0">
-                <a:ln>
-                  <a:noFill/>
-                </a:ln>
-                <a:solidFill>
-                  <a:schemeClr val="bg1"/>
-                </a:solidFill>
-                <a:effectLst/>
-                <a:latin typeface="微软雅黑" pitchFamily="34" charset="-122"/>
-                <a:ea typeface="微软雅黑" pitchFamily="34" charset="-122"/>
-              </a:rPr>
-              <a:t>资料共享</a:t>
-            </a:r>
-            <a:endParaRPr kumimoji="0" lang="zh-CN" altLang="en-US" sz="2000" b="1" i="0" u="none" strike="noStrike" cap="none" normalizeH="0" baseline="0" dirty="0">
-              <a:ln>
-                <a:noFill/>
-              </a:ln>
-              <a:solidFill>
-                <a:schemeClr val="bg1"/>
-              </a:solidFill>
-              <a:effectLst/>
-              <a:latin typeface="微软雅黑" pitchFamily="34" charset="-122"/>
-              <a:ea typeface="微软雅黑" pitchFamily="34" charset="-122"/>
-            </a:endParaRPr>
-          </a:p>
-        </p:txBody>
-      </p:sp>
-      <p:sp>
-        <p:nvSpPr>
-          <p:cNvPr id="19" name="矩形 18"/>
-          <p:cNvSpPr/>
-          <p:nvPr/>
-        </p:nvSpPr>
-        <p:spPr bwMode="auto">
-          <a:xfrm>
-            <a:off x="8001000" y="4659796"/>
-            <a:ext cx="1143000" cy="483704"/>
-          </a:xfrm>
-          <a:prstGeom prst="rect">
-            <a:avLst/>
-          </a:prstGeom>
-          <a:solidFill>
-            <a:srgbClr val="FFC000">
-              <a:alpha val="15000"/>
-            </a:srgbClr>
-          </a:solidFill>
-          <a:ln w="9525" cap="flat" cmpd="sng" algn="ctr">
-            <a:noFill/>
-            <a:prstDash val="solid"/>
-            <a:round/>
-            <a:headEnd type="none" w="med" len="med"/>
-            <a:tailEnd type="none" w="med" len="med"/>
-          </a:ln>
-          <a:effectLst/>
-          <a:extLst/>
-        </p:spPr>
-        <p:txBody>
-          <a:bodyPr vert="horz" wrap="square" lIns="91440" tIns="45720" rIns="91440" bIns="45720" numCol="1" rtlCol="0" anchor="ctr" anchorCtr="0" compatLnSpc="1">
-            <a:prstTxWarp prst="textNoShape">
-              <a:avLst/>
-            </a:prstTxWarp>
-          </a:bodyPr>
-          <a:lstStyle/>
-          <a:p>
-            <a:pPr marL="0" marR="0" indent="0" algn="ctr" defTabSz="685800" rtl="0" eaLnBrk="0" fontAlgn="base" latinLnBrk="0" hangingPunct="0">
-              <a:lnSpc>
-                <a:spcPct val="100000"/>
-              </a:lnSpc>
-              <a:spcBef>
-                <a:spcPct val="0"/>
-              </a:spcBef>
-              <a:spcAft>
-                <a:spcPct val="0"/>
-              </a:spcAft>
-              <a:buClrTx/>
-              <a:buSzTx/>
-              <a:buFont typeface="Arial" charset="0"/>
-              <a:buNone/>
-              <a:tabLst/>
-            </a:pPr>
-            <a:r>
-              <a:rPr kumimoji="0" lang="zh-CN" altLang="en-US" sz="2000" b="1" i="0" u="none" strike="noStrike" cap="none" normalizeH="0" baseline="0" dirty="0" smtClean="0">
-                <a:ln>
-                  <a:noFill/>
-                </a:ln>
-                <a:solidFill>
-                  <a:schemeClr val="bg1"/>
-                </a:solidFill>
-                <a:effectLst/>
-                <a:latin typeface="微软雅黑" pitchFamily="34" charset="-122"/>
-                <a:ea typeface="微软雅黑" pitchFamily="34" charset="-122"/>
-              </a:rPr>
-              <a:t>其他</a:t>
-            </a:r>
-            <a:endParaRPr kumimoji="0" lang="zh-CN" altLang="en-US" sz="2000" b="1" i="0" u="none" strike="noStrike" cap="none" normalizeH="0" baseline="0" dirty="0">
-              <a:ln>
-                <a:noFill/>
-              </a:ln>
-              <a:solidFill>
-                <a:schemeClr val="bg1"/>
-              </a:solidFill>
-              <a:effectLst/>
-              <a:latin typeface="微软雅黑" pitchFamily="34" charset="-122"/>
-              <a:ea typeface="微软雅黑" pitchFamily="34" charset="-122"/>
-            </a:endParaRPr>
-          </a:p>
-        </p:txBody>
-      </p:sp>
-    </p:spTree>
-    <p:extLst>
-      <p:ext uri="{BB962C8B-B14F-4D97-AF65-F5344CB8AC3E}">
-        <p14:creationId xmlns:p14="http://schemas.microsoft.com/office/powerpoint/2010/main" val="1683918710"/>
       </p:ext>
     </p:extLst>
   </p:cSld>
@@ -10399,6 +14374,60 @@
           </a:prstGeom>
           <a:solidFill>
             <a:srgbClr val="FFC000">
+              <a:alpha val="90000"/>
+            </a:srgbClr>
+          </a:solidFill>
+          <a:ln w="9525" cap="flat" cmpd="sng" algn="ctr">
+            <a:noFill/>
+            <a:prstDash val="solid"/>
+            <a:round/>
+            <a:headEnd type="none" w="med" len="med"/>
+            <a:tailEnd type="none" w="med" len="med"/>
+          </a:ln>
+          <a:effectLst/>
+          <a:extLst/>
+        </p:spPr>
+        <p:txBody>
+          <a:bodyPr vert="horz" wrap="square" lIns="91440" tIns="45720" rIns="91440" bIns="45720" numCol="1" rtlCol="0" anchor="ctr" anchorCtr="0" compatLnSpc="1">
+            <a:prstTxWarp prst="textNoShape">
+              <a:avLst/>
+            </a:prstTxWarp>
+          </a:bodyPr>
+          <a:lstStyle/>
+          <a:p>
+            <a:pPr algn="ctr"/>
+            <a:r>
+              <a:rPr lang="zh-CN" altLang="en-US" sz="2000" b="1" dirty="0">
+                <a:solidFill>
+                  <a:schemeClr val="tx1">
+                    <a:lumMod val="75000"/>
+                    <a:lumOff val="25000"/>
+                  </a:schemeClr>
+                </a:solidFill>
+                <a:latin typeface="微软雅黑" pitchFamily="34" charset="-122"/>
+                <a:ea typeface="微软雅黑" pitchFamily="34" charset="-122"/>
+              </a:rPr>
+              <a:t>出版工作流</a:t>
+            </a:r>
+          </a:p>
+        </p:txBody>
+      </p:sp>
+      <p:sp>
+        <p:nvSpPr>
+          <p:cNvPr id="7" name="矩形 6"/>
+          <p:cNvSpPr/>
+          <p:nvPr/>
+        </p:nvSpPr>
+        <p:spPr bwMode="auto">
+          <a:xfrm>
+            <a:off x="3657600" y="2"/>
+            <a:ext cx="1828800" cy="483704"/>
+          </a:xfrm>
+          <a:prstGeom prst="rect">
+            <a:avLst/>
+          </a:prstGeom>
+          <a:solidFill>
+            <a:srgbClr val="FFC000">
               <a:alpha val="15000"/>
             </a:srgbClr>
           </a:solidFill>
@@ -10448,7 +14477,7 @@
                 <a:latin typeface="微软雅黑" pitchFamily="34" charset="-122"/>
                 <a:ea typeface="微软雅黑" pitchFamily="34" charset="-122"/>
               </a:rPr>
-              <a:t>出版工作流</a:t>
+              <a:t>团队简介</a:t>
             </a:r>
             <a:endParaRPr kumimoji="0" lang="zh-CN" altLang="en-US" sz="2000" b="1" i="0" u="none" strike="noStrike" cap="none" normalizeH="0" baseline="0" dirty="0">
               <a:ln>
@@ -10458,70 +14487,6 @@
                 <a:schemeClr val="bg1"/>
               </a:solidFill>
               <a:effectLst/>
-              <a:latin typeface="微软雅黑" pitchFamily="34" charset="-122"/>
-              <a:ea typeface="微软雅黑" pitchFamily="34" charset="-122"/>
-            </a:endParaRPr>
-          </a:p>
-        </p:txBody>
-      </p:sp>
-      <p:sp>
-        <p:nvSpPr>
-          <p:cNvPr id="7" name="矩形 6"/>
-          <p:cNvSpPr/>
-          <p:nvPr/>
-        </p:nvSpPr>
-        <p:spPr bwMode="auto">
-          <a:xfrm>
-            <a:off x="3657600" y="2"/>
-            <a:ext cx="1828800" cy="483704"/>
-          </a:xfrm>
-          <a:prstGeom prst="rect">
-            <a:avLst/>
-          </a:prstGeom>
-          <a:solidFill>
-            <a:srgbClr val="FFC000">
-              <a:alpha val="90000"/>
-            </a:srgbClr>
-          </a:solidFill>
-          <a:ln w="9525" cap="flat" cmpd="sng" algn="ctr">
-            <a:noFill/>
-            <a:prstDash val="solid"/>
-            <a:round/>
-            <a:headEnd type="none" w="med" len="med"/>
-            <a:tailEnd type="none" w="med" len="med"/>
-          </a:ln>
-          <a:effectLst/>
-          <a:extLst/>
-        </p:spPr>
-        <p:txBody>
-          <a:bodyPr vert="horz" wrap="square" lIns="91440" tIns="45720" rIns="91440" bIns="45720" numCol="1" rtlCol="0" anchor="ctr" anchorCtr="0" compatLnSpc="1">
-            <a:prstTxWarp prst="textNoShape">
-              <a:avLst/>
-            </a:prstTxWarp>
-          </a:bodyPr>
-          <a:lstStyle/>
-          <a:p>
-            <a:pPr algn="ctr"/>
-            <a:r>
-              <a:rPr lang="zh-CN" altLang="en-US" sz="2000" b="1" dirty="0">
-                <a:solidFill>
-                  <a:schemeClr val="tx1">
-                    <a:lumMod val="75000"/>
-                    <a:lumOff val="25000"/>
-                  </a:schemeClr>
-                </a:solidFill>
-                <a:latin typeface="微软雅黑" pitchFamily="34" charset="-122"/>
-                <a:ea typeface="微软雅黑" pitchFamily="34" charset="-122"/>
-              </a:rPr>
-              <a:t>团队简介</a:t>
-            </a:r>
-            <a:endParaRPr lang="zh-CN" altLang="en-US" sz="2000" b="1" dirty="0">
-              <a:solidFill>
-                <a:schemeClr val="tx1">
-                  <a:lumMod val="75000"/>
-                  <a:lumOff val="25000"/>
-                </a:schemeClr>
-              </a:solidFill>
               <a:latin typeface="微软雅黑" pitchFamily="34" charset="-122"/>
               <a:ea typeface="微软雅黑" pitchFamily="34" charset="-122"/>
             </a:endParaRPr>
@@ -11387,6 +15352,60 @@
           </a:prstGeom>
           <a:solidFill>
             <a:srgbClr val="FFC000">
+              <a:alpha val="90000"/>
+            </a:srgbClr>
+          </a:solidFill>
+          <a:ln w="9525" cap="flat" cmpd="sng" algn="ctr">
+            <a:noFill/>
+            <a:prstDash val="solid"/>
+            <a:round/>
+            <a:headEnd type="none" w="med" len="med"/>
+            <a:tailEnd type="none" w="med" len="med"/>
+          </a:ln>
+          <a:effectLst/>
+          <a:extLst/>
+        </p:spPr>
+        <p:txBody>
+          <a:bodyPr vert="horz" wrap="square" lIns="91440" tIns="45720" rIns="91440" bIns="45720" numCol="1" rtlCol="0" anchor="ctr" anchorCtr="0" compatLnSpc="1">
+            <a:prstTxWarp prst="textNoShape">
+              <a:avLst/>
+            </a:prstTxWarp>
+          </a:bodyPr>
+          <a:lstStyle/>
+          <a:p>
+            <a:pPr algn="ctr"/>
+            <a:r>
+              <a:rPr lang="zh-CN" altLang="en-US" sz="2000" b="1" dirty="0">
+                <a:solidFill>
+                  <a:schemeClr val="tx1">
+                    <a:lumMod val="75000"/>
+                    <a:lumOff val="25000"/>
+                  </a:schemeClr>
+                </a:solidFill>
+                <a:latin typeface="微软雅黑" pitchFamily="34" charset="-122"/>
+                <a:ea typeface="微软雅黑" pitchFamily="34" charset="-122"/>
+              </a:rPr>
+              <a:t>团队简介</a:t>
+            </a:r>
+          </a:p>
+        </p:txBody>
+      </p:sp>
+      <p:sp>
+        <p:nvSpPr>
+          <p:cNvPr id="8" name="矩形 7"/>
+          <p:cNvSpPr/>
+          <p:nvPr/>
+        </p:nvSpPr>
+        <p:spPr bwMode="auto">
+          <a:xfrm>
+            <a:off x="5486400" y="1"/>
+            <a:ext cx="1828800" cy="483704"/>
+          </a:xfrm>
+          <a:prstGeom prst="rect">
+            <a:avLst/>
+          </a:prstGeom>
+          <a:solidFill>
+            <a:srgbClr val="FFC000">
               <a:alpha val="15000"/>
             </a:srgbClr>
           </a:solidFill>
@@ -11436,7 +15455,7 @@
                 <a:latin typeface="微软雅黑" pitchFamily="34" charset="-122"/>
                 <a:ea typeface="微软雅黑" pitchFamily="34" charset="-122"/>
               </a:rPr>
-              <a:t>团队简介</a:t>
+              <a:t>组织架构</a:t>
             </a:r>
             <a:endParaRPr kumimoji="0" lang="zh-CN" altLang="en-US" sz="2000" b="1" i="0" u="none" strike="noStrike" cap="none" normalizeH="0" baseline="0" dirty="0">
               <a:ln>
@@ -11446,70 +15465,6 @@
                 <a:schemeClr val="bg1"/>
               </a:solidFill>
               <a:effectLst/>
-              <a:latin typeface="微软雅黑" pitchFamily="34" charset="-122"/>
-              <a:ea typeface="微软雅黑" pitchFamily="34" charset="-122"/>
-            </a:endParaRPr>
-          </a:p>
-        </p:txBody>
-      </p:sp>
-      <p:sp>
-        <p:nvSpPr>
-          <p:cNvPr id="8" name="矩形 7"/>
-          <p:cNvSpPr/>
-          <p:nvPr/>
-        </p:nvSpPr>
-        <p:spPr bwMode="auto">
-          <a:xfrm>
-            <a:off x="5486400" y="1"/>
-            <a:ext cx="1828800" cy="483704"/>
-          </a:xfrm>
-          <a:prstGeom prst="rect">
-            <a:avLst/>
-          </a:prstGeom>
-          <a:solidFill>
-            <a:srgbClr val="FFC000">
-              <a:alpha val="90000"/>
-            </a:srgbClr>
-          </a:solidFill>
-          <a:ln w="9525" cap="flat" cmpd="sng" algn="ctr">
-            <a:noFill/>
-            <a:prstDash val="solid"/>
-            <a:round/>
-            <a:headEnd type="none" w="med" len="med"/>
-            <a:tailEnd type="none" w="med" len="med"/>
-          </a:ln>
-          <a:effectLst/>
-          <a:extLst/>
-        </p:spPr>
-        <p:txBody>
-          <a:bodyPr vert="horz" wrap="square" lIns="91440" tIns="45720" rIns="91440" bIns="45720" numCol="1" rtlCol="0" anchor="ctr" anchorCtr="0" compatLnSpc="1">
-            <a:prstTxWarp prst="textNoShape">
-              <a:avLst/>
-            </a:prstTxWarp>
-          </a:bodyPr>
-          <a:lstStyle/>
-          <a:p>
-            <a:pPr algn="ctr"/>
-            <a:r>
-              <a:rPr lang="zh-CN" altLang="en-US" sz="2000" b="1" dirty="0">
-                <a:solidFill>
-                  <a:schemeClr val="tx1">
-                    <a:lumMod val="75000"/>
-                    <a:lumOff val="25000"/>
-                  </a:schemeClr>
-                </a:solidFill>
-                <a:latin typeface="微软雅黑" pitchFamily="34" charset="-122"/>
-                <a:ea typeface="微软雅黑" pitchFamily="34" charset="-122"/>
-              </a:rPr>
-              <a:t>组织架构</a:t>
-            </a:r>
-            <a:endParaRPr lang="zh-CN" altLang="en-US" sz="2000" b="1" dirty="0">
-              <a:solidFill>
-                <a:schemeClr val="tx1">
-                  <a:lumMod val="75000"/>
-                  <a:lumOff val="25000"/>
-                </a:schemeClr>
-              </a:solidFill>
               <a:latin typeface="微软雅黑" pitchFamily="34" charset="-122"/>
               <a:ea typeface="微软雅黑" pitchFamily="34" charset="-122"/>
             </a:endParaRPr>
@@ -12375,6 +16330,60 @@
           </a:prstGeom>
           <a:solidFill>
             <a:srgbClr val="FFC000">
+              <a:alpha val="90000"/>
+            </a:srgbClr>
+          </a:solidFill>
+          <a:ln w="9525" cap="flat" cmpd="sng" algn="ctr">
+            <a:noFill/>
+            <a:prstDash val="solid"/>
+            <a:round/>
+            <a:headEnd type="none" w="med" len="med"/>
+            <a:tailEnd type="none" w="med" len="med"/>
+          </a:ln>
+          <a:effectLst/>
+          <a:extLst/>
+        </p:spPr>
+        <p:txBody>
+          <a:bodyPr vert="horz" wrap="square" lIns="91440" tIns="45720" rIns="91440" bIns="45720" numCol="1" rtlCol="0" anchor="ctr" anchorCtr="0" compatLnSpc="1">
+            <a:prstTxWarp prst="textNoShape">
+              <a:avLst/>
+            </a:prstTxWarp>
+          </a:bodyPr>
+          <a:lstStyle/>
+          <a:p>
+            <a:pPr algn="ctr"/>
+            <a:r>
+              <a:rPr lang="zh-CN" altLang="en-US" sz="2000" b="1" dirty="0">
+                <a:solidFill>
+                  <a:schemeClr val="tx1">
+                    <a:lumMod val="75000"/>
+                    <a:lumOff val="25000"/>
+                  </a:schemeClr>
+                </a:solidFill>
+                <a:latin typeface="微软雅黑" pitchFamily="34" charset="-122"/>
+                <a:ea typeface="微软雅黑" pitchFamily="34" charset="-122"/>
+              </a:rPr>
+              <a:t>组织架构</a:t>
+            </a:r>
+          </a:p>
+        </p:txBody>
+      </p:sp>
+      <p:sp>
+        <p:nvSpPr>
+          <p:cNvPr id="9" name="矩形 8"/>
+          <p:cNvSpPr/>
+          <p:nvPr/>
+        </p:nvSpPr>
+        <p:spPr bwMode="auto">
+          <a:xfrm>
+            <a:off x="7315200" y="1"/>
+            <a:ext cx="1828800" cy="483704"/>
+          </a:xfrm>
+          <a:prstGeom prst="rect">
+            <a:avLst/>
+          </a:prstGeom>
+          <a:solidFill>
+            <a:srgbClr val="FFC000">
               <a:alpha val="15000"/>
             </a:srgbClr>
           </a:solidFill>
@@ -12424,7 +16433,7 @@
                 <a:latin typeface="微软雅黑" pitchFamily="34" charset="-122"/>
                 <a:ea typeface="微软雅黑" pitchFamily="34" charset="-122"/>
               </a:rPr>
-              <a:t>组织架构</a:t>
+              <a:t>成员介绍</a:t>
             </a:r>
             <a:endParaRPr kumimoji="0" lang="zh-CN" altLang="en-US" sz="2000" b="1" i="0" u="none" strike="noStrike" cap="none" normalizeH="0" baseline="0" dirty="0">
               <a:ln>
@@ -12434,70 +16443,6 @@
                 <a:schemeClr val="bg1"/>
               </a:solidFill>
               <a:effectLst/>
-              <a:latin typeface="微软雅黑" pitchFamily="34" charset="-122"/>
-              <a:ea typeface="微软雅黑" pitchFamily="34" charset="-122"/>
-            </a:endParaRPr>
-          </a:p>
-        </p:txBody>
-      </p:sp>
-      <p:sp>
-        <p:nvSpPr>
-          <p:cNvPr id="9" name="矩形 8"/>
-          <p:cNvSpPr/>
-          <p:nvPr/>
-        </p:nvSpPr>
-        <p:spPr bwMode="auto">
-          <a:xfrm>
-            <a:off x="7315200" y="1"/>
-            <a:ext cx="1828800" cy="483704"/>
-          </a:xfrm>
-          <a:prstGeom prst="rect">
-            <a:avLst/>
-          </a:prstGeom>
-          <a:solidFill>
-            <a:srgbClr val="FFC000">
-              <a:alpha val="90000"/>
-            </a:srgbClr>
-          </a:solidFill>
-          <a:ln w="9525" cap="flat" cmpd="sng" algn="ctr">
-            <a:noFill/>
-            <a:prstDash val="solid"/>
-            <a:round/>
-            <a:headEnd type="none" w="med" len="med"/>
-            <a:tailEnd type="none" w="med" len="med"/>
-          </a:ln>
-          <a:effectLst/>
-          <a:extLst/>
-        </p:spPr>
-        <p:txBody>
-          <a:bodyPr vert="horz" wrap="square" lIns="91440" tIns="45720" rIns="91440" bIns="45720" numCol="1" rtlCol="0" anchor="ctr" anchorCtr="0" compatLnSpc="1">
-            <a:prstTxWarp prst="textNoShape">
-              <a:avLst/>
-            </a:prstTxWarp>
-          </a:bodyPr>
-          <a:lstStyle/>
-          <a:p>
-            <a:pPr algn="ctr"/>
-            <a:r>
-              <a:rPr lang="zh-CN" altLang="en-US" sz="2000" b="1" dirty="0">
-                <a:solidFill>
-                  <a:schemeClr val="tx1">
-                    <a:lumMod val="75000"/>
-                    <a:lumOff val="25000"/>
-                  </a:schemeClr>
-                </a:solidFill>
-                <a:latin typeface="微软雅黑" pitchFamily="34" charset="-122"/>
-                <a:ea typeface="微软雅黑" pitchFamily="34" charset="-122"/>
-              </a:rPr>
-              <a:t>成员介绍</a:t>
-            </a:r>
-            <a:endParaRPr lang="zh-CN" altLang="en-US" sz="2000" b="1" dirty="0">
-              <a:solidFill>
-                <a:schemeClr val="tx1">
-                  <a:lumMod val="75000"/>
-                  <a:lumOff val="25000"/>
-                </a:schemeClr>
-              </a:solidFill>
               <a:latin typeface="微软雅黑" pitchFamily="34" charset="-122"/>
               <a:ea typeface="微软雅黑" pitchFamily="34" charset="-122"/>
             </a:endParaRPr>
@@ -13363,6 +17308,60 @@
           </a:prstGeom>
           <a:solidFill>
             <a:srgbClr val="FFC000">
+              <a:alpha val="90000"/>
+            </a:srgbClr>
+          </a:solidFill>
+          <a:ln w="9525" cap="flat" cmpd="sng" algn="ctr">
+            <a:noFill/>
+            <a:prstDash val="solid"/>
+            <a:round/>
+            <a:headEnd type="none" w="med" len="med"/>
+            <a:tailEnd type="none" w="med" len="med"/>
+          </a:ln>
+          <a:effectLst/>
+          <a:extLst/>
+        </p:spPr>
+        <p:txBody>
+          <a:bodyPr vert="horz" wrap="square" lIns="91440" tIns="45720" rIns="91440" bIns="45720" numCol="1" rtlCol="0" anchor="ctr" anchorCtr="0" compatLnSpc="1">
+            <a:prstTxWarp prst="textNoShape">
+              <a:avLst/>
+            </a:prstTxWarp>
+          </a:bodyPr>
+          <a:lstStyle/>
+          <a:p>
+            <a:pPr algn="ctr"/>
+            <a:r>
+              <a:rPr lang="zh-CN" altLang="en-US" sz="2000" b="1" dirty="0">
+                <a:solidFill>
+                  <a:schemeClr val="tx1">
+                    <a:lumMod val="75000"/>
+                    <a:lumOff val="25000"/>
+                  </a:schemeClr>
+                </a:solidFill>
+                <a:latin typeface="微软雅黑" pitchFamily="34" charset="-122"/>
+                <a:ea typeface="微软雅黑" pitchFamily="34" charset="-122"/>
+              </a:rPr>
+              <a:t>成员介绍</a:t>
+            </a:r>
+          </a:p>
+        </p:txBody>
+      </p:sp>
+      <p:sp>
+        <p:nvSpPr>
+          <p:cNvPr id="10" name="矩形 9"/>
+          <p:cNvSpPr/>
+          <p:nvPr/>
+        </p:nvSpPr>
+        <p:spPr bwMode="auto">
+          <a:xfrm>
+            <a:off x="0" y="4659794"/>
+            <a:ext cx="1524000" cy="483704"/>
+          </a:xfrm>
+          <a:prstGeom prst="rect">
+            <a:avLst/>
+          </a:prstGeom>
+          <a:solidFill>
+            <a:srgbClr val="FFC000">
               <a:alpha val="15000"/>
             </a:srgbClr>
           </a:solidFill>
@@ -13412,7 +17411,7 @@
                 <a:latin typeface="微软雅黑" pitchFamily="34" charset="-122"/>
                 <a:ea typeface="微软雅黑" pitchFamily="34" charset="-122"/>
               </a:rPr>
-              <a:t>成员介绍</a:t>
+              <a:t>学习成果</a:t>
             </a:r>
             <a:endParaRPr kumimoji="0" lang="zh-CN" altLang="en-US" sz="2000" b="1" i="0" u="none" strike="noStrike" cap="none" normalizeH="0" baseline="0" dirty="0">
               <a:ln>
@@ -13422,70 +17421,6 @@
                 <a:schemeClr val="bg1"/>
               </a:solidFill>
               <a:effectLst/>
-              <a:latin typeface="微软雅黑" pitchFamily="34" charset="-122"/>
-              <a:ea typeface="微软雅黑" pitchFamily="34" charset="-122"/>
-            </a:endParaRPr>
-          </a:p>
-        </p:txBody>
-      </p:sp>
-      <p:sp>
-        <p:nvSpPr>
-          <p:cNvPr id="10" name="矩形 9"/>
-          <p:cNvSpPr/>
-          <p:nvPr/>
-        </p:nvSpPr>
-        <p:spPr bwMode="auto">
-          <a:xfrm>
-            <a:off x="0" y="4659794"/>
-            <a:ext cx="1524000" cy="483704"/>
-          </a:xfrm>
-          <a:prstGeom prst="rect">
-            <a:avLst/>
-          </a:prstGeom>
-          <a:solidFill>
-            <a:srgbClr val="FFC000">
-              <a:alpha val="90000"/>
-            </a:srgbClr>
-          </a:solidFill>
-          <a:ln w="9525" cap="flat" cmpd="sng" algn="ctr">
-            <a:noFill/>
-            <a:prstDash val="solid"/>
-            <a:round/>
-            <a:headEnd type="none" w="med" len="med"/>
-            <a:tailEnd type="none" w="med" len="med"/>
-          </a:ln>
-          <a:effectLst/>
-          <a:extLst/>
-        </p:spPr>
-        <p:txBody>
-          <a:bodyPr vert="horz" wrap="square" lIns="91440" tIns="45720" rIns="91440" bIns="45720" numCol="1" rtlCol="0" anchor="ctr" anchorCtr="0" compatLnSpc="1">
-            <a:prstTxWarp prst="textNoShape">
-              <a:avLst/>
-            </a:prstTxWarp>
-          </a:bodyPr>
-          <a:lstStyle/>
-          <a:p>
-            <a:pPr algn="ctr"/>
-            <a:r>
-              <a:rPr lang="zh-CN" altLang="en-US" sz="2000" b="1" dirty="0">
-                <a:solidFill>
-                  <a:schemeClr val="tx1">
-                    <a:lumMod val="75000"/>
-                    <a:lumOff val="25000"/>
-                  </a:schemeClr>
-                </a:solidFill>
-                <a:latin typeface="微软雅黑" pitchFamily="34" charset="-122"/>
-                <a:ea typeface="微软雅黑" pitchFamily="34" charset="-122"/>
-              </a:rPr>
-              <a:t>学习成果</a:t>
-            </a:r>
-            <a:endParaRPr lang="zh-CN" altLang="en-US" sz="2000" b="1" dirty="0">
-              <a:solidFill>
-                <a:schemeClr val="tx1">
-                  <a:lumMod val="75000"/>
-                  <a:lumOff val="25000"/>
-                </a:schemeClr>
-              </a:solidFill>
               <a:latin typeface="微软雅黑" pitchFamily="34" charset="-122"/>
               <a:ea typeface="微软雅黑" pitchFamily="34" charset="-122"/>
             </a:endParaRPr>
@@ -14351,6 +18286,60 @@
           </a:prstGeom>
           <a:solidFill>
             <a:srgbClr val="FFC000">
+              <a:alpha val="90000"/>
+            </a:srgbClr>
+          </a:solidFill>
+          <a:ln w="9525" cap="flat" cmpd="sng" algn="ctr">
+            <a:noFill/>
+            <a:prstDash val="solid"/>
+            <a:round/>
+            <a:headEnd type="none" w="med" len="med"/>
+            <a:tailEnd type="none" w="med" len="med"/>
+          </a:ln>
+          <a:effectLst/>
+          <a:extLst/>
+        </p:spPr>
+        <p:txBody>
+          <a:bodyPr vert="horz" wrap="square" lIns="91440" tIns="45720" rIns="91440" bIns="45720" numCol="1" rtlCol="0" anchor="ctr" anchorCtr="0" compatLnSpc="1">
+            <a:prstTxWarp prst="textNoShape">
+              <a:avLst/>
+            </a:prstTxWarp>
+          </a:bodyPr>
+          <a:lstStyle/>
+          <a:p>
+            <a:pPr algn="ctr"/>
+            <a:r>
+              <a:rPr lang="zh-CN" altLang="en-US" sz="2000" b="1" dirty="0">
+                <a:solidFill>
+                  <a:schemeClr val="tx1">
+                    <a:lumMod val="75000"/>
+                    <a:lumOff val="25000"/>
+                  </a:schemeClr>
+                </a:solidFill>
+                <a:latin typeface="微软雅黑" pitchFamily="34" charset="-122"/>
+                <a:ea typeface="微软雅黑" pitchFamily="34" charset="-122"/>
+              </a:rPr>
+              <a:t>学习成果</a:t>
+            </a:r>
+          </a:p>
+        </p:txBody>
+      </p:sp>
+      <p:sp>
+        <p:nvSpPr>
+          <p:cNvPr id="11" name="矩形 10"/>
+          <p:cNvSpPr/>
+          <p:nvPr/>
+        </p:nvSpPr>
+        <p:spPr bwMode="auto">
+          <a:xfrm>
+            <a:off x="1524000" y="4659796"/>
+            <a:ext cx="1851660" cy="483704"/>
+          </a:xfrm>
+          <a:prstGeom prst="rect">
+            <a:avLst/>
+          </a:prstGeom>
+          <a:solidFill>
+            <a:srgbClr val="FFC000">
               <a:alpha val="15000"/>
             </a:srgbClr>
           </a:solidFill>
@@ -14400,7 +18389,7 @@
                 <a:latin typeface="微软雅黑" pitchFamily="34" charset="-122"/>
                 <a:ea typeface="微软雅黑" pitchFamily="34" charset="-122"/>
               </a:rPr>
-              <a:t>学习成果</a:t>
+              <a:t>小组课程输出</a:t>
             </a:r>
             <a:endParaRPr kumimoji="0" lang="zh-CN" altLang="en-US" sz="2000" b="1" i="0" u="none" strike="noStrike" cap="none" normalizeH="0" baseline="0" dirty="0">
               <a:ln>
@@ -14410,70 +18399,6 @@
                 <a:schemeClr val="bg1"/>
               </a:solidFill>
               <a:effectLst/>
-              <a:latin typeface="微软雅黑" pitchFamily="34" charset="-122"/>
-              <a:ea typeface="微软雅黑" pitchFamily="34" charset="-122"/>
-            </a:endParaRPr>
-          </a:p>
-        </p:txBody>
-      </p:sp>
-      <p:sp>
-        <p:nvSpPr>
-          <p:cNvPr id="11" name="矩形 10"/>
-          <p:cNvSpPr/>
-          <p:nvPr/>
-        </p:nvSpPr>
-        <p:spPr bwMode="auto">
-          <a:xfrm>
-            <a:off x="1524000" y="4659796"/>
-            <a:ext cx="1851660" cy="483704"/>
-          </a:xfrm>
-          <a:prstGeom prst="rect">
-            <a:avLst/>
-          </a:prstGeom>
-          <a:solidFill>
-            <a:srgbClr val="FFC000">
-              <a:alpha val="90000"/>
-            </a:srgbClr>
-          </a:solidFill>
-          <a:ln w="9525" cap="flat" cmpd="sng" algn="ctr">
-            <a:noFill/>
-            <a:prstDash val="solid"/>
-            <a:round/>
-            <a:headEnd type="none" w="med" len="med"/>
-            <a:tailEnd type="none" w="med" len="med"/>
-          </a:ln>
-          <a:effectLst/>
-          <a:extLst/>
-        </p:spPr>
-        <p:txBody>
-          <a:bodyPr vert="horz" wrap="square" lIns="91440" tIns="45720" rIns="91440" bIns="45720" numCol="1" rtlCol="0" anchor="ctr" anchorCtr="0" compatLnSpc="1">
-            <a:prstTxWarp prst="textNoShape">
-              <a:avLst/>
-            </a:prstTxWarp>
-          </a:bodyPr>
-          <a:lstStyle/>
-          <a:p>
-            <a:pPr algn="ctr"/>
-            <a:r>
-              <a:rPr lang="zh-CN" altLang="en-US" sz="2000" b="1" dirty="0">
-                <a:solidFill>
-                  <a:schemeClr val="tx1">
-                    <a:lumMod val="75000"/>
-                    <a:lumOff val="25000"/>
-                  </a:schemeClr>
-                </a:solidFill>
-                <a:latin typeface="微软雅黑" pitchFamily="34" charset="-122"/>
-                <a:ea typeface="微软雅黑" pitchFamily="34" charset="-122"/>
-              </a:rPr>
-              <a:t>小组课程输出</a:t>
-            </a:r>
-            <a:endParaRPr lang="zh-CN" altLang="en-US" sz="2000" b="1" dirty="0">
-              <a:solidFill>
-                <a:schemeClr val="tx1">
-                  <a:lumMod val="75000"/>
-                  <a:lumOff val="25000"/>
-                </a:schemeClr>
-              </a:solidFill>
               <a:latin typeface="微软雅黑" pitchFamily="34" charset="-122"/>
               <a:ea typeface="微软雅黑" pitchFamily="34" charset="-122"/>
             </a:endParaRPr>
@@ -15339,6 +19264,60 @@
           </a:prstGeom>
           <a:solidFill>
             <a:srgbClr val="FFC000">
+              <a:alpha val="90000"/>
+            </a:srgbClr>
+          </a:solidFill>
+          <a:ln w="9525" cap="flat" cmpd="sng" algn="ctr">
+            <a:noFill/>
+            <a:prstDash val="solid"/>
+            <a:round/>
+            <a:headEnd type="none" w="med" len="med"/>
+            <a:tailEnd type="none" w="med" len="med"/>
+          </a:ln>
+          <a:effectLst/>
+          <a:extLst/>
+        </p:spPr>
+        <p:txBody>
+          <a:bodyPr vert="horz" wrap="square" lIns="91440" tIns="45720" rIns="91440" bIns="45720" numCol="1" rtlCol="0" anchor="ctr" anchorCtr="0" compatLnSpc="1">
+            <a:prstTxWarp prst="textNoShape">
+              <a:avLst/>
+            </a:prstTxWarp>
+          </a:bodyPr>
+          <a:lstStyle/>
+          <a:p>
+            <a:pPr algn="ctr"/>
+            <a:r>
+              <a:rPr lang="zh-CN" altLang="en-US" sz="2000" b="1" dirty="0">
+                <a:solidFill>
+                  <a:schemeClr val="tx1">
+                    <a:lumMod val="75000"/>
+                    <a:lumOff val="25000"/>
+                  </a:schemeClr>
+                </a:solidFill>
+                <a:latin typeface="微软雅黑" pitchFamily="34" charset="-122"/>
+                <a:ea typeface="微软雅黑" pitchFamily="34" charset="-122"/>
+              </a:rPr>
+              <a:t>小组课程输出</a:t>
+            </a:r>
+          </a:p>
+        </p:txBody>
+      </p:sp>
+      <p:sp>
+        <p:nvSpPr>
+          <p:cNvPr id="12" name="矩形 11"/>
+          <p:cNvSpPr/>
+          <p:nvPr/>
+        </p:nvSpPr>
+        <p:spPr bwMode="auto">
+          <a:xfrm>
+            <a:off x="3375660" y="4659795"/>
+            <a:ext cx="1767840" cy="483704"/>
+          </a:xfrm>
+          <a:prstGeom prst="rect">
+            <a:avLst/>
+          </a:prstGeom>
+          <a:solidFill>
+            <a:srgbClr val="FFC000">
               <a:alpha val="15000"/>
             </a:srgbClr>
           </a:solidFill>
@@ -15388,7 +19367,7 @@
                 <a:latin typeface="微软雅黑" pitchFamily="34" charset="-122"/>
                 <a:ea typeface="微软雅黑" pitchFamily="34" charset="-122"/>
               </a:rPr>
-              <a:t>小组课程输出</a:t>
+              <a:t>个人学习报告</a:t>
             </a:r>
             <a:endParaRPr kumimoji="0" lang="zh-CN" altLang="en-US" sz="2000" b="1" i="0" u="none" strike="noStrike" cap="none" normalizeH="0" baseline="0" dirty="0">
               <a:ln>
@@ -15398,70 +19377,6 @@
                 <a:schemeClr val="bg1"/>
               </a:solidFill>
               <a:effectLst/>
-              <a:latin typeface="微软雅黑" pitchFamily="34" charset="-122"/>
-              <a:ea typeface="微软雅黑" pitchFamily="34" charset="-122"/>
-            </a:endParaRPr>
-          </a:p>
-        </p:txBody>
-      </p:sp>
-      <p:sp>
-        <p:nvSpPr>
-          <p:cNvPr id="12" name="矩形 11"/>
-          <p:cNvSpPr/>
-          <p:nvPr/>
-        </p:nvSpPr>
-        <p:spPr bwMode="auto">
-          <a:xfrm>
-            <a:off x="3375660" y="4659795"/>
-            <a:ext cx="1767840" cy="483704"/>
-          </a:xfrm>
-          <a:prstGeom prst="rect">
-            <a:avLst/>
-          </a:prstGeom>
-          <a:solidFill>
-            <a:srgbClr val="FFC000">
-              <a:alpha val="90000"/>
-            </a:srgbClr>
-          </a:solidFill>
-          <a:ln w="9525" cap="flat" cmpd="sng" algn="ctr">
-            <a:noFill/>
-            <a:prstDash val="solid"/>
-            <a:round/>
-            <a:headEnd type="none" w="med" len="med"/>
-            <a:tailEnd type="none" w="med" len="med"/>
-          </a:ln>
-          <a:effectLst/>
-          <a:extLst/>
-        </p:spPr>
-        <p:txBody>
-          <a:bodyPr vert="horz" wrap="square" lIns="91440" tIns="45720" rIns="91440" bIns="45720" numCol="1" rtlCol="0" anchor="ctr" anchorCtr="0" compatLnSpc="1">
-            <a:prstTxWarp prst="textNoShape">
-              <a:avLst/>
-            </a:prstTxWarp>
-          </a:bodyPr>
-          <a:lstStyle/>
-          <a:p>
-            <a:pPr algn="ctr"/>
-            <a:r>
-              <a:rPr lang="zh-CN" altLang="en-US" sz="2000" b="1" dirty="0">
-                <a:solidFill>
-                  <a:schemeClr val="tx1">
-                    <a:lumMod val="75000"/>
-                    <a:lumOff val="25000"/>
-                  </a:schemeClr>
-                </a:solidFill>
-                <a:latin typeface="微软雅黑" pitchFamily="34" charset="-122"/>
-                <a:ea typeface="微软雅黑" pitchFamily="34" charset="-122"/>
-              </a:rPr>
-              <a:t>个人学习报告</a:t>
-            </a:r>
-            <a:endParaRPr lang="zh-CN" altLang="en-US" sz="2000" b="1" dirty="0">
-              <a:solidFill>
-                <a:schemeClr val="tx1">
-                  <a:lumMod val="75000"/>
-                  <a:lumOff val="25000"/>
-                </a:schemeClr>
-              </a:solidFill>
               <a:latin typeface="微软雅黑" pitchFamily="34" charset="-122"/>
               <a:ea typeface="微软雅黑" pitchFamily="34" charset="-122"/>
             </a:endParaRPr>
@@ -16117,7 +20032,7 @@
   </a:extraClrSchemeLst>
   <a:extLst>
     <a:ext uri="{05A4C25C-085E-4340-85A3-A5531E510DB2}">
-      <thm15:themeFamily xmlns="" xmlns:thm15="http://schemas.microsoft.com/office/thememl/2012/main" name="孟琪-商业计划PPT模板 (19)" id="{30428E57-210E-8A48-AFC2-3B0A556AE7DF}" vid="{80471B2D-BE42-FF44-87D8-28E9C59BEE4E}"/>
+      <thm15:themeFamily xmlns:thm15="http://schemas.microsoft.com/office/thememl/2012/main" xmlns="" name="孟琪-商业计划PPT模板 (19)" id="{30428E57-210E-8A48-AFC2-3B0A556AE7DF}" vid="{80471B2D-BE42-FF44-87D8-28E9C59BEE4E}"/>
     </a:ext>
   </a:extLst>
 </a:theme>
